--- a/teaser/slide-video-w7.pptx
+++ b/teaser/slide-video-w7.pptx
@@ -5,11 +5,19 @@
     <p:sldMasterId id="2147483660" r:id="rId1"/>
   </p:sldMasterIdLst>
   <p:notesMasterIdLst>
-    <p:notesMasterId r:id="rId4"/>
+    <p:notesMasterId r:id="rId12"/>
   </p:notesMasterIdLst>
   <p:sldIdLst>
     <p:sldId id="293" r:id="rId2"/>
     <p:sldId id="301" r:id="rId3"/>
+    <p:sldId id="302" r:id="rId4"/>
+    <p:sldId id="303" r:id="rId5"/>
+    <p:sldId id="304" r:id="rId6"/>
+    <p:sldId id="305" r:id="rId7"/>
+    <p:sldId id="306" r:id="rId8"/>
+    <p:sldId id="307" r:id="rId9"/>
+    <p:sldId id="308" r:id="rId10"/>
+    <p:sldId id="309" r:id="rId11"/>
   </p:sldIdLst>
   <p:sldSz cx="12192000" cy="6858000"/>
   <p:notesSz cx="6858000" cy="9144000"/>
@@ -331,7 +339,7 @@
           <a:p>
             <a:fld id="{A80A7980-7F4C-8D4B-AD5B-5412C3EE7037}" type="slidenum">
               <a:rPr lang="fr-FR" smtClean="0"/>
-              <a:t>‹#›</a:t>
+              <a:t>‹N°›</a:t>
             </a:fld>
             <a:endParaRPr lang="fr-FR"/>
           </a:p>
@@ -546,6 +554,117 @@
 </p:notes>
 </file>
 
+<file path=ppt/notesSlides/notesSlide10.xml><?xml version="1.0" encoding="utf-8"?>
+<p:notes xmlns:a="http://schemas.openxmlformats.org/drawingml/2006/main" xmlns:r="http://schemas.openxmlformats.org/officeDocument/2006/relationships" xmlns:p="http://schemas.openxmlformats.org/presentationml/2006/main">
+  <p:cSld>
+    <p:spTree>
+      <p:nvGrpSpPr>
+        <p:cNvPr id="1" name=""/>
+        <p:cNvGrpSpPr/>
+        <p:nvPr/>
+      </p:nvGrpSpPr>
+      <p:grpSpPr>
+        <a:xfrm>
+          <a:off x="0" y="0"/>
+          <a:ext cx="0" cy="0"/>
+          <a:chOff x="0" y="0"/>
+          <a:chExt cx="0" cy="0"/>
+        </a:xfrm>
+      </p:grpSpPr>
+      <p:sp>
+        <p:nvSpPr>
+          <p:cNvPr id="2" name="Espace réservé de l'image des diapositives 1"/>
+          <p:cNvSpPr>
+            <a:spLocks noGrp="1" noRot="1" noChangeAspect="1"/>
+          </p:cNvSpPr>
+          <p:nvPr>
+            <p:ph type="sldImg"/>
+          </p:nvPr>
+        </p:nvSpPr>
+        <p:spPr>
+          <a:xfrm>
+            <a:off x="381000" y="685800"/>
+            <a:ext cx="6096000" cy="3429000"/>
+          </a:xfrm>
+        </p:spPr>
+      </p:sp>
+      <p:sp>
+        <p:nvSpPr>
+          <p:cNvPr id="3" name="Espace réservé des commentaires 2"/>
+          <p:cNvSpPr>
+            <a:spLocks noGrp="1"/>
+          </p:cNvSpPr>
+          <p:nvPr>
+            <p:ph type="body" idx="1"/>
+          </p:nvPr>
+        </p:nvSpPr>
+        <p:spPr/>
+        <p:txBody>
+          <a:bodyPr/>
+          <a:lstStyle/>
+          <a:p>
+            <a:endParaRPr lang="fr-FR" dirty="0"/>
+          </a:p>
+        </p:txBody>
+      </p:sp>
+      <p:sp>
+        <p:nvSpPr>
+          <p:cNvPr id="4" name="Espace réservé du numéro de diapositive 3"/>
+          <p:cNvSpPr>
+            <a:spLocks noGrp="1"/>
+          </p:cNvSpPr>
+          <p:nvPr>
+            <p:ph type="sldNum" sz="quarter" idx="10"/>
+          </p:nvPr>
+        </p:nvSpPr>
+        <p:spPr/>
+        <p:txBody>
+          <a:bodyPr/>
+          <a:lstStyle/>
+          <a:p>
+            <a:fld id="{884C2278-3D89-BA47-96CC-D4BAEF21B6A6}" type="slidenum">
+              <a:rPr lang="fr-FR" smtClean="0"/>
+              <a:t>10</a:t>
+            </a:fld>
+            <a:endParaRPr lang="fr-FR"/>
+          </a:p>
+        </p:txBody>
+      </p:sp>
+      <p:sp>
+        <p:nvSpPr>
+          <p:cNvPr id="5" name="Espace réservé du pied de page 4"/>
+          <p:cNvSpPr>
+            <a:spLocks noGrp="1"/>
+          </p:cNvSpPr>
+          <p:nvPr>
+            <p:ph type="ftr" sz="quarter" idx="11"/>
+          </p:nvPr>
+        </p:nvSpPr>
+        <p:spPr/>
+        <p:txBody>
+          <a:bodyPr/>
+          <a:lstStyle/>
+          <a:p>
+            <a:r>
+              <a:rPr lang="fr-FR"/>
+              <a:t>Nom abrégé de cours - Enseignant</a:t>
+            </a:r>
+          </a:p>
+        </p:txBody>
+      </p:sp>
+    </p:spTree>
+    <p:extLst>
+      <p:ext uri="{BB962C8B-B14F-4D97-AF65-F5344CB8AC3E}">
+        <p14:creationId xmlns:p14="http://schemas.microsoft.com/office/powerpoint/2010/main" val="551662212"/>
+      </p:ext>
+    </p:extLst>
+  </p:cSld>
+  <p:clrMapOvr>
+    <a:masterClrMapping/>
+  </p:clrMapOvr>
+</p:notes>
+</file>
+
 <file path=ppt/notesSlides/notesSlide2.xml><?xml version="1.0" encoding="utf-8"?>
 <p:notes xmlns:a="http://schemas.openxmlformats.org/drawingml/2006/main" xmlns:r="http://schemas.openxmlformats.org/officeDocument/2006/relationships" xmlns:p="http://schemas.openxmlformats.org/presentationml/2006/main">
   <p:cSld>
@@ -648,6 +767,783 @@
     <p:extLst>
       <p:ext uri="{BB962C8B-B14F-4D97-AF65-F5344CB8AC3E}">
         <p14:creationId xmlns:p14="http://schemas.microsoft.com/office/powerpoint/2010/main" val="3862941665"/>
+      </p:ext>
+    </p:extLst>
+  </p:cSld>
+  <p:clrMapOvr>
+    <a:masterClrMapping/>
+  </p:clrMapOvr>
+</p:notes>
+</file>
+
+<file path=ppt/notesSlides/notesSlide3.xml><?xml version="1.0" encoding="utf-8"?>
+<p:notes xmlns:a="http://schemas.openxmlformats.org/drawingml/2006/main" xmlns:r="http://schemas.openxmlformats.org/officeDocument/2006/relationships" xmlns:p="http://schemas.openxmlformats.org/presentationml/2006/main">
+  <p:cSld>
+    <p:spTree>
+      <p:nvGrpSpPr>
+        <p:cNvPr id="1" name=""/>
+        <p:cNvGrpSpPr/>
+        <p:nvPr/>
+      </p:nvGrpSpPr>
+      <p:grpSpPr>
+        <a:xfrm>
+          <a:off x="0" y="0"/>
+          <a:ext cx="0" cy="0"/>
+          <a:chOff x="0" y="0"/>
+          <a:chExt cx="0" cy="0"/>
+        </a:xfrm>
+      </p:grpSpPr>
+      <p:sp>
+        <p:nvSpPr>
+          <p:cNvPr id="2" name="Espace réservé de l'image des diapositives 1"/>
+          <p:cNvSpPr>
+            <a:spLocks noGrp="1" noRot="1" noChangeAspect="1"/>
+          </p:cNvSpPr>
+          <p:nvPr>
+            <p:ph type="sldImg"/>
+          </p:nvPr>
+        </p:nvSpPr>
+        <p:spPr>
+          <a:xfrm>
+            <a:off x="381000" y="685800"/>
+            <a:ext cx="6096000" cy="3429000"/>
+          </a:xfrm>
+        </p:spPr>
+      </p:sp>
+      <p:sp>
+        <p:nvSpPr>
+          <p:cNvPr id="3" name="Espace réservé des commentaires 2"/>
+          <p:cNvSpPr>
+            <a:spLocks noGrp="1"/>
+          </p:cNvSpPr>
+          <p:nvPr>
+            <p:ph type="body" idx="1"/>
+          </p:nvPr>
+        </p:nvSpPr>
+        <p:spPr/>
+        <p:txBody>
+          <a:bodyPr/>
+          <a:lstStyle/>
+          <a:p>
+            <a:endParaRPr lang="fr-FR" dirty="0"/>
+          </a:p>
+        </p:txBody>
+      </p:sp>
+      <p:sp>
+        <p:nvSpPr>
+          <p:cNvPr id="4" name="Espace réservé du numéro de diapositive 3"/>
+          <p:cNvSpPr>
+            <a:spLocks noGrp="1"/>
+          </p:cNvSpPr>
+          <p:nvPr>
+            <p:ph type="sldNum" sz="quarter" idx="10"/>
+          </p:nvPr>
+        </p:nvSpPr>
+        <p:spPr/>
+        <p:txBody>
+          <a:bodyPr/>
+          <a:lstStyle/>
+          <a:p>
+            <a:fld id="{884C2278-3D89-BA47-96CC-D4BAEF21B6A6}" type="slidenum">
+              <a:rPr lang="fr-FR" smtClean="0"/>
+              <a:t>3</a:t>
+            </a:fld>
+            <a:endParaRPr lang="fr-FR"/>
+          </a:p>
+        </p:txBody>
+      </p:sp>
+      <p:sp>
+        <p:nvSpPr>
+          <p:cNvPr id="5" name="Espace réservé du pied de page 4"/>
+          <p:cNvSpPr>
+            <a:spLocks noGrp="1"/>
+          </p:cNvSpPr>
+          <p:nvPr>
+            <p:ph type="ftr" sz="quarter" idx="11"/>
+          </p:nvPr>
+        </p:nvSpPr>
+        <p:spPr/>
+        <p:txBody>
+          <a:bodyPr/>
+          <a:lstStyle/>
+          <a:p>
+            <a:r>
+              <a:rPr lang="fr-FR"/>
+              <a:t>Nom abrégé de cours - Enseignant</a:t>
+            </a:r>
+          </a:p>
+        </p:txBody>
+      </p:sp>
+    </p:spTree>
+    <p:extLst>
+      <p:ext uri="{BB962C8B-B14F-4D97-AF65-F5344CB8AC3E}">
+        <p14:creationId xmlns:p14="http://schemas.microsoft.com/office/powerpoint/2010/main" val="524463991"/>
+      </p:ext>
+    </p:extLst>
+  </p:cSld>
+  <p:clrMapOvr>
+    <a:masterClrMapping/>
+  </p:clrMapOvr>
+</p:notes>
+</file>
+
+<file path=ppt/notesSlides/notesSlide4.xml><?xml version="1.0" encoding="utf-8"?>
+<p:notes xmlns:a="http://schemas.openxmlformats.org/drawingml/2006/main" xmlns:r="http://schemas.openxmlformats.org/officeDocument/2006/relationships" xmlns:p="http://schemas.openxmlformats.org/presentationml/2006/main">
+  <p:cSld>
+    <p:spTree>
+      <p:nvGrpSpPr>
+        <p:cNvPr id="1" name=""/>
+        <p:cNvGrpSpPr/>
+        <p:nvPr/>
+      </p:nvGrpSpPr>
+      <p:grpSpPr>
+        <a:xfrm>
+          <a:off x="0" y="0"/>
+          <a:ext cx="0" cy="0"/>
+          <a:chOff x="0" y="0"/>
+          <a:chExt cx="0" cy="0"/>
+        </a:xfrm>
+      </p:grpSpPr>
+      <p:sp>
+        <p:nvSpPr>
+          <p:cNvPr id="2" name="Espace réservé de l'image des diapositives 1"/>
+          <p:cNvSpPr>
+            <a:spLocks noGrp="1" noRot="1" noChangeAspect="1"/>
+          </p:cNvSpPr>
+          <p:nvPr>
+            <p:ph type="sldImg"/>
+          </p:nvPr>
+        </p:nvSpPr>
+        <p:spPr>
+          <a:xfrm>
+            <a:off x="381000" y="685800"/>
+            <a:ext cx="6096000" cy="3429000"/>
+          </a:xfrm>
+        </p:spPr>
+      </p:sp>
+      <p:sp>
+        <p:nvSpPr>
+          <p:cNvPr id="3" name="Espace réservé des commentaires 2"/>
+          <p:cNvSpPr>
+            <a:spLocks noGrp="1"/>
+          </p:cNvSpPr>
+          <p:nvPr>
+            <p:ph type="body" idx="1"/>
+          </p:nvPr>
+        </p:nvSpPr>
+        <p:spPr/>
+        <p:txBody>
+          <a:bodyPr/>
+          <a:lstStyle/>
+          <a:p>
+            <a:endParaRPr lang="fr-FR" dirty="0"/>
+          </a:p>
+        </p:txBody>
+      </p:sp>
+      <p:sp>
+        <p:nvSpPr>
+          <p:cNvPr id="4" name="Espace réservé du numéro de diapositive 3"/>
+          <p:cNvSpPr>
+            <a:spLocks noGrp="1"/>
+          </p:cNvSpPr>
+          <p:nvPr>
+            <p:ph type="sldNum" sz="quarter" idx="10"/>
+          </p:nvPr>
+        </p:nvSpPr>
+        <p:spPr/>
+        <p:txBody>
+          <a:bodyPr/>
+          <a:lstStyle/>
+          <a:p>
+            <a:fld id="{884C2278-3D89-BA47-96CC-D4BAEF21B6A6}" type="slidenum">
+              <a:rPr lang="fr-FR" smtClean="0"/>
+              <a:t>4</a:t>
+            </a:fld>
+            <a:endParaRPr lang="fr-FR"/>
+          </a:p>
+        </p:txBody>
+      </p:sp>
+      <p:sp>
+        <p:nvSpPr>
+          <p:cNvPr id="5" name="Espace réservé du pied de page 4"/>
+          <p:cNvSpPr>
+            <a:spLocks noGrp="1"/>
+          </p:cNvSpPr>
+          <p:nvPr>
+            <p:ph type="ftr" sz="quarter" idx="11"/>
+          </p:nvPr>
+        </p:nvSpPr>
+        <p:spPr/>
+        <p:txBody>
+          <a:bodyPr/>
+          <a:lstStyle/>
+          <a:p>
+            <a:r>
+              <a:rPr lang="fr-FR"/>
+              <a:t>Nom abrégé de cours - Enseignant</a:t>
+            </a:r>
+          </a:p>
+        </p:txBody>
+      </p:sp>
+    </p:spTree>
+    <p:extLst>
+      <p:ext uri="{BB962C8B-B14F-4D97-AF65-F5344CB8AC3E}">
+        <p14:creationId xmlns:p14="http://schemas.microsoft.com/office/powerpoint/2010/main" val="2412277999"/>
+      </p:ext>
+    </p:extLst>
+  </p:cSld>
+  <p:clrMapOvr>
+    <a:masterClrMapping/>
+  </p:clrMapOvr>
+</p:notes>
+</file>
+
+<file path=ppt/notesSlides/notesSlide5.xml><?xml version="1.0" encoding="utf-8"?>
+<p:notes xmlns:a="http://schemas.openxmlformats.org/drawingml/2006/main" xmlns:r="http://schemas.openxmlformats.org/officeDocument/2006/relationships" xmlns:p="http://schemas.openxmlformats.org/presentationml/2006/main">
+  <p:cSld>
+    <p:spTree>
+      <p:nvGrpSpPr>
+        <p:cNvPr id="1" name=""/>
+        <p:cNvGrpSpPr/>
+        <p:nvPr/>
+      </p:nvGrpSpPr>
+      <p:grpSpPr>
+        <a:xfrm>
+          <a:off x="0" y="0"/>
+          <a:ext cx="0" cy="0"/>
+          <a:chOff x="0" y="0"/>
+          <a:chExt cx="0" cy="0"/>
+        </a:xfrm>
+      </p:grpSpPr>
+      <p:sp>
+        <p:nvSpPr>
+          <p:cNvPr id="2" name="Espace réservé de l'image des diapositives 1"/>
+          <p:cNvSpPr>
+            <a:spLocks noGrp="1" noRot="1" noChangeAspect="1"/>
+          </p:cNvSpPr>
+          <p:nvPr>
+            <p:ph type="sldImg"/>
+          </p:nvPr>
+        </p:nvSpPr>
+        <p:spPr>
+          <a:xfrm>
+            <a:off x="381000" y="685800"/>
+            <a:ext cx="6096000" cy="3429000"/>
+          </a:xfrm>
+        </p:spPr>
+      </p:sp>
+      <p:sp>
+        <p:nvSpPr>
+          <p:cNvPr id="3" name="Espace réservé des commentaires 2"/>
+          <p:cNvSpPr>
+            <a:spLocks noGrp="1"/>
+          </p:cNvSpPr>
+          <p:nvPr>
+            <p:ph type="body" idx="1"/>
+          </p:nvPr>
+        </p:nvSpPr>
+        <p:spPr/>
+        <p:txBody>
+          <a:bodyPr/>
+          <a:lstStyle/>
+          <a:p>
+            <a:endParaRPr lang="fr-FR" dirty="0"/>
+          </a:p>
+        </p:txBody>
+      </p:sp>
+      <p:sp>
+        <p:nvSpPr>
+          <p:cNvPr id="4" name="Espace réservé du numéro de diapositive 3"/>
+          <p:cNvSpPr>
+            <a:spLocks noGrp="1"/>
+          </p:cNvSpPr>
+          <p:nvPr>
+            <p:ph type="sldNum" sz="quarter" idx="10"/>
+          </p:nvPr>
+        </p:nvSpPr>
+        <p:spPr/>
+        <p:txBody>
+          <a:bodyPr/>
+          <a:lstStyle/>
+          <a:p>
+            <a:fld id="{884C2278-3D89-BA47-96CC-D4BAEF21B6A6}" type="slidenum">
+              <a:rPr lang="fr-FR" smtClean="0"/>
+              <a:t>5</a:t>
+            </a:fld>
+            <a:endParaRPr lang="fr-FR"/>
+          </a:p>
+        </p:txBody>
+      </p:sp>
+      <p:sp>
+        <p:nvSpPr>
+          <p:cNvPr id="5" name="Espace réservé du pied de page 4"/>
+          <p:cNvSpPr>
+            <a:spLocks noGrp="1"/>
+          </p:cNvSpPr>
+          <p:nvPr>
+            <p:ph type="ftr" sz="quarter" idx="11"/>
+          </p:nvPr>
+        </p:nvSpPr>
+        <p:spPr/>
+        <p:txBody>
+          <a:bodyPr/>
+          <a:lstStyle/>
+          <a:p>
+            <a:r>
+              <a:rPr lang="fr-FR"/>
+              <a:t>Nom abrégé de cours - Enseignant</a:t>
+            </a:r>
+          </a:p>
+        </p:txBody>
+      </p:sp>
+    </p:spTree>
+    <p:extLst>
+      <p:ext uri="{BB962C8B-B14F-4D97-AF65-F5344CB8AC3E}">
+        <p14:creationId xmlns:p14="http://schemas.microsoft.com/office/powerpoint/2010/main" val="2179864962"/>
+      </p:ext>
+    </p:extLst>
+  </p:cSld>
+  <p:clrMapOvr>
+    <a:masterClrMapping/>
+  </p:clrMapOvr>
+</p:notes>
+</file>
+
+<file path=ppt/notesSlides/notesSlide6.xml><?xml version="1.0" encoding="utf-8"?>
+<p:notes xmlns:a="http://schemas.openxmlformats.org/drawingml/2006/main" xmlns:r="http://schemas.openxmlformats.org/officeDocument/2006/relationships" xmlns:p="http://schemas.openxmlformats.org/presentationml/2006/main">
+  <p:cSld>
+    <p:spTree>
+      <p:nvGrpSpPr>
+        <p:cNvPr id="1" name=""/>
+        <p:cNvGrpSpPr/>
+        <p:nvPr/>
+      </p:nvGrpSpPr>
+      <p:grpSpPr>
+        <a:xfrm>
+          <a:off x="0" y="0"/>
+          <a:ext cx="0" cy="0"/>
+          <a:chOff x="0" y="0"/>
+          <a:chExt cx="0" cy="0"/>
+        </a:xfrm>
+      </p:grpSpPr>
+      <p:sp>
+        <p:nvSpPr>
+          <p:cNvPr id="2" name="Espace réservé de l'image des diapositives 1"/>
+          <p:cNvSpPr>
+            <a:spLocks noGrp="1" noRot="1" noChangeAspect="1"/>
+          </p:cNvSpPr>
+          <p:nvPr>
+            <p:ph type="sldImg"/>
+          </p:nvPr>
+        </p:nvSpPr>
+        <p:spPr>
+          <a:xfrm>
+            <a:off x="381000" y="685800"/>
+            <a:ext cx="6096000" cy="3429000"/>
+          </a:xfrm>
+        </p:spPr>
+      </p:sp>
+      <p:sp>
+        <p:nvSpPr>
+          <p:cNvPr id="3" name="Espace réservé des commentaires 2"/>
+          <p:cNvSpPr>
+            <a:spLocks noGrp="1"/>
+          </p:cNvSpPr>
+          <p:nvPr>
+            <p:ph type="body" idx="1"/>
+          </p:nvPr>
+        </p:nvSpPr>
+        <p:spPr/>
+        <p:txBody>
+          <a:bodyPr/>
+          <a:lstStyle/>
+          <a:p>
+            <a:endParaRPr lang="fr-FR" dirty="0"/>
+          </a:p>
+        </p:txBody>
+      </p:sp>
+      <p:sp>
+        <p:nvSpPr>
+          <p:cNvPr id="4" name="Espace réservé du numéro de diapositive 3"/>
+          <p:cNvSpPr>
+            <a:spLocks noGrp="1"/>
+          </p:cNvSpPr>
+          <p:nvPr>
+            <p:ph type="sldNum" sz="quarter" idx="10"/>
+          </p:nvPr>
+        </p:nvSpPr>
+        <p:spPr/>
+        <p:txBody>
+          <a:bodyPr/>
+          <a:lstStyle/>
+          <a:p>
+            <a:fld id="{884C2278-3D89-BA47-96CC-D4BAEF21B6A6}" type="slidenum">
+              <a:rPr lang="fr-FR" smtClean="0"/>
+              <a:t>6</a:t>
+            </a:fld>
+            <a:endParaRPr lang="fr-FR"/>
+          </a:p>
+        </p:txBody>
+      </p:sp>
+      <p:sp>
+        <p:nvSpPr>
+          <p:cNvPr id="5" name="Espace réservé du pied de page 4"/>
+          <p:cNvSpPr>
+            <a:spLocks noGrp="1"/>
+          </p:cNvSpPr>
+          <p:nvPr>
+            <p:ph type="ftr" sz="quarter" idx="11"/>
+          </p:nvPr>
+        </p:nvSpPr>
+        <p:spPr/>
+        <p:txBody>
+          <a:bodyPr/>
+          <a:lstStyle/>
+          <a:p>
+            <a:r>
+              <a:rPr lang="fr-FR"/>
+              <a:t>Nom abrégé de cours - Enseignant</a:t>
+            </a:r>
+          </a:p>
+        </p:txBody>
+      </p:sp>
+    </p:spTree>
+    <p:extLst>
+      <p:ext uri="{BB962C8B-B14F-4D97-AF65-F5344CB8AC3E}">
+        <p14:creationId xmlns:p14="http://schemas.microsoft.com/office/powerpoint/2010/main" val="807573189"/>
+      </p:ext>
+    </p:extLst>
+  </p:cSld>
+  <p:clrMapOvr>
+    <a:masterClrMapping/>
+  </p:clrMapOvr>
+</p:notes>
+</file>
+
+<file path=ppt/notesSlides/notesSlide7.xml><?xml version="1.0" encoding="utf-8"?>
+<p:notes xmlns:a="http://schemas.openxmlformats.org/drawingml/2006/main" xmlns:r="http://schemas.openxmlformats.org/officeDocument/2006/relationships" xmlns:p="http://schemas.openxmlformats.org/presentationml/2006/main">
+  <p:cSld>
+    <p:spTree>
+      <p:nvGrpSpPr>
+        <p:cNvPr id="1" name=""/>
+        <p:cNvGrpSpPr/>
+        <p:nvPr/>
+      </p:nvGrpSpPr>
+      <p:grpSpPr>
+        <a:xfrm>
+          <a:off x="0" y="0"/>
+          <a:ext cx="0" cy="0"/>
+          <a:chOff x="0" y="0"/>
+          <a:chExt cx="0" cy="0"/>
+        </a:xfrm>
+      </p:grpSpPr>
+      <p:sp>
+        <p:nvSpPr>
+          <p:cNvPr id="2" name="Espace réservé de l'image des diapositives 1"/>
+          <p:cNvSpPr>
+            <a:spLocks noGrp="1" noRot="1" noChangeAspect="1"/>
+          </p:cNvSpPr>
+          <p:nvPr>
+            <p:ph type="sldImg"/>
+          </p:nvPr>
+        </p:nvSpPr>
+        <p:spPr>
+          <a:xfrm>
+            <a:off x="381000" y="685800"/>
+            <a:ext cx="6096000" cy="3429000"/>
+          </a:xfrm>
+        </p:spPr>
+      </p:sp>
+      <p:sp>
+        <p:nvSpPr>
+          <p:cNvPr id="3" name="Espace réservé des commentaires 2"/>
+          <p:cNvSpPr>
+            <a:spLocks noGrp="1"/>
+          </p:cNvSpPr>
+          <p:nvPr>
+            <p:ph type="body" idx="1"/>
+          </p:nvPr>
+        </p:nvSpPr>
+        <p:spPr/>
+        <p:txBody>
+          <a:bodyPr/>
+          <a:lstStyle/>
+          <a:p>
+            <a:endParaRPr lang="fr-FR" dirty="0"/>
+          </a:p>
+        </p:txBody>
+      </p:sp>
+      <p:sp>
+        <p:nvSpPr>
+          <p:cNvPr id="4" name="Espace réservé du numéro de diapositive 3"/>
+          <p:cNvSpPr>
+            <a:spLocks noGrp="1"/>
+          </p:cNvSpPr>
+          <p:nvPr>
+            <p:ph type="sldNum" sz="quarter" idx="10"/>
+          </p:nvPr>
+        </p:nvSpPr>
+        <p:spPr/>
+        <p:txBody>
+          <a:bodyPr/>
+          <a:lstStyle/>
+          <a:p>
+            <a:fld id="{884C2278-3D89-BA47-96CC-D4BAEF21B6A6}" type="slidenum">
+              <a:rPr lang="fr-FR" smtClean="0"/>
+              <a:t>7</a:t>
+            </a:fld>
+            <a:endParaRPr lang="fr-FR"/>
+          </a:p>
+        </p:txBody>
+      </p:sp>
+      <p:sp>
+        <p:nvSpPr>
+          <p:cNvPr id="5" name="Espace réservé du pied de page 4"/>
+          <p:cNvSpPr>
+            <a:spLocks noGrp="1"/>
+          </p:cNvSpPr>
+          <p:nvPr>
+            <p:ph type="ftr" sz="quarter" idx="11"/>
+          </p:nvPr>
+        </p:nvSpPr>
+        <p:spPr/>
+        <p:txBody>
+          <a:bodyPr/>
+          <a:lstStyle/>
+          <a:p>
+            <a:r>
+              <a:rPr lang="fr-FR"/>
+              <a:t>Nom abrégé de cours - Enseignant</a:t>
+            </a:r>
+          </a:p>
+        </p:txBody>
+      </p:sp>
+    </p:spTree>
+    <p:extLst>
+      <p:ext uri="{BB962C8B-B14F-4D97-AF65-F5344CB8AC3E}">
+        <p14:creationId xmlns:p14="http://schemas.microsoft.com/office/powerpoint/2010/main" val="2697753592"/>
+      </p:ext>
+    </p:extLst>
+  </p:cSld>
+  <p:clrMapOvr>
+    <a:masterClrMapping/>
+  </p:clrMapOvr>
+</p:notes>
+</file>
+
+<file path=ppt/notesSlides/notesSlide8.xml><?xml version="1.0" encoding="utf-8"?>
+<p:notes xmlns:a="http://schemas.openxmlformats.org/drawingml/2006/main" xmlns:r="http://schemas.openxmlformats.org/officeDocument/2006/relationships" xmlns:p="http://schemas.openxmlformats.org/presentationml/2006/main">
+  <p:cSld>
+    <p:spTree>
+      <p:nvGrpSpPr>
+        <p:cNvPr id="1" name=""/>
+        <p:cNvGrpSpPr/>
+        <p:nvPr/>
+      </p:nvGrpSpPr>
+      <p:grpSpPr>
+        <a:xfrm>
+          <a:off x="0" y="0"/>
+          <a:ext cx="0" cy="0"/>
+          <a:chOff x="0" y="0"/>
+          <a:chExt cx="0" cy="0"/>
+        </a:xfrm>
+      </p:grpSpPr>
+      <p:sp>
+        <p:nvSpPr>
+          <p:cNvPr id="2" name="Espace réservé de l'image des diapositives 1"/>
+          <p:cNvSpPr>
+            <a:spLocks noGrp="1" noRot="1" noChangeAspect="1"/>
+          </p:cNvSpPr>
+          <p:nvPr>
+            <p:ph type="sldImg"/>
+          </p:nvPr>
+        </p:nvSpPr>
+        <p:spPr>
+          <a:xfrm>
+            <a:off x="381000" y="685800"/>
+            <a:ext cx="6096000" cy="3429000"/>
+          </a:xfrm>
+        </p:spPr>
+      </p:sp>
+      <p:sp>
+        <p:nvSpPr>
+          <p:cNvPr id="3" name="Espace réservé des commentaires 2"/>
+          <p:cNvSpPr>
+            <a:spLocks noGrp="1"/>
+          </p:cNvSpPr>
+          <p:nvPr>
+            <p:ph type="body" idx="1"/>
+          </p:nvPr>
+        </p:nvSpPr>
+        <p:spPr/>
+        <p:txBody>
+          <a:bodyPr/>
+          <a:lstStyle/>
+          <a:p>
+            <a:endParaRPr lang="fr-FR" dirty="0"/>
+          </a:p>
+        </p:txBody>
+      </p:sp>
+      <p:sp>
+        <p:nvSpPr>
+          <p:cNvPr id="4" name="Espace réservé du numéro de diapositive 3"/>
+          <p:cNvSpPr>
+            <a:spLocks noGrp="1"/>
+          </p:cNvSpPr>
+          <p:nvPr>
+            <p:ph type="sldNum" sz="quarter" idx="10"/>
+          </p:nvPr>
+        </p:nvSpPr>
+        <p:spPr/>
+        <p:txBody>
+          <a:bodyPr/>
+          <a:lstStyle/>
+          <a:p>
+            <a:fld id="{884C2278-3D89-BA47-96CC-D4BAEF21B6A6}" type="slidenum">
+              <a:rPr lang="fr-FR" smtClean="0"/>
+              <a:t>8</a:t>
+            </a:fld>
+            <a:endParaRPr lang="fr-FR"/>
+          </a:p>
+        </p:txBody>
+      </p:sp>
+      <p:sp>
+        <p:nvSpPr>
+          <p:cNvPr id="5" name="Espace réservé du pied de page 4"/>
+          <p:cNvSpPr>
+            <a:spLocks noGrp="1"/>
+          </p:cNvSpPr>
+          <p:nvPr>
+            <p:ph type="ftr" sz="quarter" idx="11"/>
+          </p:nvPr>
+        </p:nvSpPr>
+        <p:spPr/>
+        <p:txBody>
+          <a:bodyPr/>
+          <a:lstStyle/>
+          <a:p>
+            <a:r>
+              <a:rPr lang="fr-FR"/>
+              <a:t>Nom abrégé de cours - Enseignant</a:t>
+            </a:r>
+          </a:p>
+        </p:txBody>
+      </p:sp>
+    </p:spTree>
+    <p:extLst>
+      <p:ext uri="{BB962C8B-B14F-4D97-AF65-F5344CB8AC3E}">
+        <p14:creationId xmlns:p14="http://schemas.microsoft.com/office/powerpoint/2010/main" val="3595978617"/>
+      </p:ext>
+    </p:extLst>
+  </p:cSld>
+  <p:clrMapOvr>
+    <a:masterClrMapping/>
+  </p:clrMapOvr>
+</p:notes>
+</file>
+
+<file path=ppt/notesSlides/notesSlide9.xml><?xml version="1.0" encoding="utf-8"?>
+<p:notes xmlns:a="http://schemas.openxmlformats.org/drawingml/2006/main" xmlns:r="http://schemas.openxmlformats.org/officeDocument/2006/relationships" xmlns:p="http://schemas.openxmlformats.org/presentationml/2006/main">
+  <p:cSld>
+    <p:spTree>
+      <p:nvGrpSpPr>
+        <p:cNvPr id="1" name=""/>
+        <p:cNvGrpSpPr/>
+        <p:nvPr/>
+      </p:nvGrpSpPr>
+      <p:grpSpPr>
+        <a:xfrm>
+          <a:off x="0" y="0"/>
+          <a:ext cx="0" cy="0"/>
+          <a:chOff x="0" y="0"/>
+          <a:chExt cx="0" cy="0"/>
+        </a:xfrm>
+      </p:grpSpPr>
+      <p:sp>
+        <p:nvSpPr>
+          <p:cNvPr id="2" name="Espace réservé de l'image des diapositives 1"/>
+          <p:cNvSpPr>
+            <a:spLocks noGrp="1" noRot="1" noChangeAspect="1"/>
+          </p:cNvSpPr>
+          <p:nvPr>
+            <p:ph type="sldImg"/>
+          </p:nvPr>
+        </p:nvSpPr>
+        <p:spPr>
+          <a:xfrm>
+            <a:off x="381000" y="685800"/>
+            <a:ext cx="6096000" cy="3429000"/>
+          </a:xfrm>
+        </p:spPr>
+      </p:sp>
+      <p:sp>
+        <p:nvSpPr>
+          <p:cNvPr id="3" name="Espace réservé des commentaires 2"/>
+          <p:cNvSpPr>
+            <a:spLocks noGrp="1"/>
+          </p:cNvSpPr>
+          <p:nvPr>
+            <p:ph type="body" idx="1"/>
+          </p:nvPr>
+        </p:nvSpPr>
+        <p:spPr/>
+        <p:txBody>
+          <a:bodyPr/>
+          <a:lstStyle/>
+          <a:p>
+            <a:endParaRPr lang="fr-FR" dirty="0"/>
+          </a:p>
+        </p:txBody>
+      </p:sp>
+      <p:sp>
+        <p:nvSpPr>
+          <p:cNvPr id="4" name="Espace réservé du numéro de diapositive 3"/>
+          <p:cNvSpPr>
+            <a:spLocks noGrp="1"/>
+          </p:cNvSpPr>
+          <p:nvPr>
+            <p:ph type="sldNum" sz="quarter" idx="10"/>
+          </p:nvPr>
+        </p:nvSpPr>
+        <p:spPr/>
+        <p:txBody>
+          <a:bodyPr/>
+          <a:lstStyle/>
+          <a:p>
+            <a:fld id="{884C2278-3D89-BA47-96CC-D4BAEF21B6A6}" type="slidenum">
+              <a:rPr lang="fr-FR" smtClean="0"/>
+              <a:t>9</a:t>
+            </a:fld>
+            <a:endParaRPr lang="fr-FR"/>
+          </a:p>
+        </p:txBody>
+      </p:sp>
+      <p:sp>
+        <p:nvSpPr>
+          <p:cNvPr id="5" name="Espace réservé du pied de page 4"/>
+          <p:cNvSpPr>
+            <a:spLocks noGrp="1"/>
+          </p:cNvSpPr>
+          <p:nvPr>
+            <p:ph type="ftr" sz="quarter" idx="11"/>
+          </p:nvPr>
+        </p:nvSpPr>
+        <p:spPr/>
+        <p:txBody>
+          <a:bodyPr/>
+          <a:lstStyle/>
+          <a:p>
+            <a:r>
+              <a:rPr lang="fr-FR"/>
+              <a:t>Nom abrégé de cours - Enseignant</a:t>
+            </a:r>
+          </a:p>
+        </p:txBody>
+      </p:sp>
+    </p:spTree>
+    <p:extLst>
+      <p:ext uri="{BB962C8B-B14F-4D97-AF65-F5344CB8AC3E}">
+        <p14:creationId xmlns:p14="http://schemas.microsoft.com/office/powerpoint/2010/main" val="1183091558"/>
       </p:ext>
     </p:extLst>
   </p:cSld>
@@ -2981,20 +3877,31 @@
             <p:ph type="ctrTitle"/>
           </p:nvPr>
         </p:nvSpPr>
-        <p:spPr/>
+        <p:spPr>
+          <a:xfrm>
+            <a:off x="204606" y="192190"/>
+            <a:ext cx="11314357" cy="885524"/>
+          </a:xfrm>
+        </p:spPr>
         <p:txBody>
           <a:bodyPr/>
           <a:lstStyle/>
           <a:p>
             <a:r>
-              <a:rPr lang="fr-FR" sz="4267" dirty="0">
+              <a:rPr lang="fr-FR" sz="4267" b="0" dirty="0">
+                <a:solidFill>
+                  <a:schemeClr val="tx1"/>
+                </a:solidFill>
                 <a:latin typeface="Calibri" panose="020F0502020204030204" pitchFamily="34" charset="0"/>
                 <a:cs typeface="Calibri" panose="020F0502020204030204" pitchFamily="34" charset="0"/>
               </a:rPr>
               <a:t>Python 3. </a:t>
             </a:r>
             <a:r>
-              <a:rPr lang="fr-FR" sz="3200" dirty="0">
+              <a:rPr lang="fr-FR" sz="3200" b="0" dirty="0">
+                <a:solidFill>
+                  <a:schemeClr val="tx1"/>
+                </a:solidFill>
                 <a:latin typeface="Calibri" panose="020F0502020204030204" pitchFamily="34" charset="0"/>
                 <a:cs typeface="Calibri" panose="020F0502020204030204" pitchFamily="34" charset="0"/>
               </a:rPr>
@@ -3015,8 +3922,8 @@
         </p:nvSpPr>
         <p:spPr>
           <a:xfrm>
-            <a:off x="1360620" y="1571266"/>
-            <a:ext cx="9589107" cy="5125961"/>
+            <a:off x="268106" y="1418866"/>
+            <a:ext cx="10745121" cy="5125961"/>
           </a:xfrm>
         </p:spPr>
         <p:txBody>
@@ -3025,20 +3932,6 @@
           </a:bodyPr>
           <a:lstStyle/>
           <a:p>
-            <a:pPr>
-              <a:lnSpc>
-                <a:spcPct val="120000"/>
-              </a:lnSpc>
-            </a:pPr>
-            <a:r>
-              <a:rPr lang="fr-FR" dirty="0">
-                <a:latin typeface="Calibri" panose="020F0502020204030204" pitchFamily="34" charset="0"/>
-                <a:cs typeface="Calibri" panose="020F0502020204030204" pitchFamily="34" charset="0"/>
-              </a:rPr>
-              <a:t>Introduction au MOOC et aux outils Python </a:t>
-            </a:r>
-          </a:p>
-          <a:p>
             <a:pPr marL="0" indent="0">
               <a:lnSpc>
                 <a:spcPct val="120000"/>
@@ -3046,31 +3939,28 @@
               <a:buNone/>
             </a:pPr>
             <a:r>
+              <a:rPr lang="fr-FR" dirty="0" smtClean="0">
+                <a:solidFill>
+                  <a:srgbClr val="C00000"/>
+                </a:solidFill>
+                <a:latin typeface="Calibri" panose="020F0502020204030204" pitchFamily="34" charset="0"/>
+                <a:cs typeface="Calibri" panose="020F0502020204030204" pitchFamily="34" charset="0"/>
+              </a:rPr>
+              <a:t>Semaine 1. </a:t>
+            </a:r>
+            <a:r>
+              <a:rPr lang="fr-FR" dirty="0" smtClean="0">
+                <a:latin typeface="Calibri" panose="020F0502020204030204" pitchFamily="34" charset="0"/>
+                <a:cs typeface="Calibri" panose="020F0502020204030204" pitchFamily="34" charset="0"/>
+              </a:rPr>
+              <a:t>Introduction </a:t>
+            </a:r>
+            <a:r>
               <a:rPr lang="fr-FR" dirty="0">
-                <a:solidFill>
-                  <a:srgbClr val="E1001A"/>
-                </a:solidFill>
-                <a:latin typeface="Calibri" panose="020F0502020204030204" pitchFamily="34" charset="0"/>
-                <a:cs typeface="Calibri" panose="020F0502020204030204" pitchFamily="34" charset="0"/>
-              </a:rPr>
-              <a:t>2</a:t>
-            </a:r>
-            <a:r>
-              <a:rPr lang="fr-FR" dirty="0">
-                <a:solidFill>
-                  <a:srgbClr val="FF0000"/>
-                </a:solidFill>
-                <a:latin typeface="Calibri" panose="020F0502020204030204" pitchFamily="34" charset="0"/>
-                <a:cs typeface="Calibri" panose="020F0502020204030204" pitchFamily="34" charset="0"/>
-              </a:rPr>
-              <a:t>. </a:t>
-            </a:r>
-            <a:r>
-              <a:rPr lang="fr-FR" dirty="0">
-                <a:latin typeface="Calibri" panose="020F0502020204030204" pitchFamily="34" charset="0"/>
-                <a:cs typeface="Calibri" panose="020F0502020204030204" pitchFamily="34" charset="0"/>
-              </a:rPr>
-              <a:t>Notions de base pour écrire son premier programme en Python</a:t>
+                <a:latin typeface="Calibri" panose="020F0502020204030204" pitchFamily="34" charset="0"/>
+                <a:cs typeface="Calibri" panose="020F0502020204030204" pitchFamily="34" charset="0"/>
+              </a:rPr>
+              <a:t>au MOOC et aux outils Python </a:t>
             </a:r>
           </a:p>
           <a:p>
@@ -3083,29 +3973,36 @@
             <a:r>
               <a:rPr lang="fr-FR" dirty="0">
                 <a:solidFill>
-                  <a:srgbClr val="E1001A"/>
-                </a:solidFill>
-                <a:latin typeface="Calibri" panose="020F0502020204030204" pitchFamily="34" charset="0"/>
-                <a:cs typeface="Calibri" panose="020F0502020204030204" pitchFamily="34" charset="0"/>
-              </a:rPr>
-              <a:t>3</a:t>
+                  <a:srgbClr val="C00000"/>
+                </a:solidFill>
+                <a:latin typeface="Calibri" panose="020F0502020204030204" pitchFamily="34" charset="0"/>
+                <a:cs typeface="Calibri" panose="020F0502020204030204" pitchFamily="34" charset="0"/>
+              </a:rPr>
+              <a:t>Semaine </a:t>
+            </a:r>
+            <a:r>
+              <a:rPr lang="fr-FR" dirty="0" smtClean="0">
+                <a:solidFill>
+                  <a:srgbClr val="C00000"/>
+                </a:solidFill>
+                <a:latin typeface="Calibri" panose="020F0502020204030204" pitchFamily="34" charset="0"/>
+                <a:cs typeface="Calibri" panose="020F0502020204030204" pitchFamily="34" charset="0"/>
+              </a:rPr>
+              <a:t>2. </a:t>
+            </a:r>
+            <a:r>
+              <a:rPr lang="fr-FR" dirty="0" smtClean="0">
+                <a:latin typeface="Calibri" panose="020F0502020204030204" pitchFamily="34" charset="0"/>
+                <a:cs typeface="Calibri" panose="020F0502020204030204" pitchFamily="34" charset="0"/>
+              </a:rPr>
+              <a:t>Notions </a:t>
             </a:r>
             <a:r>
               <a:rPr lang="fr-FR" dirty="0">
-                <a:solidFill>
-                  <a:srgbClr val="FF0000"/>
-                </a:solidFill>
-                <a:latin typeface="Calibri" panose="020F0502020204030204" pitchFamily="34" charset="0"/>
-                <a:cs typeface="Calibri" panose="020F0502020204030204" pitchFamily="34" charset="0"/>
-              </a:rPr>
-              <a:t>. </a:t>
-            </a:r>
-            <a:r>
-              <a:rPr lang="fr-FR" dirty="0">
-                <a:latin typeface="Calibri" panose="020F0502020204030204" pitchFamily="34" charset="0"/>
-                <a:cs typeface="Calibri" panose="020F0502020204030204" pitchFamily="34" charset="0"/>
-              </a:rPr>
-              <a:t>Renforcement des notions de base, références partagées</a:t>
+                <a:latin typeface="Calibri" panose="020F0502020204030204" pitchFamily="34" charset="0"/>
+                <a:cs typeface="Calibri" panose="020F0502020204030204" pitchFamily="34" charset="0"/>
+              </a:rPr>
+              <a:t>de base pour écrire son premier programme en Python</a:t>
             </a:r>
           </a:p>
           <a:p>
@@ -3118,29 +4015,36 @@
             <a:r>
               <a:rPr lang="fr-FR" dirty="0">
                 <a:solidFill>
-                  <a:srgbClr val="E1001A"/>
-                </a:solidFill>
-                <a:latin typeface="Calibri" panose="020F0502020204030204" pitchFamily="34" charset="0"/>
-                <a:cs typeface="Calibri" panose="020F0502020204030204" pitchFamily="34" charset="0"/>
-              </a:rPr>
-              <a:t>4</a:t>
+                  <a:srgbClr val="C00000"/>
+                </a:solidFill>
+                <a:latin typeface="Calibri" panose="020F0502020204030204" pitchFamily="34" charset="0"/>
+                <a:cs typeface="Calibri" panose="020F0502020204030204" pitchFamily="34" charset="0"/>
+              </a:rPr>
+              <a:t>Semaine </a:t>
+            </a:r>
+            <a:r>
+              <a:rPr lang="fr-FR" dirty="0" smtClean="0">
+                <a:solidFill>
+                  <a:srgbClr val="C00000"/>
+                </a:solidFill>
+                <a:latin typeface="Calibri" panose="020F0502020204030204" pitchFamily="34" charset="0"/>
+                <a:cs typeface="Calibri" panose="020F0502020204030204" pitchFamily="34" charset="0"/>
+              </a:rPr>
+              <a:t>3. </a:t>
+            </a:r>
+            <a:r>
+              <a:rPr lang="fr-FR" dirty="0" smtClean="0">
+                <a:latin typeface="Calibri" panose="020F0502020204030204" pitchFamily="34" charset="0"/>
+                <a:cs typeface="Calibri" panose="020F0502020204030204" pitchFamily="34" charset="0"/>
+              </a:rPr>
+              <a:t>Renforcement </a:t>
             </a:r>
             <a:r>
               <a:rPr lang="fr-FR" dirty="0">
-                <a:solidFill>
-                  <a:srgbClr val="FF0000"/>
-                </a:solidFill>
-                <a:latin typeface="Calibri" panose="020F0502020204030204" pitchFamily="34" charset="0"/>
-                <a:cs typeface="Calibri" panose="020F0502020204030204" pitchFamily="34" charset="0"/>
-              </a:rPr>
-              <a:t>. </a:t>
-            </a:r>
-            <a:r>
-              <a:rPr lang="fr-FR" dirty="0">
-                <a:latin typeface="Calibri" panose="020F0502020204030204" pitchFamily="34" charset="0"/>
-                <a:cs typeface="Calibri" panose="020F0502020204030204" pitchFamily="34" charset="0"/>
-              </a:rPr>
-              <a:t>Fonctions et portée des variables</a:t>
+                <a:latin typeface="Calibri" panose="020F0502020204030204" pitchFamily="34" charset="0"/>
+                <a:cs typeface="Calibri" panose="020F0502020204030204" pitchFamily="34" charset="0"/>
+              </a:rPr>
+              <a:t>des notions de base, références partagées</a:t>
             </a:r>
           </a:p>
           <a:p>
@@ -3153,29 +4057,43 @@
             <a:r>
               <a:rPr lang="fr-FR" dirty="0">
                 <a:solidFill>
-                  <a:srgbClr val="E1001A"/>
-                </a:solidFill>
-                <a:latin typeface="Calibri" panose="020F0502020204030204" pitchFamily="34" charset="0"/>
-                <a:cs typeface="Calibri" panose="020F0502020204030204" pitchFamily="34" charset="0"/>
-              </a:rPr>
-              <a:t>5</a:t>
+                  <a:srgbClr val="C00000"/>
+                </a:solidFill>
+                <a:latin typeface="Calibri" panose="020F0502020204030204" pitchFamily="34" charset="0"/>
+                <a:cs typeface="Calibri" panose="020F0502020204030204" pitchFamily="34" charset="0"/>
+              </a:rPr>
+              <a:t>Semaine </a:t>
+            </a:r>
+            <a:r>
+              <a:rPr lang="fr-FR" dirty="0" smtClean="0">
+                <a:solidFill>
+                  <a:srgbClr val="C00000"/>
+                </a:solidFill>
+                <a:latin typeface="Calibri" panose="020F0502020204030204" pitchFamily="34" charset="0"/>
+                <a:cs typeface="Calibri" panose="020F0502020204030204" pitchFamily="34" charset="0"/>
+              </a:rPr>
+              <a:t>4. </a:t>
+            </a:r>
+            <a:r>
+              <a:rPr lang="fr-FR" dirty="0" smtClean="0">
+                <a:latin typeface="Calibri" panose="020F0502020204030204" pitchFamily="34" charset="0"/>
+                <a:cs typeface="Calibri" panose="020F0502020204030204" pitchFamily="34" charset="0"/>
+              </a:rPr>
+              <a:t>Fonctions </a:t>
             </a:r>
             <a:r>
               <a:rPr lang="fr-FR" dirty="0">
-                <a:solidFill>
-                  <a:srgbClr val="FF0000"/>
-                </a:solidFill>
-                <a:latin typeface="Calibri" panose="020F0502020204030204" pitchFamily="34" charset="0"/>
-                <a:cs typeface="Calibri" panose="020F0502020204030204" pitchFamily="34" charset="0"/>
-              </a:rPr>
-              <a:t>. </a:t>
-            </a:r>
-            <a:r>
-              <a:rPr lang="fr-FR" dirty="0">
-                <a:latin typeface="Calibri" panose="020F0502020204030204" pitchFamily="34" charset="0"/>
-                <a:cs typeface="Calibri" panose="020F0502020204030204" pitchFamily="34" charset="0"/>
-              </a:rPr>
-              <a:t>Itération, importation et espace de nommage</a:t>
+                <a:latin typeface="Calibri" panose="020F0502020204030204" pitchFamily="34" charset="0"/>
+                <a:cs typeface="Calibri" panose="020F0502020204030204" pitchFamily="34" charset="0"/>
+              </a:rPr>
+              <a:t>et portée des </a:t>
+            </a:r>
+            <a:r>
+              <a:rPr lang="fr-FR" dirty="0" smtClean="0">
+                <a:latin typeface="Calibri" panose="020F0502020204030204" pitchFamily="34" charset="0"/>
+                <a:cs typeface="Calibri" panose="020F0502020204030204" pitchFamily="34" charset="0"/>
+              </a:rPr>
+              <a:t>variables</a:t>
             </a:r>
           </a:p>
           <a:p>
@@ -3188,29 +4106,36 @@
             <a:r>
               <a:rPr lang="fr-FR" dirty="0">
                 <a:solidFill>
-                  <a:srgbClr val="E1001A"/>
-                </a:solidFill>
-                <a:latin typeface="Calibri" panose="020F0502020204030204" pitchFamily="34" charset="0"/>
-                <a:cs typeface="Calibri" panose="020F0502020204030204" pitchFamily="34" charset="0"/>
-              </a:rPr>
-              <a:t>6</a:t>
+                  <a:srgbClr val="C00000"/>
+                </a:solidFill>
+                <a:latin typeface="Calibri" panose="020F0502020204030204" pitchFamily="34" charset="0"/>
+                <a:cs typeface="Calibri" panose="020F0502020204030204" pitchFamily="34" charset="0"/>
+              </a:rPr>
+              <a:t>Semaine </a:t>
+            </a:r>
+            <a:r>
+              <a:rPr lang="fr-FR" dirty="0" smtClean="0">
+                <a:solidFill>
+                  <a:srgbClr val="C00000"/>
+                </a:solidFill>
+                <a:latin typeface="Calibri" panose="020F0502020204030204" pitchFamily="34" charset="0"/>
+                <a:cs typeface="Calibri" panose="020F0502020204030204" pitchFamily="34" charset="0"/>
+              </a:rPr>
+              <a:t>5. </a:t>
+            </a:r>
+            <a:r>
+              <a:rPr lang="fr-FR" dirty="0" smtClean="0">
+                <a:latin typeface="Calibri" panose="020F0502020204030204" pitchFamily="34" charset="0"/>
+                <a:cs typeface="Calibri" panose="020F0502020204030204" pitchFamily="34" charset="0"/>
+              </a:rPr>
+              <a:t>Itération</a:t>
             </a:r>
             <a:r>
               <a:rPr lang="fr-FR" dirty="0">
-                <a:solidFill>
-                  <a:srgbClr val="FF0000"/>
-                </a:solidFill>
-                <a:latin typeface="Calibri" panose="020F0502020204030204" pitchFamily="34" charset="0"/>
-                <a:cs typeface="Calibri" panose="020F0502020204030204" pitchFamily="34" charset="0"/>
-              </a:rPr>
-              <a:t>. </a:t>
-            </a:r>
-            <a:r>
-              <a:rPr lang="fr-FR" dirty="0">
-                <a:latin typeface="Calibri" panose="020F0502020204030204" pitchFamily="34" charset="0"/>
-                <a:cs typeface="Calibri" panose="020F0502020204030204" pitchFamily="34" charset="0"/>
-              </a:rPr>
-              <a:t>Conception des classes</a:t>
+                <a:latin typeface="Calibri" panose="020F0502020204030204" pitchFamily="34" charset="0"/>
+                <a:cs typeface="Calibri" panose="020F0502020204030204" pitchFamily="34" charset="0"/>
+              </a:rPr>
+              <a:t>, importation et espace de nommage</a:t>
             </a:r>
           </a:p>
           <a:p>
@@ -3221,31 +4146,38 @@
               <a:buNone/>
             </a:pPr>
             <a:r>
-              <a:rPr lang="fr-FR" b="1" dirty="0">
-                <a:solidFill>
-                  <a:srgbClr val="E1001A"/>
-                </a:solidFill>
-                <a:latin typeface="Calibri" panose="020F0502020204030204" pitchFamily="34" charset="0"/>
-                <a:cs typeface="Calibri" panose="020F0502020204030204" pitchFamily="34" charset="0"/>
-              </a:rPr>
-              <a:t>7</a:t>
-            </a:r>
-            <a:r>
-              <a:rPr lang="fr-FR" b="1" dirty="0">
-                <a:solidFill>
-                  <a:srgbClr val="FF0000"/>
-                </a:solidFill>
-                <a:latin typeface="Calibri" panose="020F0502020204030204" pitchFamily="34" charset="0"/>
-                <a:cs typeface="Calibri" panose="020F0502020204030204" pitchFamily="34" charset="0"/>
-              </a:rPr>
-              <a:t>. </a:t>
-            </a:r>
-            <a:r>
-              <a:rPr lang="fr-FR" b="1" dirty="0">
-                <a:latin typeface="Calibri" panose="020F0502020204030204" pitchFamily="34" charset="0"/>
-                <a:cs typeface="Calibri" panose="020F0502020204030204" pitchFamily="34" charset="0"/>
-              </a:rPr>
-              <a:t>L‘écosystème data science Python</a:t>
+              <a:rPr lang="fr-FR" dirty="0">
+                <a:solidFill>
+                  <a:srgbClr val="C00000"/>
+                </a:solidFill>
+                <a:latin typeface="Calibri" panose="020F0502020204030204" pitchFamily="34" charset="0"/>
+                <a:cs typeface="Calibri" panose="020F0502020204030204" pitchFamily="34" charset="0"/>
+              </a:rPr>
+              <a:t>Semaine </a:t>
+            </a:r>
+            <a:r>
+              <a:rPr lang="fr-FR" dirty="0" smtClean="0">
+                <a:solidFill>
+                  <a:srgbClr val="C00000"/>
+                </a:solidFill>
+                <a:latin typeface="Calibri" panose="020F0502020204030204" pitchFamily="34" charset="0"/>
+                <a:cs typeface="Calibri" panose="020F0502020204030204" pitchFamily="34" charset="0"/>
+              </a:rPr>
+              <a:t>6. </a:t>
+            </a:r>
+            <a:r>
+              <a:rPr lang="fr-FR" dirty="0" smtClean="0">
+                <a:latin typeface="Calibri" panose="020F0502020204030204" pitchFamily="34" charset="0"/>
+                <a:cs typeface="Calibri" panose="020F0502020204030204" pitchFamily="34" charset="0"/>
+              </a:rPr>
+              <a:t>Conception </a:t>
+            </a:r>
+            <a:r>
+              <a:rPr lang="fr-FR" dirty="0">
+                <a:latin typeface="Calibri" panose="020F0502020204030204" pitchFamily="34" charset="0"/>
+                <a:cs typeface="Calibri" panose="020F0502020204030204" pitchFamily="34" charset="0"/>
+              </a:rPr>
+              <a:t>des classes</a:t>
             </a:r>
           </a:p>
           <a:p>
@@ -3256,57 +4188,39 @@
               <a:buNone/>
             </a:pPr>
             <a:r>
-              <a:rPr lang="fr-FR" dirty="0">
-                <a:solidFill>
-                  <a:srgbClr val="E1001A"/>
-                </a:solidFill>
-                <a:latin typeface="Calibri" panose="020F0502020204030204" pitchFamily="34" charset="0"/>
-                <a:cs typeface="Calibri" panose="020F0502020204030204" pitchFamily="34" charset="0"/>
-              </a:rPr>
-              <a:t>8</a:t>
-            </a:r>
-            <a:r>
-              <a:rPr lang="fr-FR" dirty="0">
-                <a:solidFill>
-                  <a:srgbClr val="FF0000"/>
-                </a:solidFill>
-                <a:latin typeface="Calibri" panose="020F0502020204030204" pitchFamily="34" charset="0"/>
-                <a:cs typeface="Calibri" panose="020F0502020204030204" pitchFamily="34" charset="0"/>
-              </a:rPr>
-              <a:t>. </a:t>
-            </a:r>
-            <a:r>
-              <a:rPr lang="fr-FR" dirty="0">
-                <a:latin typeface="Calibri" panose="020F0502020204030204" pitchFamily="34" charset="0"/>
-                <a:cs typeface="Calibri" panose="020F0502020204030204" pitchFamily="34" charset="0"/>
-              </a:rPr>
-              <a:t>Programmation asynchrone </a:t>
-            </a:r>
-            <a:r>
-              <a:rPr lang="mr-IN" dirty="0">
-                <a:latin typeface="Calibri" panose="020F0502020204030204" pitchFamily="34" charset="0"/>
-                <a:cs typeface="Calibri" panose="020F0502020204030204" pitchFamily="34" charset="0"/>
-              </a:rPr>
-              <a:t>–</a:t>
-            </a:r>
-            <a:r>
-              <a:rPr lang="fr-FR" dirty="0">
-                <a:latin typeface="Calibri" panose="020F0502020204030204" pitchFamily="34" charset="0"/>
-                <a:cs typeface="Calibri" panose="020F0502020204030204" pitchFamily="34" charset="0"/>
-              </a:rPr>
-              <a:t> </a:t>
-            </a:r>
-            <a:r>
-              <a:rPr lang="fr-FR" dirty="0" err="1">
-                <a:latin typeface="Calibri" panose="020F0502020204030204" pitchFamily="34" charset="0"/>
-                <a:cs typeface="Calibri" panose="020F0502020204030204" pitchFamily="34" charset="0"/>
-              </a:rPr>
-              <a:t>asyncio</a:t>
-            </a:r>
-            <a:endParaRPr lang="fr-FR" dirty="0">
-              <a:latin typeface="Calibri" panose="020F0502020204030204" pitchFamily="34" charset="0"/>
-              <a:cs typeface="Calibri" panose="020F0502020204030204" pitchFamily="34" charset="0"/>
-            </a:endParaRPr>
+              <a:rPr lang="fr-FR" b="1" dirty="0">
+                <a:solidFill>
+                  <a:srgbClr val="C00000"/>
+                </a:solidFill>
+                <a:latin typeface="Calibri" panose="020F0502020204030204" pitchFamily="34" charset="0"/>
+                <a:cs typeface="Calibri" panose="020F0502020204030204" pitchFamily="34" charset="0"/>
+              </a:rPr>
+              <a:t>Semaine </a:t>
+            </a:r>
+            <a:r>
+              <a:rPr lang="fr-FR" b="1" dirty="0" smtClean="0">
+                <a:solidFill>
+                  <a:srgbClr val="C00000"/>
+                </a:solidFill>
+                <a:latin typeface="Calibri" panose="020F0502020204030204" pitchFamily="34" charset="0"/>
+                <a:cs typeface="Calibri" panose="020F0502020204030204" pitchFamily="34" charset="0"/>
+              </a:rPr>
+              <a:t>7. </a:t>
+            </a:r>
+            <a:r>
+              <a:rPr lang="fr-FR" b="1" dirty="0" smtClean="0">
+                <a:latin typeface="Calibri" panose="020F0502020204030204" pitchFamily="34" charset="0"/>
+                <a:cs typeface="Calibri" panose="020F0502020204030204" pitchFamily="34" charset="0"/>
+              </a:rPr>
+              <a:t>L‘écosystème </a:t>
+            </a:r>
+            <a:r>
+              <a:rPr lang="fr-FR" b="1" dirty="0">
+                <a:latin typeface="Calibri" panose="020F0502020204030204" pitchFamily="34" charset="0"/>
+                <a:cs typeface="Calibri" panose="020F0502020204030204" pitchFamily="34" charset="0"/>
+              </a:rPr>
+              <a:t>data science Python</a:t>
+            </a:r>
           </a:p>
           <a:p>
             <a:pPr marL="0" indent="0">
@@ -3318,29 +4232,103 @@
             <a:r>
               <a:rPr lang="fr-FR" dirty="0">
                 <a:solidFill>
-                  <a:srgbClr val="E1001A"/>
-                </a:solidFill>
-                <a:latin typeface="Calibri" panose="020F0502020204030204" pitchFamily="34" charset="0"/>
-                <a:cs typeface="Calibri" panose="020F0502020204030204" pitchFamily="34" charset="0"/>
-              </a:rPr>
-              <a:t>9</a:t>
+                  <a:srgbClr val="C00000"/>
+                </a:solidFill>
+                <a:latin typeface="Calibri" panose="020F0502020204030204" pitchFamily="34" charset="0"/>
+                <a:cs typeface="Calibri" panose="020F0502020204030204" pitchFamily="34" charset="0"/>
+              </a:rPr>
+              <a:t>Semaine </a:t>
+            </a:r>
+            <a:r>
+              <a:rPr lang="fr-FR" dirty="0" smtClean="0">
+                <a:solidFill>
+                  <a:srgbClr val="C00000"/>
+                </a:solidFill>
+                <a:latin typeface="Calibri" panose="020F0502020204030204" pitchFamily="34" charset="0"/>
+                <a:cs typeface="Calibri" panose="020F0502020204030204" pitchFamily="34" charset="0"/>
+              </a:rPr>
+              <a:t>8. </a:t>
+            </a:r>
+            <a:r>
+              <a:rPr lang="fr-FR" dirty="0" smtClean="0">
+                <a:latin typeface="Calibri" panose="020F0502020204030204" pitchFamily="34" charset="0"/>
+                <a:cs typeface="Calibri" panose="020F0502020204030204" pitchFamily="34" charset="0"/>
+              </a:rPr>
+              <a:t>Programmation </a:t>
             </a:r>
             <a:r>
               <a:rPr lang="fr-FR" dirty="0">
-                <a:solidFill>
-                  <a:srgbClr val="FF0000"/>
-                </a:solidFill>
-                <a:latin typeface="Calibri" panose="020F0502020204030204" pitchFamily="34" charset="0"/>
-                <a:cs typeface="Calibri" panose="020F0502020204030204" pitchFamily="34" charset="0"/>
-              </a:rPr>
-              <a:t>. </a:t>
+                <a:latin typeface="Calibri" panose="020F0502020204030204" pitchFamily="34" charset="0"/>
+                <a:cs typeface="Calibri" panose="020F0502020204030204" pitchFamily="34" charset="0"/>
+              </a:rPr>
+              <a:t>asynchrone </a:t>
+            </a:r>
+            <a:r>
+              <a:rPr lang="mr-IN" dirty="0">
+                <a:latin typeface="Calibri" panose="020F0502020204030204" pitchFamily="34" charset="0"/>
+                <a:cs typeface="Calibri" panose="020F0502020204030204" pitchFamily="34" charset="0"/>
+              </a:rPr>
+              <a:t>–</a:t>
             </a:r>
             <a:r>
               <a:rPr lang="fr-FR" dirty="0">
                 <a:latin typeface="Calibri" panose="020F0502020204030204" pitchFamily="34" charset="0"/>
                 <a:cs typeface="Calibri" panose="020F0502020204030204" pitchFamily="34" charset="0"/>
               </a:rPr>
-              <a:t>Sujets avancés</a:t>
+              <a:t> </a:t>
+            </a:r>
+            <a:r>
+              <a:rPr lang="fr-FR" dirty="0" err="1">
+                <a:latin typeface="Courier New" panose="02070309020205020404" pitchFamily="49" charset="0"/>
+                <a:cs typeface="Courier New" panose="02070309020205020404" pitchFamily="49" charset="0"/>
+              </a:rPr>
+              <a:t>asyncio</a:t>
+            </a:r>
+            <a:endParaRPr lang="fr-FR" dirty="0">
+              <a:latin typeface="Courier New" panose="02070309020205020404" pitchFamily="49" charset="0"/>
+              <a:cs typeface="Courier New" panose="02070309020205020404" pitchFamily="49" charset="0"/>
+            </a:endParaRPr>
+          </a:p>
+          <a:p>
+            <a:pPr marL="0" indent="0">
+              <a:lnSpc>
+                <a:spcPct val="120000"/>
+              </a:lnSpc>
+              <a:buNone/>
+            </a:pPr>
+            <a:r>
+              <a:rPr lang="fr-FR" dirty="0">
+                <a:solidFill>
+                  <a:srgbClr val="C00000"/>
+                </a:solidFill>
+                <a:latin typeface="Calibri" panose="020F0502020204030204" pitchFamily="34" charset="0"/>
+                <a:cs typeface="Calibri" panose="020F0502020204030204" pitchFamily="34" charset="0"/>
+              </a:rPr>
+              <a:t>Semaine </a:t>
+            </a:r>
+            <a:r>
+              <a:rPr lang="fr-FR" dirty="0" smtClean="0">
+                <a:solidFill>
+                  <a:srgbClr val="C00000"/>
+                </a:solidFill>
+                <a:latin typeface="Calibri" panose="020F0502020204030204" pitchFamily="34" charset="0"/>
+                <a:cs typeface="Calibri" panose="020F0502020204030204" pitchFamily="34" charset="0"/>
+              </a:rPr>
+              <a:t>9. </a:t>
+            </a:r>
+            <a:r>
+              <a:rPr lang="fr-FR" dirty="0" smtClean="0">
+                <a:latin typeface="Calibri" panose="020F0502020204030204" pitchFamily="34" charset="0"/>
+                <a:cs typeface="Calibri" panose="020F0502020204030204" pitchFamily="34" charset="0"/>
+              </a:rPr>
+              <a:t>Sujets </a:t>
+            </a:r>
+            <a:r>
+              <a:rPr lang="fr-FR" dirty="0">
+                <a:latin typeface="Calibri" panose="020F0502020204030204" pitchFamily="34" charset="0"/>
+                <a:cs typeface="Calibri" panose="020F0502020204030204" pitchFamily="34" charset="0"/>
+              </a:rPr>
+              <a:t>avancés</a:t>
             </a:r>
           </a:p>
           <a:p>
@@ -3378,10 +4366,17 @@
   <p:clrMapOvr>
     <a:masterClrMapping/>
   </p:clrMapOvr>
+  <p:timing>
+    <p:tnLst>
+      <p:par>
+        <p:cTn id="1" dur="indefinite" restart="never" nodeType="tmRoot"/>
+      </p:par>
+    </p:tnLst>
+  </p:timing>
 </p:sld>
 </file>
 
-<file path=ppt/slides/slide2.xml><?xml version="1.0" encoding="utf-8"?>
+<file path=ppt/slides/slide10.xml><?xml version="1.0" encoding="utf-8"?>
 <p:sld xmlns:a="http://schemas.openxmlformats.org/drawingml/2006/main" xmlns:r="http://schemas.openxmlformats.org/officeDocument/2006/relationships" xmlns:p="http://schemas.openxmlformats.org/presentationml/2006/main">
   <p:cSld>
     <p:spTree>
@@ -3420,14 +4415,13 @@
                 <a:latin typeface="Calibri" panose="020F0502020204030204" pitchFamily="34" charset="0"/>
                 <a:cs typeface="Calibri" panose="020F0502020204030204" pitchFamily="34" charset="0"/>
               </a:rPr>
-              <a:t>Semaine 7. </a:t>
-            </a:r>
-            <a:r>
-              <a:rPr lang="fr-FR" dirty="0"/>
-              <a:t>L'écosystème data science Python</a:t>
+              <a:t>Semaine 7. L'écosystème data science Python</a:t>
             </a:r>
             <a:br>
-              <a:rPr lang="fr-FR" dirty="0"/>
+              <a:rPr lang="fr-FR" dirty="0">
+                <a:latin typeface="Calibri" panose="020F0502020204030204" pitchFamily="34" charset="0"/>
+                <a:cs typeface="Calibri" panose="020F0502020204030204" pitchFamily="34" charset="0"/>
+              </a:rPr>
             </a:br>
             <a:endParaRPr lang="fr-FR" dirty="0">
               <a:latin typeface="Calibri" panose="020F0502020204030204" pitchFamily="34" charset="0"/>
@@ -3476,7 +4470,7 @@
         <p:spPr>
           <a:xfrm>
             <a:off x="2928079" y="1047979"/>
-            <a:ext cx="8672251" cy="5318837"/>
+            <a:ext cx="9263921" cy="5318837"/>
           </a:xfrm>
         </p:spPr>
         <p:txBody>
@@ -3490,22 +4484,37 @@
               <a:buAutoNum type="arabicPeriod"/>
             </a:pPr>
             <a:r>
-              <a:rPr lang="fr-FR" b="1" dirty="0" smtClean="0"/>
+              <a:rPr lang="fr-FR" dirty="0" smtClean="0">
+                <a:latin typeface="Calibri" panose="020F0502020204030204" pitchFamily="34" charset="0"/>
+                <a:cs typeface="Calibri" panose="020F0502020204030204" pitchFamily="34" charset="0"/>
+              </a:rPr>
               <a:t>Pr</a:t>
             </a:r>
             <a:r>
-              <a:rPr lang="en-US" b="1" dirty="0" err="1" smtClean="0"/>
+              <a:rPr lang="en-US" dirty="0" err="1" smtClean="0">
+                <a:latin typeface="Calibri" panose="020F0502020204030204" pitchFamily="34" charset="0"/>
+                <a:cs typeface="Calibri" panose="020F0502020204030204" pitchFamily="34" charset="0"/>
+              </a:rPr>
               <a:t>ésentation</a:t>
             </a:r>
             <a:r>
-              <a:rPr lang="en-US" b="1" dirty="0" smtClean="0"/>
+              <a:rPr lang="en-US" dirty="0" smtClean="0">
+                <a:latin typeface="Calibri" panose="020F0502020204030204" pitchFamily="34" charset="0"/>
+                <a:cs typeface="Calibri" panose="020F0502020204030204" pitchFamily="34" charset="0"/>
+              </a:rPr>
               <a:t> </a:t>
             </a:r>
             <a:r>
-              <a:rPr lang="en-US" b="1" dirty="0" err="1" smtClean="0"/>
+              <a:rPr lang="en-US" dirty="0" err="1" smtClean="0">
+                <a:latin typeface="Calibri" panose="020F0502020204030204" pitchFamily="34" charset="0"/>
+                <a:cs typeface="Calibri" panose="020F0502020204030204" pitchFamily="34" charset="0"/>
+              </a:rPr>
               <a:t>générale</a:t>
             </a:r>
-            <a:endParaRPr lang="fr-FR" b="1" dirty="0"/>
+            <a:endParaRPr lang="fr-FR" dirty="0">
+              <a:latin typeface="Calibri" panose="020F0502020204030204" pitchFamily="34" charset="0"/>
+              <a:cs typeface="Calibri" panose="020F0502020204030204" pitchFamily="34" charset="0"/>
+            </a:endParaRPr>
           </a:p>
           <a:p>
             <a:pPr marL="609585" indent="-609585">
@@ -3514,35 +4523,33 @@
             </a:pPr>
             <a:r>
               <a:rPr lang="fr-FR" dirty="0" err="1" smtClean="0">
-                <a:latin typeface="Courier New"/>
-                <a:cs typeface="Courier New"/>
+                <a:latin typeface="Courier New" panose="02070309020205020404" pitchFamily="49" charset="0"/>
+                <a:cs typeface="Courier New" panose="02070309020205020404" pitchFamily="49" charset="0"/>
               </a:rPr>
               <a:t>numpy</a:t>
             </a:r>
             <a:r>
               <a:rPr lang="fr-FR" dirty="0" smtClean="0">
-                <a:latin typeface="Courier New"/>
-                <a:cs typeface="Courier New"/>
-              </a:rPr>
-              <a:t>:</a:t>
-            </a:r>
-            <a:r>
-              <a:rPr lang="fr-FR" dirty="0" smtClean="0"/>
-              <a:t> le type </a:t>
+                <a:latin typeface="Calibri" panose="020F0502020204030204" pitchFamily="34" charset="0"/>
+                <a:cs typeface="Calibri" panose="020F0502020204030204" pitchFamily="34" charset="0"/>
+              </a:rPr>
+              <a:t>: le type </a:t>
             </a:r>
             <a:r>
               <a:rPr lang="fr-FR" dirty="0" err="1" smtClean="0">
-                <a:latin typeface="Courier New" charset="0"/>
+                <a:latin typeface="Courier New" panose="02070309020205020404" pitchFamily="49" charset="0"/>
                 <a:ea typeface="Courier New" charset="0"/>
-                <a:cs typeface="Courier New" charset="0"/>
+                <a:cs typeface="Courier New" panose="02070309020205020404" pitchFamily="49" charset="0"/>
               </a:rPr>
               <a:t>ndarray</a:t>
             </a:r>
             <a:r>
-              <a:rPr lang="fr-FR" dirty="0" smtClean="0"/>
+              <a:rPr lang="fr-FR" dirty="0" smtClean="0">
+                <a:latin typeface="Calibri" panose="020F0502020204030204" pitchFamily="34" charset="0"/>
+                <a:cs typeface="Calibri" panose="020F0502020204030204" pitchFamily="34" charset="0"/>
+              </a:rPr>
               <a:t> </a:t>
             </a:r>
-            <a:endParaRPr lang="fr-FR" dirty="0" smtClean="0"/>
           </a:p>
           <a:p>
             <a:pPr marL="609585" indent="-609585">
@@ -3551,47 +4558,71 @@
             </a:pPr>
             <a:r>
               <a:rPr lang="fr-FR" dirty="0" err="1">
-                <a:latin typeface="Courier New"/>
-                <a:cs typeface="Courier New"/>
+                <a:latin typeface="Courier New" panose="02070309020205020404" pitchFamily="49" charset="0"/>
+                <a:cs typeface="Courier New" panose="02070309020205020404" pitchFamily="49" charset="0"/>
               </a:rPr>
               <a:t>numpy</a:t>
             </a:r>
             <a:r>
               <a:rPr lang="fr-FR" dirty="0">
-                <a:latin typeface="Courier New"/>
-                <a:cs typeface="Courier New"/>
+                <a:latin typeface="Calibri" panose="020F0502020204030204" pitchFamily="34" charset="0"/>
+                <a:cs typeface="Calibri" panose="020F0502020204030204" pitchFamily="34" charset="0"/>
               </a:rPr>
               <a:t>: </a:t>
             </a:r>
             <a:r>
-              <a:rPr lang="fr-FR" i="1" dirty="0" err="1" smtClean="0"/>
+              <a:rPr lang="fr-FR" i="1" dirty="0" err="1" smtClean="0">
+                <a:latin typeface="Calibri" panose="020F0502020204030204" pitchFamily="34" charset="0"/>
+                <a:cs typeface="Calibri" panose="020F0502020204030204" pitchFamily="34" charset="0"/>
+              </a:rPr>
               <a:t>slicing</a:t>
             </a:r>
             <a:r>
-              <a:rPr lang="fr-FR" dirty="0" smtClean="0"/>
+              <a:rPr lang="fr-FR" dirty="0" smtClean="0">
+                <a:latin typeface="Calibri" panose="020F0502020204030204" pitchFamily="34" charset="0"/>
+                <a:cs typeface="Calibri" panose="020F0502020204030204" pitchFamily="34" charset="0"/>
+              </a:rPr>
               <a:t>, </a:t>
             </a:r>
             <a:r>
-              <a:rPr lang="fr-FR" i="1" dirty="0" err="1" smtClean="0"/>
+              <a:rPr lang="fr-FR" i="1" dirty="0" err="1" smtClean="0">
+                <a:latin typeface="Calibri" panose="020F0502020204030204" pitchFamily="34" charset="0"/>
+                <a:cs typeface="Calibri" panose="020F0502020204030204" pitchFamily="34" charset="0"/>
+              </a:rPr>
               <a:t>reshaping</a:t>
             </a:r>
             <a:r>
-              <a:rPr lang="fr-FR" i="1" dirty="0" smtClean="0"/>
+              <a:rPr lang="fr-FR" i="1" dirty="0" smtClean="0">
+                <a:latin typeface="Calibri" panose="020F0502020204030204" pitchFamily="34" charset="0"/>
+                <a:cs typeface="Calibri" panose="020F0502020204030204" pitchFamily="34" charset="0"/>
+              </a:rPr>
               <a:t> </a:t>
             </a:r>
             <a:r>
-              <a:rPr lang="fr-FR" dirty="0" smtClean="0"/>
+              <a:rPr lang="fr-FR" dirty="0" smtClean="0">
+                <a:latin typeface="Calibri" panose="020F0502020204030204" pitchFamily="34" charset="0"/>
+                <a:cs typeface="Calibri" panose="020F0502020204030204" pitchFamily="34" charset="0"/>
+              </a:rPr>
               <a:t>et indexation </a:t>
             </a:r>
             <a:r>
-              <a:rPr lang="fr-FR" dirty="0" err="1" smtClean="0"/>
+              <a:rPr lang="fr-FR" dirty="0" err="1" smtClean="0">
+                <a:latin typeface="Calibri" panose="020F0502020204030204" pitchFamily="34" charset="0"/>
+                <a:cs typeface="Calibri" panose="020F0502020204030204" pitchFamily="34" charset="0"/>
+              </a:rPr>
               <a:t>avanc</a:t>
             </a:r>
             <a:r>
-              <a:rPr lang="en-US" dirty="0" err="1" smtClean="0"/>
+              <a:rPr lang="en-US" dirty="0" err="1" smtClean="0">
+                <a:latin typeface="Calibri" panose="020F0502020204030204" pitchFamily="34" charset="0"/>
+                <a:cs typeface="Calibri" panose="020F0502020204030204" pitchFamily="34" charset="0"/>
+              </a:rPr>
               <a:t>ée</a:t>
             </a:r>
-            <a:endParaRPr lang="en-US" dirty="0" smtClean="0"/>
+            <a:endParaRPr lang="en-US" dirty="0" smtClean="0">
+              <a:latin typeface="Calibri" panose="020F0502020204030204" pitchFamily="34" charset="0"/>
+              <a:cs typeface="Calibri" panose="020F0502020204030204" pitchFamily="34" charset="0"/>
+            </a:endParaRPr>
           </a:p>
           <a:p>
             <a:pPr marL="609585" indent="-609585">
@@ -3600,23 +4631,29 @@
             </a:pPr>
             <a:r>
               <a:rPr lang="fr-FR" dirty="0" err="1">
-                <a:latin typeface="Courier New"/>
-                <a:cs typeface="Courier New"/>
+                <a:latin typeface="Courier New" panose="02070309020205020404" pitchFamily="49" charset="0"/>
+                <a:cs typeface="Courier New" panose="02070309020205020404" pitchFamily="49" charset="0"/>
               </a:rPr>
               <a:t>numpy</a:t>
             </a:r>
             <a:r>
               <a:rPr lang="fr-FR" dirty="0">
-                <a:latin typeface="Courier New"/>
-                <a:cs typeface="Courier New"/>
+                <a:latin typeface="Calibri" panose="020F0502020204030204" pitchFamily="34" charset="0"/>
+                <a:cs typeface="Calibri" panose="020F0502020204030204" pitchFamily="34" charset="0"/>
               </a:rPr>
               <a:t>: </a:t>
             </a:r>
             <a:r>
-              <a:rPr lang="en-US" dirty="0" err="1" smtClean="0"/>
+              <a:rPr lang="en-US" dirty="0" err="1" smtClean="0">
+                <a:latin typeface="Calibri" panose="020F0502020204030204" pitchFamily="34" charset="0"/>
+                <a:cs typeface="Calibri" panose="020F0502020204030204" pitchFamily="34" charset="0"/>
+              </a:rPr>
               <a:t>vectorisation</a:t>
             </a:r>
-            <a:endParaRPr lang="en-US" dirty="0" smtClean="0"/>
+            <a:endParaRPr lang="en-US" dirty="0" smtClean="0">
+              <a:latin typeface="Calibri" panose="020F0502020204030204" pitchFamily="34" charset="0"/>
+              <a:cs typeface="Calibri" panose="020F0502020204030204" pitchFamily="34" charset="0"/>
+            </a:endParaRPr>
           </a:p>
           <a:p>
             <a:pPr marL="609585" indent="-609585">
@@ -3625,20 +4662,23 @@
             </a:pPr>
             <a:r>
               <a:rPr lang="fr-FR" dirty="0" err="1">
-                <a:latin typeface="Courier New"/>
-                <a:cs typeface="Courier New"/>
+                <a:latin typeface="Courier New" panose="02070309020205020404" pitchFamily="49" charset="0"/>
+                <a:cs typeface="Courier New" panose="02070309020205020404" pitchFamily="49" charset="0"/>
               </a:rPr>
               <a:t>numpy</a:t>
             </a:r>
             <a:r>
               <a:rPr lang="fr-FR" dirty="0">
-                <a:latin typeface="Courier New"/>
-                <a:cs typeface="Courier New"/>
+                <a:latin typeface="Calibri" panose="020F0502020204030204" pitchFamily="34" charset="0"/>
+                <a:cs typeface="Calibri" panose="020F0502020204030204" pitchFamily="34" charset="0"/>
               </a:rPr>
               <a:t>: </a:t>
             </a:r>
             <a:r>
-              <a:rPr lang="en-US" i="1" dirty="0" smtClean="0"/>
+              <a:rPr lang="en-US" i="1" dirty="0" smtClean="0">
+                <a:latin typeface="Calibri" panose="020F0502020204030204" pitchFamily="34" charset="0"/>
+                <a:cs typeface="Calibri" panose="020F0502020204030204" pitchFamily="34" charset="0"/>
+              </a:rPr>
               <a:t>broadcasting</a:t>
             </a:r>
           </a:p>
@@ -3649,26 +4689,32 @@
             </a:pPr>
             <a:r>
               <a:rPr lang="en-US" dirty="0" smtClean="0">
-                <a:latin typeface="Courier New" charset="0"/>
+                <a:latin typeface="Courier New" panose="02070309020205020404" pitchFamily="49" charset="0"/>
                 <a:ea typeface="Courier New" charset="0"/>
-                <a:cs typeface="Courier New" charset="0"/>
+                <a:cs typeface="Courier New" panose="02070309020205020404" pitchFamily="49" charset="0"/>
               </a:rPr>
               <a:t>pandas</a:t>
             </a:r>
             <a:r>
-              <a:rPr lang="en-US" dirty="0" smtClean="0"/>
+              <a:rPr lang="en-US" dirty="0" smtClean="0">
+                <a:latin typeface="Calibri" panose="020F0502020204030204" pitchFamily="34" charset="0"/>
+                <a:cs typeface="Calibri" panose="020F0502020204030204" pitchFamily="34" charset="0"/>
+              </a:rPr>
               <a:t>: introduction aux </a:t>
             </a:r>
             <a:r>
               <a:rPr lang="en-US" dirty="0" smtClean="0">
-                <a:latin typeface="Courier New" charset="0"/>
+                <a:latin typeface="Courier New" panose="02070309020205020404" pitchFamily="49" charset="0"/>
                 <a:ea typeface="Courier New" charset="0"/>
-                <a:cs typeface="Courier New" charset="0"/>
+                <a:cs typeface="Courier New" panose="02070309020205020404" pitchFamily="49" charset="0"/>
               </a:rPr>
               <a:t>Series</a:t>
             </a:r>
             <a:r>
-              <a:rPr lang="en-US" dirty="0" smtClean="0"/>
+              <a:rPr lang="en-US" dirty="0" smtClean="0">
+                <a:latin typeface="Calibri" panose="020F0502020204030204" pitchFamily="34" charset="0"/>
+                <a:cs typeface="Calibri" panose="020F0502020204030204" pitchFamily="34" charset="0"/>
+              </a:rPr>
               <a:t> et aux indexes</a:t>
             </a:r>
           </a:p>
@@ -3679,32 +4725,38 @@
             </a:pPr>
             <a:r>
               <a:rPr lang="en-US" dirty="0">
-                <a:latin typeface="Courier New" charset="0"/>
+                <a:latin typeface="Courier New" panose="02070309020205020404" pitchFamily="49" charset="0"/>
                 <a:ea typeface="Courier New" charset="0"/>
-                <a:cs typeface="Courier New" charset="0"/>
+                <a:cs typeface="Courier New" panose="02070309020205020404" pitchFamily="49" charset="0"/>
               </a:rPr>
               <a:t>pandas</a:t>
             </a:r>
             <a:r>
-              <a:rPr lang="en-US" dirty="0"/>
+              <a:rPr lang="en-US" dirty="0">
+                <a:latin typeface="Calibri" panose="020F0502020204030204" pitchFamily="34" charset="0"/>
+                <a:cs typeface="Calibri" panose="020F0502020204030204" pitchFamily="34" charset="0"/>
+              </a:rPr>
               <a:t>: le </a:t>
             </a:r>
             <a:r>
-              <a:rPr lang="en-US" dirty="0" smtClean="0"/>
+              <a:rPr lang="en-US" dirty="0" smtClean="0">
+                <a:latin typeface="Calibri" panose="020F0502020204030204" pitchFamily="34" charset="0"/>
+                <a:cs typeface="Calibri" panose="020F0502020204030204" pitchFamily="34" charset="0"/>
+              </a:rPr>
               <a:t>type </a:t>
             </a:r>
             <a:r>
               <a:rPr lang="en-US" dirty="0" err="1" smtClean="0">
-                <a:latin typeface="Courier New" charset="0"/>
+                <a:latin typeface="Courier New" panose="02070309020205020404" pitchFamily="49" charset="0"/>
                 <a:ea typeface="Courier New" charset="0"/>
-                <a:cs typeface="Courier New" charset="0"/>
+                <a:cs typeface="Courier New" panose="02070309020205020404" pitchFamily="49" charset="0"/>
               </a:rPr>
               <a:t>DataFrame</a:t>
             </a:r>
             <a:endParaRPr lang="en-US" dirty="0" smtClean="0">
-              <a:latin typeface="Courier New" charset="0"/>
+              <a:latin typeface="Courier New" panose="02070309020205020404" pitchFamily="49" charset="0"/>
               <a:ea typeface="Courier New" charset="0"/>
-              <a:cs typeface="Courier New" charset="0"/>
+              <a:cs typeface="Courier New" panose="02070309020205020404" pitchFamily="49" charset="0"/>
             </a:endParaRPr>
           </a:p>
           <a:p>
@@ -3714,29 +4766,44 @@
             </a:pPr>
             <a:r>
               <a:rPr lang="en-US" dirty="0">
-                <a:latin typeface="Courier New" charset="0"/>
+                <a:latin typeface="Courier New" panose="02070309020205020404" pitchFamily="49" charset="0"/>
                 <a:ea typeface="Courier New" charset="0"/>
-                <a:cs typeface="Courier New" charset="0"/>
+                <a:cs typeface="Courier New" panose="02070309020205020404" pitchFamily="49" charset="0"/>
               </a:rPr>
               <a:t>pandas</a:t>
             </a:r>
             <a:r>
-              <a:rPr lang="en-US" dirty="0"/>
+              <a:rPr lang="en-US" dirty="0">
+                <a:latin typeface="Calibri" panose="020F0502020204030204" pitchFamily="34" charset="0"/>
+                <a:cs typeface="Calibri" panose="020F0502020204030204" pitchFamily="34" charset="0"/>
+              </a:rPr>
               <a:t>: </a:t>
             </a:r>
             <a:r>
-              <a:rPr lang="en-US" dirty="0" err="1" smtClean="0"/>
+              <a:rPr lang="en-US" dirty="0" err="1" smtClean="0">
+                <a:latin typeface="Calibri" panose="020F0502020204030204" pitchFamily="34" charset="0"/>
+                <a:cs typeface="Calibri" panose="020F0502020204030204" pitchFamily="34" charset="0"/>
+              </a:rPr>
               <a:t>opérations</a:t>
             </a:r>
             <a:r>
-              <a:rPr lang="en-US" dirty="0" smtClean="0"/>
+              <a:rPr lang="en-US" dirty="0" smtClean="0">
+                <a:latin typeface="Calibri" panose="020F0502020204030204" pitchFamily="34" charset="0"/>
+                <a:cs typeface="Calibri" panose="020F0502020204030204" pitchFamily="34" charset="0"/>
+              </a:rPr>
               <a:t> </a:t>
             </a:r>
             <a:r>
-              <a:rPr lang="en-US" dirty="0" err="1" smtClean="0"/>
+              <a:rPr lang="en-US" dirty="0" err="1" smtClean="0">
+                <a:latin typeface="Calibri" panose="020F0502020204030204" pitchFamily="34" charset="0"/>
+                <a:cs typeface="Calibri" panose="020F0502020204030204" pitchFamily="34" charset="0"/>
+              </a:rPr>
               <a:t>avancées</a:t>
             </a:r>
-            <a:endParaRPr lang="en-US" dirty="0" smtClean="0"/>
+            <a:endParaRPr lang="en-US" dirty="0" smtClean="0">
+              <a:latin typeface="Calibri" panose="020F0502020204030204" pitchFamily="34" charset="0"/>
+              <a:cs typeface="Calibri" panose="020F0502020204030204" pitchFamily="34" charset="0"/>
+            </a:endParaRPr>
           </a:p>
           <a:p>
             <a:pPr marL="609585" indent="-609585">
@@ -3744,42 +4811,66 @@
               <a:buAutoNum type="arabicPeriod"/>
             </a:pPr>
             <a:r>
-              <a:rPr lang="en-US" dirty="0">
-                <a:latin typeface="Courier New" charset="0"/>
+              <a:rPr lang="en-US" b="1" dirty="0">
+                <a:latin typeface="Courier New" panose="02070309020205020404" pitchFamily="49" charset="0"/>
                 <a:ea typeface="Courier New" charset="0"/>
-                <a:cs typeface="Courier New" charset="0"/>
+                <a:cs typeface="Courier New" panose="02070309020205020404" pitchFamily="49" charset="0"/>
               </a:rPr>
               <a:t>pandas</a:t>
             </a:r>
             <a:r>
-              <a:rPr lang="en-US" dirty="0"/>
+              <a:rPr lang="en-US" b="1" dirty="0">
+                <a:latin typeface="Calibri" panose="020F0502020204030204" pitchFamily="34" charset="0"/>
+                <a:cs typeface="Calibri" panose="020F0502020204030204" pitchFamily="34" charset="0"/>
+              </a:rPr>
               <a:t>: </a:t>
             </a:r>
             <a:r>
-              <a:rPr lang="en-US" dirty="0" err="1" smtClean="0"/>
-              <a:t>g</a:t>
-            </a:r>
-            <a:r>
-              <a:rPr lang="en-US" dirty="0" err="1" smtClean="0"/>
-              <a:t>estion</a:t>
-            </a:r>
-            <a:r>
-              <a:rPr lang="en-US" dirty="0" smtClean="0"/>
-              <a:t> des dates pour </a:t>
-            </a:r>
-            <a:r>
-              <a:rPr lang="en-US" dirty="0" err="1" smtClean="0"/>
+              <a:rPr lang="en-US" b="1" dirty="0" err="1" smtClean="0">
+                <a:latin typeface="Calibri" panose="020F0502020204030204" pitchFamily="34" charset="0"/>
+                <a:cs typeface="Calibri" panose="020F0502020204030204" pitchFamily="34" charset="0"/>
+              </a:rPr>
+              <a:t>gestion</a:t>
+            </a:r>
+            <a:r>
+              <a:rPr lang="en-US" b="1" dirty="0" smtClean="0">
+                <a:latin typeface="Calibri" panose="020F0502020204030204" pitchFamily="34" charset="0"/>
+                <a:cs typeface="Calibri" panose="020F0502020204030204" pitchFamily="34" charset="0"/>
+              </a:rPr>
+              <a:t> des dates </a:t>
+            </a:r>
+            <a:r>
+              <a:rPr lang="en-US" b="1" dirty="0" smtClean="0">
+                <a:latin typeface="Calibri" panose="020F0502020204030204" pitchFamily="34" charset="0"/>
+                <a:cs typeface="Calibri" panose="020F0502020204030204" pitchFamily="34" charset="0"/>
+              </a:rPr>
+              <a:t>et des </a:t>
+            </a:r>
+            <a:r>
+              <a:rPr lang="en-US" b="1" dirty="0" err="1" smtClean="0">
+                <a:latin typeface="Calibri" panose="020F0502020204030204" pitchFamily="34" charset="0"/>
+                <a:cs typeface="Calibri" panose="020F0502020204030204" pitchFamily="34" charset="0"/>
+              </a:rPr>
               <a:t>séries</a:t>
             </a:r>
             <a:r>
-              <a:rPr lang="en-US" dirty="0" smtClean="0"/>
+              <a:rPr lang="en-US" b="1" dirty="0" smtClean="0">
+                <a:latin typeface="Calibri" panose="020F0502020204030204" pitchFamily="34" charset="0"/>
+                <a:cs typeface="Calibri" panose="020F0502020204030204" pitchFamily="34" charset="0"/>
+              </a:rPr>
               <a:t> </a:t>
             </a:r>
             <a:r>
-              <a:rPr lang="en-US" dirty="0" err="1" smtClean="0"/>
+              <a:rPr lang="en-US" b="1" dirty="0" err="1" smtClean="0">
+                <a:latin typeface="Calibri" panose="020F0502020204030204" pitchFamily="34" charset="0"/>
+                <a:cs typeface="Calibri" panose="020F0502020204030204" pitchFamily="34" charset="0"/>
+              </a:rPr>
               <a:t>temporelles</a:t>
             </a:r>
-            <a:endParaRPr lang="fr-FR" dirty="0"/>
+            <a:endParaRPr lang="fr-FR" b="1" dirty="0">
+              <a:latin typeface="Calibri" panose="020F0502020204030204" pitchFamily="34" charset="0"/>
+              <a:cs typeface="Calibri" panose="020F0502020204030204" pitchFamily="34" charset="0"/>
+            </a:endParaRPr>
           </a:p>
         </p:txBody>
       </p:sp>
@@ -3848,7 +4939,7 @@
         </p:nvSpPr>
         <p:spPr>
           <a:xfrm>
-            <a:off x="-1" y="5847427"/>
+            <a:off x="-16625" y="5881602"/>
             <a:ext cx="3913481" cy="959656"/>
           </a:xfrm>
           <a:prstGeom prst="rect">
@@ -4006,22 +5097,800 @@
               <a:buNone/>
             </a:pPr>
             <a:r>
-              <a:rPr lang="fr-FR" sz="2133" dirty="0">
+              <a:rPr lang="fr-FR" sz="2300" dirty="0" smtClean="0">
                 <a:solidFill>
                   <a:schemeClr val="bg1"/>
                 </a:solidFill>
               </a:rPr>
-              <a:t>Thierry </a:t>
-            </a:r>
-            <a:r>
-              <a:rPr lang="fr-FR" sz="2133" dirty="0" err="1">
+              <a:t>   Arnaud Legout</a:t>
+            </a:r>
+            <a:endParaRPr lang="fr-FR" sz="2300" dirty="0">
+              <a:solidFill>
+                <a:schemeClr val="bg1"/>
+              </a:solidFill>
+            </a:endParaRPr>
+          </a:p>
+        </p:txBody>
+      </p:sp>
+      <p:pic>
+        <p:nvPicPr>
+          <p:cNvPr id="4" name="Image 3"/>
+          <p:cNvPicPr>
+            <a:picLocks noChangeAspect="1"/>
+          </p:cNvPicPr>
+          <p:nvPr/>
+        </p:nvPicPr>
+        <p:blipFill>
+          <a:blip r:embed="rId3">
+            <a:extLst>
+              <a:ext uri="{28A0092B-C50C-407E-A947-70E740481C1C}">
+                <a14:useLocalDpi xmlns:a14="http://schemas.microsoft.com/office/drawing/2010/main" val="0"/>
+              </a:ext>
+            </a:extLst>
+          </a:blip>
+          <a:stretch>
+            <a:fillRect/>
+          </a:stretch>
+        </p:blipFill>
+        <p:spPr>
+          <a:xfrm>
+            <a:off x="689442" y="6291135"/>
+            <a:ext cx="1190649" cy="515948"/>
+          </a:xfrm>
+          <a:prstGeom prst="rect">
+            <a:avLst/>
+          </a:prstGeom>
+        </p:spPr>
+      </p:pic>
+    </p:spTree>
+    <p:extLst>
+      <p:ext uri="{BB962C8B-B14F-4D97-AF65-F5344CB8AC3E}">
+        <p14:creationId xmlns:p14="http://schemas.microsoft.com/office/powerpoint/2010/main" val="2756672584"/>
+      </p:ext>
+    </p:extLst>
+  </p:cSld>
+  <p:clrMapOvr>
+    <a:masterClrMapping/>
+  </p:clrMapOvr>
+  <p:timing>
+    <p:tnLst>
+      <p:par>
+        <p:cTn id="1" dur="indefinite" restart="never" nodeType="tmRoot"/>
+      </p:par>
+    </p:tnLst>
+  </p:timing>
+</p:sld>
+</file>
+
+<file path=ppt/slides/slide2.xml><?xml version="1.0" encoding="utf-8"?>
+<p:sld xmlns:a="http://schemas.openxmlformats.org/drawingml/2006/main" xmlns:r="http://schemas.openxmlformats.org/officeDocument/2006/relationships" xmlns:p="http://schemas.openxmlformats.org/presentationml/2006/main">
+  <p:cSld>
+    <p:spTree>
+      <p:nvGrpSpPr>
+        <p:cNvPr id="1" name=""/>
+        <p:cNvGrpSpPr/>
+        <p:nvPr/>
+      </p:nvGrpSpPr>
+      <p:grpSpPr>
+        <a:xfrm>
+          <a:off x="0" y="0"/>
+          <a:ext cx="0" cy="0"/>
+          <a:chOff x="0" y="0"/>
+          <a:chExt cx="0" cy="0"/>
+        </a:xfrm>
+      </p:grpSpPr>
+      <p:sp>
+        <p:nvSpPr>
+          <p:cNvPr id="3" name="Titre 2"/>
+          <p:cNvSpPr>
+            <a:spLocks noGrp="1"/>
+          </p:cNvSpPr>
+          <p:nvPr>
+            <p:ph type="title"/>
+          </p:nvPr>
+        </p:nvSpPr>
+        <p:spPr/>
+        <p:txBody>
+          <a:bodyPr>
+            <a:noAutofit/>
+          </a:bodyPr>
+          <a:lstStyle/>
+          <a:p>
+            <a:r>
+              <a:rPr lang="fr-FR" dirty="0">
+                <a:latin typeface="Calibri" panose="020F0502020204030204" pitchFamily="34" charset="0"/>
+                <a:cs typeface="Calibri" panose="020F0502020204030204" pitchFamily="34" charset="0"/>
+              </a:rPr>
+              <a:t>Semaine 7. L'écosystème data science Python</a:t>
+            </a:r>
+            <a:br>
+              <a:rPr lang="fr-FR" dirty="0">
+                <a:latin typeface="Calibri" panose="020F0502020204030204" pitchFamily="34" charset="0"/>
+                <a:cs typeface="Calibri" panose="020F0502020204030204" pitchFamily="34" charset="0"/>
+              </a:rPr>
+            </a:br>
+            <a:endParaRPr lang="fr-FR" dirty="0">
+              <a:latin typeface="Calibri" panose="020F0502020204030204" pitchFamily="34" charset="0"/>
+              <a:cs typeface="Calibri" panose="020F0502020204030204" pitchFamily="34" charset="0"/>
+            </a:endParaRPr>
+          </a:p>
+        </p:txBody>
+      </p:sp>
+      <p:sp>
+        <p:nvSpPr>
+          <p:cNvPr id="8" name="Espace réservé du texte 7"/>
+          <p:cNvSpPr>
+            <a:spLocks noGrp="1"/>
+          </p:cNvSpPr>
+          <p:nvPr>
+            <p:ph type="body" sz="quarter" idx="12"/>
+          </p:nvPr>
+        </p:nvSpPr>
+        <p:spPr>
+          <a:xfrm>
+            <a:off x="1782709" y="6384935"/>
+            <a:ext cx="10040047" cy="690832"/>
+          </a:xfrm>
+        </p:spPr>
+        <p:txBody>
+          <a:bodyPr/>
+          <a:lstStyle/>
+          <a:p>
+            <a:r>
+              <a:rPr lang="fr-FR" dirty="0"/>
+              <a:t>Python 3 : des fondamentaux aux concepts avancés du langage</a:t>
+            </a:r>
+          </a:p>
+        </p:txBody>
+      </p:sp>
+      <p:sp>
+        <p:nvSpPr>
+          <p:cNvPr id="11" name="Espace réservé du texte 10"/>
+          <p:cNvSpPr>
+            <a:spLocks noGrp="1"/>
+          </p:cNvSpPr>
+          <p:nvPr>
+            <p:ph type="body" sz="quarter" idx="10"/>
+          </p:nvPr>
+        </p:nvSpPr>
+        <p:spPr>
+          <a:xfrm>
+            <a:off x="2928079" y="1047979"/>
+            <a:ext cx="9263921" cy="5318837"/>
+          </a:xfrm>
+        </p:spPr>
+        <p:txBody>
+          <a:bodyPr>
+            <a:normAutofit lnSpcReduction="10000"/>
+          </a:bodyPr>
+          <a:lstStyle/>
+          <a:p>
+            <a:pPr marL="609585" indent="-609585">
+              <a:buFont typeface="+mj-lt"/>
+              <a:buAutoNum type="arabicPeriod"/>
+            </a:pPr>
+            <a:r>
+              <a:rPr lang="fr-FR" b="1" dirty="0" smtClean="0">
+                <a:latin typeface="Calibri" panose="020F0502020204030204" pitchFamily="34" charset="0"/>
+                <a:cs typeface="Calibri" panose="020F0502020204030204" pitchFamily="34" charset="0"/>
+              </a:rPr>
+              <a:t>Pr</a:t>
+            </a:r>
+            <a:r>
+              <a:rPr lang="en-US" b="1" dirty="0" err="1" smtClean="0">
+                <a:latin typeface="Calibri" panose="020F0502020204030204" pitchFamily="34" charset="0"/>
+                <a:cs typeface="Calibri" panose="020F0502020204030204" pitchFamily="34" charset="0"/>
+              </a:rPr>
+              <a:t>ésentation</a:t>
+            </a:r>
+            <a:r>
+              <a:rPr lang="en-US" b="1" dirty="0" smtClean="0">
+                <a:latin typeface="Calibri" panose="020F0502020204030204" pitchFamily="34" charset="0"/>
+                <a:cs typeface="Calibri" panose="020F0502020204030204" pitchFamily="34" charset="0"/>
+              </a:rPr>
+              <a:t> </a:t>
+            </a:r>
+            <a:r>
+              <a:rPr lang="en-US" b="1" dirty="0" err="1" smtClean="0">
+                <a:latin typeface="Calibri" panose="020F0502020204030204" pitchFamily="34" charset="0"/>
+                <a:cs typeface="Calibri" panose="020F0502020204030204" pitchFamily="34" charset="0"/>
+              </a:rPr>
+              <a:t>générale</a:t>
+            </a:r>
+            <a:endParaRPr lang="fr-FR" b="1" dirty="0">
+              <a:latin typeface="Calibri" panose="020F0502020204030204" pitchFamily="34" charset="0"/>
+              <a:cs typeface="Calibri" panose="020F0502020204030204" pitchFamily="34" charset="0"/>
+            </a:endParaRPr>
+          </a:p>
+          <a:p>
+            <a:pPr marL="609585" indent="-609585">
+              <a:buFont typeface="+mj-lt"/>
+              <a:buAutoNum type="arabicPeriod"/>
+            </a:pPr>
+            <a:r>
+              <a:rPr lang="fr-FR" dirty="0" err="1" smtClean="0">
+                <a:latin typeface="Courier New" panose="02070309020205020404" pitchFamily="49" charset="0"/>
+                <a:cs typeface="Courier New" panose="02070309020205020404" pitchFamily="49" charset="0"/>
+              </a:rPr>
+              <a:t>numpy</a:t>
+            </a:r>
+            <a:r>
+              <a:rPr lang="fr-FR" dirty="0" smtClean="0">
+                <a:latin typeface="Calibri" panose="020F0502020204030204" pitchFamily="34" charset="0"/>
+                <a:cs typeface="Calibri" panose="020F0502020204030204" pitchFamily="34" charset="0"/>
+              </a:rPr>
+              <a:t>: le type </a:t>
+            </a:r>
+            <a:r>
+              <a:rPr lang="fr-FR" dirty="0" err="1" smtClean="0">
+                <a:latin typeface="Courier New" panose="02070309020205020404" pitchFamily="49" charset="0"/>
+                <a:ea typeface="Courier New" charset="0"/>
+                <a:cs typeface="Courier New" panose="02070309020205020404" pitchFamily="49" charset="0"/>
+              </a:rPr>
+              <a:t>ndarray</a:t>
+            </a:r>
+            <a:r>
+              <a:rPr lang="fr-FR" dirty="0" smtClean="0">
+                <a:latin typeface="Calibri" panose="020F0502020204030204" pitchFamily="34" charset="0"/>
+                <a:cs typeface="Calibri" panose="020F0502020204030204" pitchFamily="34" charset="0"/>
+              </a:rPr>
+              <a:t> </a:t>
+            </a:r>
+          </a:p>
+          <a:p>
+            <a:pPr marL="609585" indent="-609585">
+              <a:buFont typeface="+mj-lt"/>
+              <a:buAutoNum type="arabicPeriod"/>
+            </a:pPr>
+            <a:r>
+              <a:rPr lang="fr-FR" dirty="0" err="1">
+                <a:latin typeface="Courier New" panose="02070309020205020404" pitchFamily="49" charset="0"/>
+                <a:cs typeface="Courier New" panose="02070309020205020404" pitchFamily="49" charset="0"/>
+              </a:rPr>
+              <a:t>numpy</a:t>
+            </a:r>
+            <a:r>
+              <a:rPr lang="fr-FR" dirty="0">
+                <a:latin typeface="Calibri" panose="020F0502020204030204" pitchFamily="34" charset="0"/>
+                <a:cs typeface="Calibri" panose="020F0502020204030204" pitchFamily="34" charset="0"/>
+              </a:rPr>
+              <a:t>: </a:t>
+            </a:r>
+            <a:r>
+              <a:rPr lang="fr-FR" i="1" dirty="0" err="1" smtClean="0">
+                <a:latin typeface="Calibri" panose="020F0502020204030204" pitchFamily="34" charset="0"/>
+                <a:cs typeface="Calibri" panose="020F0502020204030204" pitchFamily="34" charset="0"/>
+              </a:rPr>
+              <a:t>slicing</a:t>
+            </a:r>
+            <a:r>
+              <a:rPr lang="fr-FR" dirty="0" smtClean="0">
+                <a:latin typeface="Calibri" panose="020F0502020204030204" pitchFamily="34" charset="0"/>
+                <a:cs typeface="Calibri" panose="020F0502020204030204" pitchFamily="34" charset="0"/>
+              </a:rPr>
+              <a:t>, </a:t>
+            </a:r>
+            <a:r>
+              <a:rPr lang="fr-FR" i="1" dirty="0" err="1" smtClean="0">
+                <a:latin typeface="Calibri" panose="020F0502020204030204" pitchFamily="34" charset="0"/>
+                <a:cs typeface="Calibri" panose="020F0502020204030204" pitchFamily="34" charset="0"/>
+              </a:rPr>
+              <a:t>reshaping</a:t>
+            </a:r>
+            <a:r>
+              <a:rPr lang="fr-FR" i="1" dirty="0" smtClean="0">
+                <a:latin typeface="Calibri" panose="020F0502020204030204" pitchFamily="34" charset="0"/>
+                <a:cs typeface="Calibri" panose="020F0502020204030204" pitchFamily="34" charset="0"/>
+              </a:rPr>
+              <a:t> </a:t>
+            </a:r>
+            <a:r>
+              <a:rPr lang="fr-FR" dirty="0" smtClean="0">
+                <a:latin typeface="Calibri" panose="020F0502020204030204" pitchFamily="34" charset="0"/>
+                <a:cs typeface="Calibri" panose="020F0502020204030204" pitchFamily="34" charset="0"/>
+              </a:rPr>
+              <a:t>et indexation </a:t>
+            </a:r>
+            <a:r>
+              <a:rPr lang="fr-FR" dirty="0" err="1" smtClean="0">
+                <a:latin typeface="Calibri" panose="020F0502020204030204" pitchFamily="34" charset="0"/>
+                <a:cs typeface="Calibri" panose="020F0502020204030204" pitchFamily="34" charset="0"/>
+              </a:rPr>
+              <a:t>avanc</a:t>
+            </a:r>
+            <a:r>
+              <a:rPr lang="en-US" dirty="0" err="1" smtClean="0">
+                <a:latin typeface="Calibri" panose="020F0502020204030204" pitchFamily="34" charset="0"/>
+                <a:cs typeface="Calibri" panose="020F0502020204030204" pitchFamily="34" charset="0"/>
+              </a:rPr>
+              <a:t>ée</a:t>
+            </a:r>
+            <a:endParaRPr lang="en-US" dirty="0" smtClean="0">
+              <a:latin typeface="Calibri" panose="020F0502020204030204" pitchFamily="34" charset="0"/>
+              <a:cs typeface="Calibri" panose="020F0502020204030204" pitchFamily="34" charset="0"/>
+            </a:endParaRPr>
+          </a:p>
+          <a:p>
+            <a:pPr marL="609585" indent="-609585">
+              <a:buFont typeface="+mj-lt"/>
+              <a:buAutoNum type="arabicPeriod"/>
+            </a:pPr>
+            <a:r>
+              <a:rPr lang="fr-FR" dirty="0" err="1">
+                <a:latin typeface="Courier New" panose="02070309020205020404" pitchFamily="49" charset="0"/>
+                <a:cs typeface="Courier New" panose="02070309020205020404" pitchFamily="49" charset="0"/>
+              </a:rPr>
+              <a:t>numpy</a:t>
+            </a:r>
+            <a:r>
+              <a:rPr lang="fr-FR" dirty="0">
+                <a:latin typeface="Calibri" panose="020F0502020204030204" pitchFamily="34" charset="0"/>
+                <a:cs typeface="Calibri" panose="020F0502020204030204" pitchFamily="34" charset="0"/>
+              </a:rPr>
+              <a:t>: </a:t>
+            </a:r>
+            <a:r>
+              <a:rPr lang="en-US" dirty="0" err="1" smtClean="0">
+                <a:latin typeface="Calibri" panose="020F0502020204030204" pitchFamily="34" charset="0"/>
+                <a:cs typeface="Calibri" panose="020F0502020204030204" pitchFamily="34" charset="0"/>
+              </a:rPr>
+              <a:t>vectorisation</a:t>
+            </a:r>
+            <a:endParaRPr lang="en-US" dirty="0" smtClean="0">
+              <a:latin typeface="Calibri" panose="020F0502020204030204" pitchFamily="34" charset="0"/>
+              <a:cs typeface="Calibri" panose="020F0502020204030204" pitchFamily="34" charset="0"/>
+            </a:endParaRPr>
+          </a:p>
+          <a:p>
+            <a:pPr marL="609585" indent="-609585">
+              <a:buFont typeface="+mj-lt"/>
+              <a:buAutoNum type="arabicPeriod"/>
+            </a:pPr>
+            <a:r>
+              <a:rPr lang="fr-FR" dirty="0" err="1">
+                <a:latin typeface="Courier New" panose="02070309020205020404" pitchFamily="49" charset="0"/>
+                <a:cs typeface="Courier New" panose="02070309020205020404" pitchFamily="49" charset="0"/>
+              </a:rPr>
+              <a:t>numpy</a:t>
+            </a:r>
+            <a:r>
+              <a:rPr lang="fr-FR" dirty="0">
+                <a:latin typeface="Calibri" panose="020F0502020204030204" pitchFamily="34" charset="0"/>
+                <a:cs typeface="Calibri" panose="020F0502020204030204" pitchFamily="34" charset="0"/>
+              </a:rPr>
+              <a:t>: </a:t>
+            </a:r>
+            <a:r>
+              <a:rPr lang="en-US" i="1" dirty="0" smtClean="0">
+                <a:latin typeface="Calibri" panose="020F0502020204030204" pitchFamily="34" charset="0"/>
+                <a:cs typeface="Calibri" panose="020F0502020204030204" pitchFamily="34" charset="0"/>
+              </a:rPr>
+              <a:t>broadcasting</a:t>
+            </a:r>
+          </a:p>
+          <a:p>
+            <a:pPr marL="609585" indent="-609585">
+              <a:buFont typeface="+mj-lt"/>
+              <a:buAutoNum type="arabicPeriod"/>
+            </a:pPr>
+            <a:r>
+              <a:rPr lang="en-US" dirty="0" smtClean="0">
+                <a:latin typeface="Courier New" panose="02070309020205020404" pitchFamily="49" charset="0"/>
+                <a:ea typeface="Courier New" charset="0"/>
+                <a:cs typeface="Courier New" panose="02070309020205020404" pitchFamily="49" charset="0"/>
+              </a:rPr>
+              <a:t>pandas</a:t>
+            </a:r>
+            <a:r>
+              <a:rPr lang="en-US" dirty="0" smtClean="0">
+                <a:latin typeface="Calibri" panose="020F0502020204030204" pitchFamily="34" charset="0"/>
+                <a:cs typeface="Calibri" panose="020F0502020204030204" pitchFamily="34" charset="0"/>
+              </a:rPr>
+              <a:t>: introduction aux </a:t>
+            </a:r>
+            <a:r>
+              <a:rPr lang="en-US" dirty="0" smtClean="0">
+                <a:latin typeface="Courier New" panose="02070309020205020404" pitchFamily="49" charset="0"/>
+                <a:ea typeface="Courier New" charset="0"/>
+                <a:cs typeface="Courier New" panose="02070309020205020404" pitchFamily="49" charset="0"/>
+              </a:rPr>
+              <a:t>Series</a:t>
+            </a:r>
+            <a:r>
+              <a:rPr lang="en-US" dirty="0" smtClean="0">
+                <a:latin typeface="Calibri" panose="020F0502020204030204" pitchFamily="34" charset="0"/>
+                <a:cs typeface="Calibri" panose="020F0502020204030204" pitchFamily="34" charset="0"/>
+              </a:rPr>
+              <a:t> et aux indexes</a:t>
+            </a:r>
+          </a:p>
+          <a:p>
+            <a:pPr marL="609585" indent="-609585">
+              <a:buFont typeface="+mj-lt"/>
+              <a:buAutoNum type="arabicPeriod"/>
+            </a:pPr>
+            <a:r>
+              <a:rPr lang="en-US" dirty="0">
+                <a:latin typeface="Courier New" panose="02070309020205020404" pitchFamily="49" charset="0"/>
+                <a:ea typeface="Courier New" charset="0"/>
+                <a:cs typeface="Courier New" panose="02070309020205020404" pitchFamily="49" charset="0"/>
+              </a:rPr>
+              <a:t>pandas</a:t>
+            </a:r>
+            <a:r>
+              <a:rPr lang="en-US" dirty="0">
+                <a:latin typeface="Calibri" panose="020F0502020204030204" pitchFamily="34" charset="0"/>
+                <a:cs typeface="Calibri" panose="020F0502020204030204" pitchFamily="34" charset="0"/>
+              </a:rPr>
+              <a:t>: le </a:t>
+            </a:r>
+            <a:r>
+              <a:rPr lang="en-US" dirty="0" smtClean="0">
+                <a:latin typeface="Calibri" panose="020F0502020204030204" pitchFamily="34" charset="0"/>
+                <a:cs typeface="Calibri" panose="020F0502020204030204" pitchFamily="34" charset="0"/>
+              </a:rPr>
+              <a:t>type </a:t>
+            </a:r>
+            <a:r>
+              <a:rPr lang="en-US" dirty="0" err="1" smtClean="0">
+                <a:latin typeface="Courier New" panose="02070309020205020404" pitchFamily="49" charset="0"/>
+                <a:ea typeface="Courier New" charset="0"/>
+                <a:cs typeface="Courier New" panose="02070309020205020404" pitchFamily="49" charset="0"/>
+              </a:rPr>
+              <a:t>DataFrame</a:t>
+            </a:r>
+            <a:endParaRPr lang="en-US" dirty="0" smtClean="0">
+              <a:latin typeface="Courier New" panose="02070309020205020404" pitchFamily="49" charset="0"/>
+              <a:ea typeface="Courier New" charset="0"/>
+              <a:cs typeface="Courier New" panose="02070309020205020404" pitchFamily="49" charset="0"/>
+            </a:endParaRPr>
+          </a:p>
+          <a:p>
+            <a:pPr marL="609585" indent="-609585">
+              <a:buFont typeface="+mj-lt"/>
+              <a:buAutoNum type="arabicPeriod"/>
+            </a:pPr>
+            <a:r>
+              <a:rPr lang="en-US" dirty="0">
+                <a:latin typeface="Courier New" panose="02070309020205020404" pitchFamily="49" charset="0"/>
+                <a:ea typeface="Courier New" charset="0"/>
+                <a:cs typeface="Courier New" panose="02070309020205020404" pitchFamily="49" charset="0"/>
+              </a:rPr>
+              <a:t>pandas</a:t>
+            </a:r>
+            <a:r>
+              <a:rPr lang="en-US" dirty="0">
+                <a:latin typeface="Calibri" panose="020F0502020204030204" pitchFamily="34" charset="0"/>
+                <a:cs typeface="Calibri" panose="020F0502020204030204" pitchFamily="34" charset="0"/>
+              </a:rPr>
+              <a:t>: </a:t>
+            </a:r>
+            <a:r>
+              <a:rPr lang="en-US" dirty="0" err="1" smtClean="0">
+                <a:latin typeface="Calibri" panose="020F0502020204030204" pitchFamily="34" charset="0"/>
+                <a:cs typeface="Calibri" panose="020F0502020204030204" pitchFamily="34" charset="0"/>
+              </a:rPr>
+              <a:t>opérations</a:t>
+            </a:r>
+            <a:r>
+              <a:rPr lang="en-US" dirty="0" smtClean="0">
+                <a:latin typeface="Calibri" panose="020F0502020204030204" pitchFamily="34" charset="0"/>
+                <a:cs typeface="Calibri" panose="020F0502020204030204" pitchFamily="34" charset="0"/>
+              </a:rPr>
+              <a:t> </a:t>
+            </a:r>
+            <a:r>
+              <a:rPr lang="en-US" dirty="0" err="1" smtClean="0">
+                <a:latin typeface="Calibri" panose="020F0502020204030204" pitchFamily="34" charset="0"/>
+                <a:cs typeface="Calibri" panose="020F0502020204030204" pitchFamily="34" charset="0"/>
+              </a:rPr>
+              <a:t>avancées</a:t>
+            </a:r>
+            <a:endParaRPr lang="en-US" dirty="0" smtClean="0">
+              <a:latin typeface="Calibri" panose="020F0502020204030204" pitchFamily="34" charset="0"/>
+              <a:cs typeface="Calibri" panose="020F0502020204030204" pitchFamily="34" charset="0"/>
+            </a:endParaRPr>
+          </a:p>
+          <a:p>
+            <a:pPr marL="609585" indent="-609585">
+              <a:buFont typeface="+mj-lt"/>
+              <a:buAutoNum type="arabicPeriod"/>
+            </a:pPr>
+            <a:r>
+              <a:rPr lang="en-US" dirty="0">
+                <a:latin typeface="Courier New" panose="02070309020205020404" pitchFamily="49" charset="0"/>
+                <a:ea typeface="Courier New" charset="0"/>
+                <a:cs typeface="Courier New" panose="02070309020205020404" pitchFamily="49" charset="0"/>
+              </a:rPr>
+              <a:t>pandas</a:t>
+            </a:r>
+            <a:r>
+              <a:rPr lang="en-US" dirty="0">
+                <a:latin typeface="Calibri" panose="020F0502020204030204" pitchFamily="34" charset="0"/>
+                <a:cs typeface="Calibri" panose="020F0502020204030204" pitchFamily="34" charset="0"/>
+              </a:rPr>
+              <a:t>: </a:t>
+            </a:r>
+            <a:r>
+              <a:rPr lang="en-US" dirty="0" err="1" smtClean="0">
+                <a:latin typeface="Calibri" panose="020F0502020204030204" pitchFamily="34" charset="0"/>
+                <a:cs typeface="Calibri" panose="020F0502020204030204" pitchFamily="34" charset="0"/>
+              </a:rPr>
+              <a:t>gestion</a:t>
+            </a:r>
+            <a:r>
+              <a:rPr lang="en-US" dirty="0" smtClean="0">
+                <a:latin typeface="Calibri" panose="020F0502020204030204" pitchFamily="34" charset="0"/>
+                <a:cs typeface="Calibri" panose="020F0502020204030204" pitchFamily="34" charset="0"/>
+              </a:rPr>
+              <a:t> des dates </a:t>
+            </a:r>
+            <a:r>
+              <a:rPr lang="en-US" dirty="0" smtClean="0">
+                <a:latin typeface="Calibri" panose="020F0502020204030204" pitchFamily="34" charset="0"/>
+                <a:cs typeface="Calibri" panose="020F0502020204030204" pitchFamily="34" charset="0"/>
+              </a:rPr>
+              <a:t>et des </a:t>
+            </a:r>
+            <a:r>
+              <a:rPr lang="en-US" dirty="0" err="1" smtClean="0">
+                <a:latin typeface="Calibri" panose="020F0502020204030204" pitchFamily="34" charset="0"/>
+                <a:cs typeface="Calibri" panose="020F0502020204030204" pitchFamily="34" charset="0"/>
+              </a:rPr>
+              <a:t>séries</a:t>
+            </a:r>
+            <a:r>
+              <a:rPr lang="en-US" dirty="0" smtClean="0">
+                <a:latin typeface="Calibri" panose="020F0502020204030204" pitchFamily="34" charset="0"/>
+                <a:cs typeface="Calibri" panose="020F0502020204030204" pitchFamily="34" charset="0"/>
+              </a:rPr>
+              <a:t> </a:t>
+            </a:r>
+            <a:r>
+              <a:rPr lang="en-US" dirty="0" err="1" smtClean="0">
+                <a:latin typeface="Calibri" panose="020F0502020204030204" pitchFamily="34" charset="0"/>
+                <a:cs typeface="Calibri" panose="020F0502020204030204" pitchFamily="34" charset="0"/>
+              </a:rPr>
+              <a:t>temporelles</a:t>
+            </a:r>
+            <a:endParaRPr lang="fr-FR" dirty="0">
+              <a:latin typeface="Calibri" panose="020F0502020204030204" pitchFamily="34" charset="0"/>
+              <a:cs typeface="Calibri" panose="020F0502020204030204" pitchFamily="34" charset="0"/>
+            </a:endParaRPr>
+          </a:p>
+        </p:txBody>
+      </p:sp>
+      <p:sp>
+        <p:nvSpPr>
+          <p:cNvPr id="12" name="Arrondir un rectangle avec un coin du même côté 8"/>
+          <p:cNvSpPr/>
+          <p:nvPr/>
+        </p:nvSpPr>
+        <p:spPr>
+          <a:xfrm>
+            <a:off x="33374" y="5822684"/>
+            <a:ext cx="2531337" cy="1009141"/>
+          </a:xfrm>
+          <a:prstGeom prst="round2SameRect">
+            <a:avLst/>
+          </a:prstGeom>
+          <a:solidFill>
+            <a:srgbClr val="E1001A"/>
+          </a:solidFill>
+          <a:ln>
+            <a:noFill/>
+          </a:ln>
+          <a:effectLst>
+            <a:outerShdw blurRad="50800" dist="38100" algn="l" rotWithShape="0">
+              <a:prstClr val="black">
+                <a:alpha val="40000"/>
+              </a:prstClr>
+            </a:outerShdw>
+          </a:effectLst>
+        </p:spPr>
+        <p:style>
+          <a:lnRef idx="1">
+            <a:schemeClr val="accent1"/>
+          </a:lnRef>
+          <a:fillRef idx="3">
+            <a:schemeClr val="accent1"/>
+          </a:fillRef>
+          <a:effectRef idx="2">
+            <a:schemeClr val="accent1"/>
+          </a:effectRef>
+          <a:fontRef idx="minor">
+            <a:schemeClr val="lt1"/>
+          </a:fontRef>
+        </p:style>
+        <p:txBody>
+          <a:bodyPr rtlCol="0" anchor="ctr"/>
+          <a:lstStyle/>
+          <a:p>
+            <a:pPr algn="ctr"/>
+            <a:endParaRPr lang="fr-FR" sz="2133" dirty="0">
+              <a:solidFill>
+                <a:srgbClr val="FFFFFF"/>
+              </a:solidFill>
+            </a:endParaRPr>
+          </a:p>
+        </p:txBody>
+      </p:sp>
+      <p:sp>
+        <p:nvSpPr>
+          <p:cNvPr id="13" name="Espace réservé du contenu 4"/>
+          <p:cNvSpPr txBox="1">
+            <a:spLocks/>
+          </p:cNvSpPr>
+          <p:nvPr/>
+        </p:nvSpPr>
+        <p:spPr>
+          <a:xfrm>
+            <a:off x="-16625" y="5881602"/>
+            <a:ext cx="3913481" cy="959656"/>
+          </a:xfrm>
+          <a:prstGeom prst="rect">
+            <a:avLst/>
+          </a:prstGeom>
+        </p:spPr>
+        <p:txBody>
+          <a:bodyPr/>
+          <a:lstStyle>
+            <a:lvl1pPr marL="180975" indent="-180975" algn="l" defTabSz="457200" rtl="0" eaLnBrk="1" latinLnBrk="0" hangingPunct="1">
+              <a:spcBef>
+                <a:spcPct val="20000"/>
+              </a:spcBef>
+              <a:buClr>
+                <a:srgbClr val="D3001C"/>
+              </a:buClr>
+              <a:buFont typeface="Arial"/>
+              <a:buChar char="•"/>
+              <a:defRPr lang="fr-FR" sz="1800" kern="0" dirty="0" smtClean="0">
+                <a:solidFill>
+                  <a:srgbClr val="606060"/>
+                </a:solidFill>
+                <a:latin typeface="Arial"/>
+                <a:ea typeface="ＭＳ Ｐゴシック" pitchFamily="23" charset="-128"/>
+                <a:cs typeface="Arial"/>
+              </a:defRPr>
+            </a:lvl1pPr>
+            <a:lvl2pPr marL="742950" indent="-285750" algn="l" defTabSz="457200" rtl="0" eaLnBrk="1" latinLnBrk="0" hangingPunct="1">
+              <a:spcBef>
+                <a:spcPct val="20000"/>
+              </a:spcBef>
+              <a:buFont typeface="Arial"/>
+              <a:buChar char="–"/>
+              <a:defRPr lang="fr-FR" sz="2800" kern="0" dirty="0" smtClean="0">
+                <a:solidFill>
+                  <a:srgbClr val="606060"/>
+                </a:solidFill>
+                <a:latin typeface="+mn-lt"/>
+                <a:ea typeface="ＭＳ Ｐゴシック" pitchFamily="23" charset="-128"/>
+                <a:cs typeface="+mn-cs"/>
+              </a:defRPr>
+            </a:lvl2pPr>
+            <a:lvl3pPr marL="1143000" indent="-228600" algn="l" defTabSz="457200" rtl="0" eaLnBrk="1" latinLnBrk="0" hangingPunct="1">
+              <a:spcBef>
+                <a:spcPct val="20000"/>
+              </a:spcBef>
+              <a:buFont typeface="Arial"/>
+              <a:buChar char="•"/>
+              <a:defRPr sz="2400" kern="1200">
+                <a:solidFill>
+                  <a:schemeClr val="tx1"/>
+                </a:solidFill>
+                <a:latin typeface="+mn-lt"/>
+                <a:ea typeface="+mn-ea"/>
+                <a:cs typeface="+mn-cs"/>
+              </a:defRPr>
+            </a:lvl3pPr>
+            <a:lvl4pPr marL="1600200" indent="-228600" algn="l" defTabSz="457200" rtl="0" eaLnBrk="1" latinLnBrk="0" hangingPunct="1">
+              <a:spcBef>
+                <a:spcPct val="20000"/>
+              </a:spcBef>
+              <a:buFont typeface="Arial"/>
+              <a:buChar char="–"/>
+              <a:defRPr sz="2000" kern="1200">
+                <a:solidFill>
+                  <a:schemeClr val="tx1"/>
+                </a:solidFill>
+                <a:latin typeface="+mn-lt"/>
+                <a:ea typeface="+mn-ea"/>
+                <a:cs typeface="+mn-cs"/>
+              </a:defRPr>
+            </a:lvl4pPr>
+            <a:lvl5pPr marL="446088" indent="-228600" algn="l" defTabSz="457200" rtl="0" eaLnBrk="1" latinLnBrk="0" hangingPunct="1">
+              <a:spcBef>
+                <a:spcPct val="20000"/>
+              </a:spcBef>
+              <a:buClr>
+                <a:srgbClr val="D3001C"/>
+              </a:buClr>
+              <a:buFont typeface="Arial"/>
+              <a:buChar char="»"/>
+              <a:tabLst/>
+              <a:defRPr lang="fr-FR" sz="1600" kern="0" baseline="0" dirty="0" smtClean="0">
+                <a:solidFill>
+                  <a:srgbClr val="606060"/>
+                </a:solidFill>
+                <a:latin typeface="Arial"/>
+                <a:ea typeface="ＭＳ Ｐゴシック" pitchFamily="23" charset="-128"/>
+                <a:cs typeface="Arial"/>
+              </a:defRPr>
+            </a:lvl5pPr>
+            <a:lvl6pPr marL="2514600" indent="-228600" algn="l" defTabSz="457200" rtl="0" eaLnBrk="1" latinLnBrk="0" hangingPunct="1">
+              <a:spcBef>
+                <a:spcPct val="20000"/>
+              </a:spcBef>
+              <a:buFont typeface="Arial"/>
+              <a:buChar char="•"/>
+              <a:defRPr sz="2000" kern="1200">
+                <a:solidFill>
+                  <a:schemeClr val="tx1"/>
+                </a:solidFill>
+                <a:latin typeface="+mn-lt"/>
+                <a:ea typeface="+mn-ea"/>
+                <a:cs typeface="+mn-cs"/>
+              </a:defRPr>
+            </a:lvl6pPr>
+            <a:lvl7pPr marL="2971800" indent="-228600" algn="l" defTabSz="457200" rtl="0" eaLnBrk="1" latinLnBrk="0" hangingPunct="1">
+              <a:spcBef>
+                <a:spcPct val="20000"/>
+              </a:spcBef>
+              <a:buFont typeface="Arial"/>
+              <a:buChar char="•"/>
+              <a:defRPr sz="2000" kern="1200">
+                <a:solidFill>
+                  <a:schemeClr val="tx1"/>
+                </a:solidFill>
+                <a:latin typeface="+mn-lt"/>
+                <a:ea typeface="+mn-ea"/>
+                <a:cs typeface="+mn-cs"/>
+              </a:defRPr>
+            </a:lvl7pPr>
+            <a:lvl8pPr marL="3429000" indent="-228600" algn="l" defTabSz="457200" rtl="0" eaLnBrk="1" latinLnBrk="0" hangingPunct="1">
+              <a:spcBef>
+                <a:spcPct val="20000"/>
+              </a:spcBef>
+              <a:buFont typeface="Arial"/>
+              <a:buChar char="•"/>
+              <a:defRPr sz="2000" kern="1200">
+                <a:solidFill>
+                  <a:schemeClr val="tx1"/>
+                </a:solidFill>
+                <a:latin typeface="+mn-lt"/>
+                <a:ea typeface="+mn-ea"/>
+                <a:cs typeface="+mn-cs"/>
+              </a:defRPr>
+            </a:lvl8pPr>
+            <a:lvl9pPr marL="3886200" indent="-228600" algn="l" defTabSz="457200" rtl="0" eaLnBrk="1" latinLnBrk="0" hangingPunct="1">
+              <a:spcBef>
+                <a:spcPct val="20000"/>
+              </a:spcBef>
+              <a:buFont typeface="Arial"/>
+              <a:buChar char="•"/>
+              <a:defRPr sz="2000" kern="1200">
+                <a:solidFill>
+                  <a:schemeClr val="tx1"/>
+                </a:solidFill>
+                <a:latin typeface="+mn-lt"/>
+                <a:ea typeface="+mn-ea"/>
+                <a:cs typeface="+mn-cs"/>
+              </a:defRPr>
+            </a:lvl9pPr>
+          </a:lstStyle>
+          <a:p>
+            <a:pPr marL="0" indent="0">
+              <a:buNone/>
+            </a:pPr>
+            <a:r>
+              <a:rPr lang="fr-FR" sz="2300" dirty="0" smtClean="0">
                 <a:solidFill>
                   <a:schemeClr val="bg1"/>
                 </a:solidFill>
               </a:rPr>
-              <a:t>Parmentelat</a:t>
-            </a:r>
-            <a:endParaRPr lang="fr-FR" sz="2133" dirty="0">
+              <a:t>   Arnaud Legout</a:t>
+            </a:r>
+            <a:endParaRPr lang="fr-FR" sz="2300" dirty="0">
               <a:solidFill>
                 <a:schemeClr val="bg1"/>
               </a:solidFill>
@@ -4069,6 +5938,5515 @@
   <p:clrMapOvr>
     <a:masterClrMapping/>
   </p:clrMapOvr>
+  <p:timing>
+    <p:tnLst>
+      <p:par>
+        <p:cTn id="1" dur="indefinite" restart="never" nodeType="tmRoot"/>
+      </p:par>
+    </p:tnLst>
+  </p:timing>
+</p:sld>
+</file>
+
+<file path=ppt/slides/slide3.xml><?xml version="1.0" encoding="utf-8"?>
+<p:sld xmlns:a="http://schemas.openxmlformats.org/drawingml/2006/main" xmlns:r="http://schemas.openxmlformats.org/officeDocument/2006/relationships" xmlns:p="http://schemas.openxmlformats.org/presentationml/2006/main">
+  <p:cSld>
+    <p:spTree>
+      <p:nvGrpSpPr>
+        <p:cNvPr id="1" name=""/>
+        <p:cNvGrpSpPr/>
+        <p:nvPr/>
+      </p:nvGrpSpPr>
+      <p:grpSpPr>
+        <a:xfrm>
+          <a:off x="0" y="0"/>
+          <a:ext cx="0" cy="0"/>
+          <a:chOff x="0" y="0"/>
+          <a:chExt cx="0" cy="0"/>
+        </a:xfrm>
+      </p:grpSpPr>
+      <p:sp>
+        <p:nvSpPr>
+          <p:cNvPr id="3" name="Titre 2"/>
+          <p:cNvSpPr>
+            <a:spLocks noGrp="1"/>
+          </p:cNvSpPr>
+          <p:nvPr>
+            <p:ph type="title"/>
+          </p:nvPr>
+        </p:nvSpPr>
+        <p:spPr/>
+        <p:txBody>
+          <a:bodyPr>
+            <a:noAutofit/>
+          </a:bodyPr>
+          <a:lstStyle/>
+          <a:p>
+            <a:r>
+              <a:rPr lang="fr-FR" dirty="0">
+                <a:latin typeface="Calibri" panose="020F0502020204030204" pitchFamily="34" charset="0"/>
+                <a:cs typeface="Calibri" panose="020F0502020204030204" pitchFamily="34" charset="0"/>
+              </a:rPr>
+              <a:t>Semaine 7. L'écosystème data science Python</a:t>
+            </a:r>
+            <a:br>
+              <a:rPr lang="fr-FR" dirty="0">
+                <a:latin typeface="Calibri" panose="020F0502020204030204" pitchFamily="34" charset="0"/>
+                <a:cs typeface="Calibri" panose="020F0502020204030204" pitchFamily="34" charset="0"/>
+              </a:rPr>
+            </a:br>
+            <a:endParaRPr lang="fr-FR" dirty="0">
+              <a:latin typeface="Calibri" panose="020F0502020204030204" pitchFamily="34" charset="0"/>
+              <a:cs typeface="Calibri" panose="020F0502020204030204" pitchFamily="34" charset="0"/>
+            </a:endParaRPr>
+          </a:p>
+        </p:txBody>
+      </p:sp>
+      <p:sp>
+        <p:nvSpPr>
+          <p:cNvPr id="8" name="Espace réservé du texte 7"/>
+          <p:cNvSpPr>
+            <a:spLocks noGrp="1"/>
+          </p:cNvSpPr>
+          <p:nvPr>
+            <p:ph type="body" sz="quarter" idx="12"/>
+          </p:nvPr>
+        </p:nvSpPr>
+        <p:spPr>
+          <a:xfrm>
+            <a:off x="1782709" y="6384935"/>
+            <a:ext cx="10040047" cy="690832"/>
+          </a:xfrm>
+        </p:spPr>
+        <p:txBody>
+          <a:bodyPr/>
+          <a:lstStyle/>
+          <a:p>
+            <a:r>
+              <a:rPr lang="fr-FR" dirty="0"/>
+              <a:t>Python 3 : des fondamentaux aux concepts avancés du langage</a:t>
+            </a:r>
+          </a:p>
+        </p:txBody>
+      </p:sp>
+      <p:sp>
+        <p:nvSpPr>
+          <p:cNvPr id="11" name="Espace réservé du texte 10"/>
+          <p:cNvSpPr>
+            <a:spLocks noGrp="1"/>
+          </p:cNvSpPr>
+          <p:nvPr>
+            <p:ph type="body" sz="quarter" idx="10"/>
+          </p:nvPr>
+        </p:nvSpPr>
+        <p:spPr>
+          <a:xfrm>
+            <a:off x="2928079" y="1047979"/>
+            <a:ext cx="9263921" cy="5318837"/>
+          </a:xfrm>
+        </p:spPr>
+        <p:txBody>
+          <a:bodyPr>
+            <a:normAutofit lnSpcReduction="10000"/>
+          </a:bodyPr>
+          <a:lstStyle/>
+          <a:p>
+            <a:pPr marL="609585" indent="-609585">
+              <a:buFont typeface="+mj-lt"/>
+              <a:buAutoNum type="arabicPeriod"/>
+            </a:pPr>
+            <a:r>
+              <a:rPr lang="fr-FR" dirty="0" smtClean="0">
+                <a:latin typeface="Calibri" panose="020F0502020204030204" pitchFamily="34" charset="0"/>
+                <a:cs typeface="Calibri" panose="020F0502020204030204" pitchFamily="34" charset="0"/>
+              </a:rPr>
+              <a:t>Pr</a:t>
+            </a:r>
+            <a:r>
+              <a:rPr lang="en-US" dirty="0" err="1" smtClean="0">
+                <a:latin typeface="Calibri" panose="020F0502020204030204" pitchFamily="34" charset="0"/>
+                <a:cs typeface="Calibri" panose="020F0502020204030204" pitchFamily="34" charset="0"/>
+              </a:rPr>
+              <a:t>ésentation</a:t>
+            </a:r>
+            <a:r>
+              <a:rPr lang="en-US" dirty="0" smtClean="0">
+                <a:latin typeface="Calibri" panose="020F0502020204030204" pitchFamily="34" charset="0"/>
+                <a:cs typeface="Calibri" panose="020F0502020204030204" pitchFamily="34" charset="0"/>
+              </a:rPr>
+              <a:t> </a:t>
+            </a:r>
+            <a:r>
+              <a:rPr lang="en-US" dirty="0" err="1" smtClean="0">
+                <a:latin typeface="Calibri" panose="020F0502020204030204" pitchFamily="34" charset="0"/>
+                <a:cs typeface="Calibri" panose="020F0502020204030204" pitchFamily="34" charset="0"/>
+              </a:rPr>
+              <a:t>générale</a:t>
+            </a:r>
+            <a:endParaRPr lang="fr-FR" dirty="0">
+              <a:latin typeface="Calibri" panose="020F0502020204030204" pitchFamily="34" charset="0"/>
+              <a:cs typeface="Calibri" panose="020F0502020204030204" pitchFamily="34" charset="0"/>
+            </a:endParaRPr>
+          </a:p>
+          <a:p>
+            <a:pPr marL="609585" indent="-609585">
+              <a:buFont typeface="+mj-lt"/>
+              <a:buAutoNum type="arabicPeriod"/>
+            </a:pPr>
+            <a:r>
+              <a:rPr lang="fr-FR" b="1" dirty="0" err="1" smtClean="0">
+                <a:latin typeface="Courier New" panose="02070309020205020404" pitchFamily="49" charset="0"/>
+                <a:cs typeface="Courier New" panose="02070309020205020404" pitchFamily="49" charset="0"/>
+              </a:rPr>
+              <a:t>numpy</a:t>
+            </a:r>
+            <a:r>
+              <a:rPr lang="fr-FR" b="1" dirty="0" smtClean="0">
+                <a:latin typeface="Calibri" panose="020F0502020204030204" pitchFamily="34" charset="0"/>
+                <a:cs typeface="Calibri" panose="020F0502020204030204" pitchFamily="34" charset="0"/>
+              </a:rPr>
+              <a:t>: le type </a:t>
+            </a:r>
+            <a:r>
+              <a:rPr lang="fr-FR" b="1" dirty="0" err="1" smtClean="0">
+                <a:latin typeface="Courier New" panose="02070309020205020404" pitchFamily="49" charset="0"/>
+                <a:ea typeface="Courier New" charset="0"/>
+                <a:cs typeface="Courier New" panose="02070309020205020404" pitchFamily="49" charset="0"/>
+              </a:rPr>
+              <a:t>ndarray</a:t>
+            </a:r>
+            <a:r>
+              <a:rPr lang="fr-FR" b="1" dirty="0" smtClean="0">
+                <a:latin typeface="Calibri" panose="020F0502020204030204" pitchFamily="34" charset="0"/>
+                <a:cs typeface="Calibri" panose="020F0502020204030204" pitchFamily="34" charset="0"/>
+              </a:rPr>
+              <a:t> </a:t>
+            </a:r>
+          </a:p>
+          <a:p>
+            <a:pPr marL="609585" indent="-609585">
+              <a:buFont typeface="+mj-lt"/>
+              <a:buAutoNum type="arabicPeriod"/>
+            </a:pPr>
+            <a:r>
+              <a:rPr lang="fr-FR" dirty="0" err="1">
+                <a:latin typeface="Courier New" panose="02070309020205020404" pitchFamily="49" charset="0"/>
+                <a:cs typeface="Courier New" panose="02070309020205020404" pitchFamily="49" charset="0"/>
+              </a:rPr>
+              <a:t>numpy</a:t>
+            </a:r>
+            <a:r>
+              <a:rPr lang="fr-FR" dirty="0">
+                <a:latin typeface="Calibri" panose="020F0502020204030204" pitchFamily="34" charset="0"/>
+                <a:cs typeface="Calibri" panose="020F0502020204030204" pitchFamily="34" charset="0"/>
+              </a:rPr>
+              <a:t>: </a:t>
+            </a:r>
+            <a:r>
+              <a:rPr lang="fr-FR" i="1" dirty="0" err="1" smtClean="0">
+                <a:latin typeface="Calibri" panose="020F0502020204030204" pitchFamily="34" charset="0"/>
+                <a:cs typeface="Calibri" panose="020F0502020204030204" pitchFamily="34" charset="0"/>
+              </a:rPr>
+              <a:t>slicing</a:t>
+            </a:r>
+            <a:r>
+              <a:rPr lang="fr-FR" dirty="0" smtClean="0">
+                <a:latin typeface="Calibri" panose="020F0502020204030204" pitchFamily="34" charset="0"/>
+                <a:cs typeface="Calibri" panose="020F0502020204030204" pitchFamily="34" charset="0"/>
+              </a:rPr>
+              <a:t>, </a:t>
+            </a:r>
+            <a:r>
+              <a:rPr lang="fr-FR" i="1" dirty="0" err="1" smtClean="0">
+                <a:latin typeface="Calibri" panose="020F0502020204030204" pitchFamily="34" charset="0"/>
+                <a:cs typeface="Calibri" panose="020F0502020204030204" pitchFamily="34" charset="0"/>
+              </a:rPr>
+              <a:t>reshaping</a:t>
+            </a:r>
+            <a:r>
+              <a:rPr lang="fr-FR" i="1" dirty="0" smtClean="0">
+                <a:latin typeface="Calibri" panose="020F0502020204030204" pitchFamily="34" charset="0"/>
+                <a:cs typeface="Calibri" panose="020F0502020204030204" pitchFamily="34" charset="0"/>
+              </a:rPr>
+              <a:t> </a:t>
+            </a:r>
+            <a:r>
+              <a:rPr lang="fr-FR" dirty="0" smtClean="0">
+                <a:latin typeface="Calibri" panose="020F0502020204030204" pitchFamily="34" charset="0"/>
+                <a:cs typeface="Calibri" panose="020F0502020204030204" pitchFamily="34" charset="0"/>
+              </a:rPr>
+              <a:t>et indexation </a:t>
+            </a:r>
+            <a:r>
+              <a:rPr lang="fr-FR" dirty="0" err="1" smtClean="0">
+                <a:latin typeface="Calibri" panose="020F0502020204030204" pitchFamily="34" charset="0"/>
+                <a:cs typeface="Calibri" panose="020F0502020204030204" pitchFamily="34" charset="0"/>
+              </a:rPr>
+              <a:t>avanc</a:t>
+            </a:r>
+            <a:r>
+              <a:rPr lang="en-US" dirty="0" err="1" smtClean="0">
+                <a:latin typeface="Calibri" panose="020F0502020204030204" pitchFamily="34" charset="0"/>
+                <a:cs typeface="Calibri" panose="020F0502020204030204" pitchFamily="34" charset="0"/>
+              </a:rPr>
+              <a:t>ée</a:t>
+            </a:r>
+            <a:endParaRPr lang="en-US" dirty="0" smtClean="0">
+              <a:latin typeface="Calibri" panose="020F0502020204030204" pitchFamily="34" charset="0"/>
+              <a:cs typeface="Calibri" panose="020F0502020204030204" pitchFamily="34" charset="0"/>
+            </a:endParaRPr>
+          </a:p>
+          <a:p>
+            <a:pPr marL="609585" indent="-609585">
+              <a:buFont typeface="+mj-lt"/>
+              <a:buAutoNum type="arabicPeriod"/>
+            </a:pPr>
+            <a:r>
+              <a:rPr lang="fr-FR" dirty="0" err="1">
+                <a:latin typeface="Courier New" panose="02070309020205020404" pitchFamily="49" charset="0"/>
+                <a:cs typeface="Courier New" panose="02070309020205020404" pitchFamily="49" charset="0"/>
+              </a:rPr>
+              <a:t>numpy</a:t>
+            </a:r>
+            <a:r>
+              <a:rPr lang="fr-FR" dirty="0">
+                <a:latin typeface="Calibri" panose="020F0502020204030204" pitchFamily="34" charset="0"/>
+                <a:cs typeface="Calibri" panose="020F0502020204030204" pitchFamily="34" charset="0"/>
+              </a:rPr>
+              <a:t>: </a:t>
+            </a:r>
+            <a:r>
+              <a:rPr lang="en-US" dirty="0" err="1" smtClean="0">
+                <a:latin typeface="Calibri" panose="020F0502020204030204" pitchFamily="34" charset="0"/>
+                <a:cs typeface="Calibri" panose="020F0502020204030204" pitchFamily="34" charset="0"/>
+              </a:rPr>
+              <a:t>vectorisation</a:t>
+            </a:r>
+            <a:endParaRPr lang="en-US" dirty="0" smtClean="0">
+              <a:latin typeface="Calibri" panose="020F0502020204030204" pitchFamily="34" charset="0"/>
+              <a:cs typeface="Calibri" panose="020F0502020204030204" pitchFamily="34" charset="0"/>
+            </a:endParaRPr>
+          </a:p>
+          <a:p>
+            <a:pPr marL="609585" indent="-609585">
+              <a:buFont typeface="+mj-lt"/>
+              <a:buAutoNum type="arabicPeriod"/>
+            </a:pPr>
+            <a:r>
+              <a:rPr lang="fr-FR" dirty="0" err="1">
+                <a:latin typeface="Courier New" panose="02070309020205020404" pitchFamily="49" charset="0"/>
+                <a:cs typeface="Courier New" panose="02070309020205020404" pitchFamily="49" charset="0"/>
+              </a:rPr>
+              <a:t>numpy</a:t>
+            </a:r>
+            <a:r>
+              <a:rPr lang="fr-FR" dirty="0">
+                <a:latin typeface="Calibri" panose="020F0502020204030204" pitchFamily="34" charset="0"/>
+                <a:cs typeface="Calibri" panose="020F0502020204030204" pitchFamily="34" charset="0"/>
+              </a:rPr>
+              <a:t>: </a:t>
+            </a:r>
+            <a:r>
+              <a:rPr lang="en-US" i="1" dirty="0" smtClean="0">
+                <a:latin typeface="Calibri" panose="020F0502020204030204" pitchFamily="34" charset="0"/>
+                <a:cs typeface="Calibri" panose="020F0502020204030204" pitchFamily="34" charset="0"/>
+              </a:rPr>
+              <a:t>broadcasting</a:t>
+            </a:r>
+          </a:p>
+          <a:p>
+            <a:pPr marL="609585" indent="-609585">
+              <a:buFont typeface="+mj-lt"/>
+              <a:buAutoNum type="arabicPeriod"/>
+            </a:pPr>
+            <a:r>
+              <a:rPr lang="en-US" dirty="0" smtClean="0">
+                <a:latin typeface="Courier New" panose="02070309020205020404" pitchFamily="49" charset="0"/>
+                <a:ea typeface="Courier New" charset="0"/>
+                <a:cs typeface="Courier New" panose="02070309020205020404" pitchFamily="49" charset="0"/>
+              </a:rPr>
+              <a:t>pandas</a:t>
+            </a:r>
+            <a:r>
+              <a:rPr lang="en-US" dirty="0" smtClean="0">
+                <a:latin typeface="Calibri" panose="020F0502020204030204" pitchFamily="34" charset="0"/>
+                <a:cs typeface="Calibri" panose="020F0502020204030204" pitchFamily="34" charset="0"/>
+              </a:rPr>
+              <a:t>: introduction aux </a:t>
+            </a:r>
+            <a:r>
+              <a:rPr lang="en-US" dirty="0" smtClean="0">
+                <a:latin typeface="Courier New" panose="02070309020205020404" pitchFamily="49" charset="0"/>
+                <a:ea typeface="Courier New" charset="0"/>
+                <a:cs typeface="Courier New" panose="02070309020205020404" pitchFamily="49" charset="0"/>
+              </a:rPr>
+              <a:t>Series</a:t>
+            </a:r>
+            <a:r>
+              <a:rPr lang="en-US" dirty="0" smtClean="0">
+                <a:latin typeface="Calibri" panose="020F0502020204030204" pitchFamily="34" charset="0"/>
+                <a:cs typeface="Calibri" panose="020F0502020204030204" pitchFamily="34" charset="0"/>
+              </a:rPr>
+              <a:t> et aux indexes</a:t>
+            </a:r>
+          </a:p>
+          <a:p>
+            <a:pPr marL="609585" indent="-609585">
+              <a:buFont typeface="+mj-lt"/>
+              <a:buAutoNum type="arabicPeriod"/>
+            </a:pPr>
+            <a:r>
+              <a:rPr lang="en-US" dirty="0">
+                <a:latin typeface="Courier New" panose="02070309020205020404" pitchFamily="49" charset="0"/>
+                <a:ea typeface="Courier New" charset="0"/>
+                <a:cs typeface="Courier New" panose="02070309020205020404" pitchFamily="49" charset="0"/>
+              </a:rPr>
+              <a:t>pandas</a:t>
+            </a:r>
+            <a:r>
+              <a:rPr lang="en-US" dirty="0">
+                <a:latin typeface="Calibri" panose="020F0502020204030204" pitchFamily="34" charset="0"/>
+                <a:cs typeface="Calibri" panose="020F0502020204030204" pitchFamily="34" charset="0"/>
+              </a:rPr>
+              <a:t>: le </a:t>
+            </a:r>
+            <a:r>
+              <a:rPr lang="en-US" dirty="0" smtClean="0">
+                <a:latin typeface="Calibri" panose="020F0502020204030204" pitchFamily="34" charset="0"/>
+                <a:cs typeface="Calibri" panose="020F0502020204030204" pitchFamily="34" charset="0"/>
+              </a:rPr>
+              <a:t>type </a:t>
+            </a:r>
+            <a:r>
+              <a:rPr lang="en-US" dirty="0" err="1" smtClean="0">
+                <a:latin typeface="Courier New" panose="02070309020205020404" pitchFamily="49" charset="0"/>
+                <a:ea typeface="Courier New" charset="0"/>
+                <a:cs typeface="Courier New" panose="02070309020205020404" pitchFamily="49" charset="0"/>
+              </a:rPr>
+              <a:t>DataFrame</a:t>
+            </a:r>
+            <a:endParaRPr lang="en-US" dirty="0" smtClean="0">
+              <a:latin typeface="Courier New" panose="02070309020205020404" pitchFamily="49" charset="0"/>
+              <a:ea typeface="Courier New" charset="0"/>
+              <a:cs typeface="Courier New" panose="02070309020205020404" pitchFamily="49" charset="0"/>
+            </a:endParaRPr>
+          </a:p>
+          <a:p>
+            <a:pPr marL="609585" indent="-609585">
+              <a:buFont typeface="+mj-lt"/>
+              <a:buAutoNum type="arabicPeriod"/>
+            </a:pPr>
+            <a:r>
+              <a:rPr lang="en-US" dirty="0">
+                <a:latin typeface="Courier New" panose="02070309020205020404" pitchFamily="49" charset="0"/>
+                <a:ea typeface="Courier New" charset="0"/>
+                <a:cs typeface="Courier New" panose="02070309020205020404" pitchFamily="49" charset="0"/>
+              </a:rPr>
+              <a:t>pandas</a:t>
+            </a:r>
+            <a:r>
+              <a:rPr lang="en-US" dirty="0">
+                <a:latin typeface="Calibri" panose="020F0502020204030204" pitchFamily="34" charset="0"/>
+                <a:cs typeface="Calibri" panose="020F0502020204030204" pitchFamily="34" charset="0"/>
+              </a:rPr>
+              <a:t>: </a:t>
+            </a:r>
+            <a:r>
+              <a:rPr lang="en-US" dirty="0" err="1" smtClean="0">
+                <a:latin typeface="Calibri" panose="020F0502020204030204" pitchFamily="34" charset="0"/>
+                <a:cs typeface="Calibri" panose="020F0502020204030204" pitchFamily="34" charset="0"/>
+              </a:rPr>
+              <a:t>opérations</a:t>
+            </a:r>
+            <a:r>
+              <a:rPr lang="en-US" dirty="0" smtClean="0">
+                <a:latin typeface="Calibri" panose="020F0502020204030204" pitchFamily="34" charset="0"/>
+                <a:cs typeface="Calibri" panose="020F0502020204030204" pitchFamily="34" charset="0"/>
+              </a:rPr>
+              <a:t> </a:t>
+            </a:r>
+            <a:r>
+              <a:rPr lang="en-US" dirty="0" err="1" smtClean="0">
+                <a:latin typeface="Calibri" panose="020F0502020204030204" pitchFamily="34" charset="0"/>
+                <a:cs typeface="Calibri" panose="020F0502020204030204" pitchFamily="34" charset="0"/>
+              </a:rPr>
+              <a:t>avancées</a:t>
+            </a:r>
+            <a:endParaRPr lang="en-US" dirty="0" smtClean="0">
+              <a:latin typeface="Calibri" panose="020F0502020204030204" pitchFamily="34" charset="0"/>
+              <a:cs typeface="Calibri" panose="020F0502020204030204" pitchFamily="34" charset="0"/>
+            </a:endParaRPr>
+          </a:p>
+          <a:p>
+            <a:pPr marL="609585" indent="-609585">
+              <a:buFont typeface="+mj-lt"/>
+              <a:buAutoNum type="arabicPeriod"/>
+            </a:pPr>
+            <a:r>
+              <a:rPr lang="en-US" dirty="0">
+                <a:latin typeface="Courier New" panose="02070309020205020404" pitchFamily="49" charset="0"/>
+                <a:ea typeface="Courier New" charset="0"/>
+                <a:cs typeface="Courier New" panose="02070309020205020404" pitchFamily="49" charset="0"/>
+              </a:rPr>
+              <a:t>pandas</a:t>
+            </a:r>
+            <a:r>
+              <a:rPr lang="en-US" dirty="0">
+                <a:latin typeface="Calibri" panose="020F0502020204030204" pitchFamily="34" charset="0"/>
+                <a:cs typeface="Calibri" panose="020F0502020204030204" pitchFamily="34" charset="0"/>
+              </a:rPr>
+              <a:t>: </a:t>
+            </a:r>
+            <a:r>
+              <a:rPr lang="en-US" dirty="0" err="1" smtClean="0">
+                <a:latin typeface="Calibri" panose="020F0502020204030204" pitchFamily="34" charset="0"/>
+                <a:cs typeface="Calibri" panose="020F0502020204030204" pitchFamily="34" charset="0"/>
+              </a:rPr>
+              <a:t>gestion</a:t>
+            </a:r>
+            <a:r>
+              <a:rPr lang="en-US" dirty="0" smtClean="0">
+                <a:latin typeface="Calibri" panose="020F0502020204030204" pitchFamily="34" charset="0"/>
+                <a:cs typeface="Calibri" panose="020F0502020204030204" pitchFamily="34" charset="0"/>
+              </a:rPr>
+              <a:t> des dates </a:t>
+            </a:r>
+            <a:r>
+              <a:rPr lang="en-US" dirty="0" smtClean="0">
+                <a:latin typeface="Calibri" panose="020F0502020204030204" pitchFamily="34" charset="0"/>
+                <a:cs typeface="Calibri" panose="020F0502020204030204" pitchFamily="34" charset="0"/>
+              </a:rPr>
+              <a:t>et des </a:t>
+            </a:r>
+            <a:r>
+              <a:rPr lang="en-US" dirty="0" err="1" smtClean="0">
+                <a:latin typeface="Calibri" panose="020F0502020204030204" pitchFamily="34" charset="0"/>
+                <a:cs typeface="Calibri" panose="020F0502020204030204" pitchFamily="34" charset="0"/>
+              </a:rPr>
+              <a:t>séries</a:t>
+            </a:r>
+            <a:r>
+              <a:rPr lang="en-US" dirty="0" smtClean="0">
+                <a:latin typeface="Calibri" panose="020F0502020204030204" pitchFamily="34" charset="0"/>
+                <a:cs typeface="Calibri" panose="020F0502020204030204" pitchFamily="34" charset="0"/>
+              </a:rPr>
+              <a:t> </a:t>
+            </a:r>
+            <a:r>
+              <a:rPr lang="en-US" dirty="0" err="1" smtClean="0">
+                <a:latin typeface="Calibri" panose="020F0502020204030204" pitchFamily="34" charset="0"/>
+                <a:cs typeface="Calibri" panose="020F0502020204030204" pitchFamily="34" charset="0"/>
+              </a:rPr>
+              <a:t>temporelles</a:t>
+            </a:r>
+            <a:endParaRPr lang="fr-FR" dirty="0">
+              <a:latin typeface="Calibri" panose="020F0502020204030204" pitchFamily="34" charset="0"/>
+              <a:cs typeface="Calibri" panose="020F0502020204030204" pitchFamily="34" charset="0"/>
+            </a:endParaRPr>
+          </a:p>
+        </p:txBody>
+      </p:sp>
+      <p:sp>
+        <p:nvSpPr>
+          <p:cNvPr id="12" name="Arrondir un rectangle avec un coin du même côté 8"/>
+          <p:cNvSpPr/>
+          <p:nvPr/>
+        </p:nvSpPr>
+        <p:spPr>
+          <a:xfrm>
+            <a:off x="33374" y="5822684"/>
+            <a:ext cx="2531337" cy="1009141"/>
+          </a:xfrm>
+          <a:prstGeom prst="round2SameRect">
+            <a:avLst/>
+          </a:prstGeom>
+          <a:solidFill>
+            <a:srgbClr val="E1001A"/>
+          </a:solidFill>
+          <a:ln>
+            <a:noFill/>
+          </a:ln>
+          <a:effectLst>
+            <a:outerShdw blurRad="50800" dist="38100" algn="l" rotWithShape="0">
+              <a:prstClr val="black">
+                <a:alpha val="40000"/>
+              </a:prstClr>
+            </a:outerShdw>
+          </a:effectLst>
+        </p:spPr>
+        <p:style>
+          <a:lnRef idx="1">
+            <a:schemeClr val="accent1"/>
+          </a:lnRef>
+          <a:fillRef idx="3">
+            <a:schemeClr val="accent1"/>
+          </a:fillRef>
+          <a:effectRef idx="2">
+            <a:schemeClr val="accent1"/>
+          </a:effectRef>
+          <a:fontRef idx="minor">
+            <a:schemeClr val="lt1"/>
+          </a:fontRef>
+        </p:style>
+        <p:txBody>
+          <a:bodyPr rtlCol="0" anchor="ctr"/>
+          <a:lstStyle/>
+          <a:p>
+            <a:pPr algn="ctr"/>
+            <a:endParaRPr lang="fr-FR" sz="2133" dirty="0">
+              <a:solidFill>
+                <a:srgbClr val="FFFFFF"/>
+              </a:solidFill>
+            </a:endParaRPr>
+          </a:p>
+        </p:txBody>
+      </p:sp>
+      <p:sp>
+        <p:nvSpPr>
+          <p:cNvPr id="13" name="Espace réservé du contenu 4"/>
+          <p:cNvSpPr txBox="1">
+            <a:spLocks/>
+          </p:cNvSpPr>
+          <p:nvPr/>
+        </p:nvSpPr>
+        <p:spPr>
+          <a:xfrm>
+            <a:off x="-16625" y="5881602"/>
+            <a:ext cx="3913481" cy="959656"/>
+          </a:xfrm>
+          <a:prstGeom prst="rect">
+            <a:avLst/>
+          </a:prstGeom>
+        </p:spPr>
+        <p:txBody>
+          <a:bodyPr/>
+          <a:lstStyle>
+            <a:lvl1pPr marL="180975" indent="-180975" algn="l" defTabSz="457200" rtl="0" eaLnBrk="1" latinLnBrk="0" hangingPunct="1">
+              <a:spcBef>
+                <a:spcPct val="20000"/>
+              </a:spcBef>
+              <a:buClr>
+                <a:srgbClr val="D3001C"/>
+              </a:buClr>
+              <a:buFont typeface="Arial"/>
+              <a:buChar char="•"/>
+              <a:defRPr lang="fr-FR" sz="1800" kern="0" dirty="0" smtClean="0">
+                <a:solidFill>
+                  <a:srgbClr val="606060"/>
+                </a:solidFill>
+                <a:latin typeface="Arial"/>
+                <a:ea typeface="ＭＳ Ｐゴシック" pitchFamily="23" charset="-128"/>
+                <a:cs typeface="Arial"/>
+              </a:defRPr>
+            </a:lvl1pPr>
+            <a:lvl2pPr marL="742950" indent="-285750" algn="l" defTabSz="457200" rtl="0" eaLnBrk="1" latinLnBrk="0" hangingPunct="1">
+              <a:spcBef>
+                <a:spcPct val="20000"/>
+              </a:spcBef>
+              <a:buFont typeface="Arial"/>
+              <a:buChar char="–"/>
+              <a:defRPr lang="fr-FR" sz="2800" kern="0" dirty="0" smtClean="0">
+                <a:solidFill>
+                  <a:srgbClr val="606060"/>
+                </a:solidFill>
+                <a:latin typeface="+mn-lt"/>
+                <a:ea typeface="ＭＳ Ｐゴシック" pitchFamily="23" charset="-128"/>
+                <a:cs typeface="+mn-cs"/>
+              </a:defRPr>
+            </a:lvl2pPr>
+            <a:lvl3pPr marL="1143000" indent="-228600" algn="l" defTabSz="457200" rtl="0" eaLnBrk="1" latinLnBrk="0" hangingPunct="1">
+              <a:spcBef>
+                <a:spcPct val="20000"/>
+              </a:spcBef>
+              <a:buFont typeface="Arial"/>
+              <a:buChar char="•"/>
+              <a:defRPr sz="2400" kern="1200">
+                <a:solidFill>
+                  <a:schemeClr val="tx1"/>
+                </a:solidFill>
+                <a:latin typeface="+mn-lt"/>
+                <a:ea typeface="+mn-ea"/>
+                <a:cs typeface="+mn-cs"/>
+              </a:defRPr>
+            </a:lvl3pPr>
+            <a:lvl4pPr marL="1600200" indent="-228600" algn="l" defTabSz="457200" rtl="0" eaLnBrk="1" latinLnBrk="0" hangingPunct="1">
+              <a:spcBef>
+                <a:spcPct val="20000"/>
+              </a:spcBef>
+              <a:buFont typeface="Arial"/>
+              <a:buChar char="–"/>
+              <a:defRPr sz="2000" kern="1200">
+                <a:solidFill>
+                  <a:schemeClr val="tx1"/>
+                </a:solidFill>
+                <a:latin typeface="+mn-lt"/>
+                <a:ea typeface="+mn-ea"/>
+                <a:cs typeface="+mn-cs"/>
+              </a:defRPr>
+            </a:lvl4pPr>
+            <a:lvl5pPr marL="446088" indent="-228600" algn="l" defTabSz="457200" rtl="0" eaLnBrk="1" latinLnBrk="0" hangingPunct="1">
+              <a:spcBef>
+                <a:spcPct val="20000"/>
+              </a:spcBef>
+              <a:buClr>
+                <a:srgbClr val="D3001C"/>
+              </a:buClr>
+              <a:buFont typeface="Arial"/>
+              <a:buChar char="»"/>
+              <a:tabLst/>
+              <a:defRPr lang="fr-FR" sz="1600" kern="0" baseline="0" dirty="0" smtClean="0">
+                <a:solidFill>
+                  <a:srgbClr val="606060"/>
+                </a:solidFill>
+                <a:latin typeface="Arial"/>
+                <a:ea typeface="ＭＳ Ｐゴシック" pitchFamily="23" charset="-128"/>
+                <a:cs typeface="Arial"/>
+              </a:defRPr>
+            </a:lvl5pPr>
+            <a:lvl6pPr marL="2514600" indent="-228600" algn="l" defTabSz="457200" rtl="0" eaLnBrk="1" latinLnBrk="0" hangingPunct="1">
+              <a:spcBef>
+                <a:spcPct val="20000"/>
+              </a:spcBef>
+              <a:buFont typeface="Arial"/>
+              <a:buChar char="•"/>
+              <a:defRPr sz="2000" kern="1200">
+                <a:solidFill>
+                  <a:schemeClr val="tx1"/>
+                </a:solidFill>
+                <a:latin typeface="+mn-lt"/>
+                <a:ea typeface="+mn-ea"/>
+                <a:cs typeface="+mn-cs"/>
+              </a:defRPr>
+            </a:lvl6pPr>
+            <a:lvl7pPr marL="2971800" indent="-228600" algn="l" defTabSz="457200" rtl="0" eaLnBrk="1" latinLnBrk="0" hangingPunct="1">
+              <a:spcBef>
+                <a:spcPct val="20000"/>
+              </a:spcBef>
+              <a:buFont typeface="Arial"/>
+              <a:buChar char="•"/>
+              <a:defRPr sz="2000" kern="1200">
+                <a:solidFill>
+                  <a:schemeClr val="tx1"/>
+                </a:solidFill>
+                <a:latin typeface="+mn-lt"/>
+                <a:ea typeface="+mn-ea"/>
+                <a:cs typeface="+mn-cs"/>
+              </a:defRPr>
+            </a:lvl7pPr>
+            <a:lvl8pPr marL="3429000" indent="-228600" algn="l" defTabSz="457200" rtl="0" eaLnBrk="1" latinLnBrk="0" hangingPunct="1">
+              <a:spcBef>
+                <a:spcPct val="20000"/>
+              </a:spcBef>
+              <a:buFont typeface="Arial"/>
+              <a:buChar char="•"/>
+              <a:defRPr sz="2000" kern="1200">
+                <a:solidFill>
+                  <a:schemeClr val="tx1"/>
+                </a:solidFill>
+                <a:latin typeface="+mn-lt"/>
+                <a:ea typeface="+mn-ea"/>
+                <a:cs typeface="+mn-cs"/>
+              </a:defRPr>
+            </a:lvl8pPr>
+            <a:lvl9pPr marL="3886200" indent="-228600" algn="l" defTabSz="457200" rtl="0" eaLnBrk="1" latinLnBrk="0" hangingPunct="1">
+              <a:spcBef>
+                <a:spcPct val="20000"/>
+              </a:spcBef>
+              <a:buFont typeface="Arial"/>
+              <a:buChar char="•"/>
+              <a:defRPr sz="2000" kern="1200">
+                <a:solidFill>
+                  <a:schemeClr val="tx1"/>
+                </a:solidFill>
+                <a:latin typeface="+mn-lt"/>
+                <a:ea typeface="+mn-ea"/>
+                <a:cs typeface="+mn-cs"/>
+              </a:defRPr>
+            </a:lvl9pPr>
+          </a:lstStyle>
+          <a:p>
+            <a:pPr marL="0" indent="0">
+              <a:buNone/>
+            </a:pPr>
+            <a:r>
+              <a:rPr lang="fr-FR" sz="2300" dirty="0" smtClean="0">
+                <a:solidFill>
+                  <a:schemeClr val="bg1"/>
+                </a:solidFill>
+              </a:rPr>
+              <a:t>   Arnaud Legout</a:t>
+            </a:r>
+            <a:endParaRPr lang="fr-FR" sz="2300" dirty="0">
+              <a:solidFill>
+                <a:schemeClr val="bg1"/>
+              </a:solidFill>
+            </a:endParaRPr>
+          </a:p>
+        </p:txBody>
+      </p:sp>
+      <p:pic>
+        <p:nvPicPr>
+          <p:cNvPr id="4" name="Image 3"/>
+          <p:cNvPicPr>
+            <a:picLocks noChangeAspect="1"/>
+          </p:cNvPicPr>
+          <p:nvPr/>
+        </p:nvPicPr>
+        <p:blipFill>
+          <a:blip r:embed="rId3">
+            <a:extLst>
+              <a:ext uri="{28A0092B-C50C-407E-A947-70E740481C1C}">
+                <a14:useLocalDpi xmlns:a14="http://schemas.microsoft.com/office/drawing/2010/main" val="0"/>
+              </a:ext>
+            </a:extLst>
+          </a:blip>
+          <a:stretch>
+            <a:fillRect/>
+          </a:stretch>
+        </p:blipFill>
+        <p:spPr>
+          <a:xfrm>
+            <a:off x="689442" y="6291135"/>
+            <a:ext cx="1190649" cy="515948"/>
+          </a:xfrm>
+          <a:prstGeom prst="rect">
+            <a:avLst/>
+          </a:prstGeom>
+        </p:spPr>
+      </p:pic>
+    </p:spTree>
+    <p:extLst>
+      <p:ext uri="{BB962C8B-B14F-4D97-AF65-F5344CB8AC3E}">
+        <p14:creationId xmlns:p14="http://schemas.microsoft.com/office/powerpoint/2010/main" val="4044183541"/>
+      </p:ext>
+    </p:extLst>
+  </p:cSld>
+  <p:clrMapOvr>
+    <a:masterClrMapping/>
+  </p:clrMapOvr>
+  <p:timing>
+    <p:tnLst>
+      <p:par>
+        <p:cTn id="1" dur="indefinite" restart="never" nodeType="tmRoot"/>
+      </p:par>
+    </p:tnLst>
+  </p:timing>
+</p:sld>
+</file>
+
+<file path=ppt/slides/slide4.xml><?xml version="1.0" encoding="utf-8"?>
+<p:sld xmlns:a="http://schemas.openxmlformats.org/drawingml/2006/main" xmlns:r="http://schemas.openxmlformats.org/officeDocument/2006/relationships" xmlns:p="http://schemas.openxmlformats.org/presentationml/2006/main">
+  <p:cSld>
+    <p:spTree>
+      <p:nvGrpSpPr>
+        <p:cNvPr id="1" name=""/>
+        <p:cNvGrpSpPr/>
+        <p:nvPr/>
+      </p:nvGrpSpPr>
+      <p:grpSpPr>
+        <a:xfrm>
+          <a:off x="0" y="0"/>
+          <a:ext cx="0" cy="0"/>
+          <a:chOff x="0" y="0"/>
+          <a:chExt cx="0" cy="0"/>
+        </a:xfrm>
+      </p:grpSpPr>
+      <p:sp>
+        <p:nvSpPr>
+          <p:cNvPr id="3" name="Titre 2"/>
+          <p:cNvSpPr>
+            <a:spLocks noGrp="1"/>
+          </p:cNvSpPr>
+          <p:nvPr>
+            <p:ph type="title"/>
+          </p:nvPr>
+        </p:nvSpPr>
+        <p:spPr/>
+        <p:txBody>
+          <a:bodyPr>
+            <a:noAutofit/>
+          </a:bodyPr>
+          <a:lstStyle/>
+          <a:p>
+            <a:r>
+              <a:rPr lang="fr-FR" dirty="0">
+                <a:latin typeface="Calibri" panose="020F0502020204030204" pitchFamily="34" charset="0"/>
+                <a:cs typeface="Calibri" panose="020F0502020204030204" pitchFamily="34" charset="0"/>
+              </a:rPr>
+              <a:t>Semaine 7. L'écosystème data science Python</a:t>
+            </a:r>
+            <a:br>
+              <a:rPr lang="fr-FR" dirty="0">
+                <a:latin typeface="Calibri" panose="020F0502020204030204" pitchFamily="34" charset="0"/>
+                <a:cs typeface="Calibri" panose="020F0502020204030204" pitchFamily="34" charset="0"/>
+              </a:rPr>
+            </a:br>
+            <a:endParaRPr lang="fr-FR" dirty="0">
+              <a:latin typeface="Calibri" panose="020F0502020204030204" pitchFamily="34" charset="0"/>
+              <a:cs typeface="Calibri" panose="020F0502020204030204" pitchFamily="34" charset="0"/>
+            </a:endParaRPr>
+          </a:p>
+        </p:txBody>
+      </p:sp>
+      <p:sp>
+        <p:nvSpPr>
+          <p:cNvPr id="8" name="Espace réservé du texte 7"/>
+          <p:cNvSpPr>
+            <a:spLocks noGrp="1"/>
+          </p:cNvSpPr>
+          <p:nvPr>
+            <p:ph type="body" sz="quarter" idx="12"/>
+          </p:nvPr>
+        </p:nvSpPr>
+        <p:spPr>
+          <a:xfrm>
+            <a:off x="1782709" y="6384935"/>
+            <a:ext cx="10040047" cy="690832"/>
+          </a:xfrm>
+        </p:spPr>
+        <p:txBody>
+          <a:bodyPr/>
+          <a:lstStyle/>
+          <a:p>
+            <a:r>
+              <a:rPr lang="fr-FR" dirty="0"/>
+              <a:t>Python 3 : des fondamentaux aux concepts avancés du langage</a:t>
+            </a:r>
+          </a:p>
+        </p:txBody>
+      </p:sp>
+      <p:sp>
+        <p:nvSpPr>
+          <p:cNvPr id="11" name="Espace réservé du texte 10"/>
+          <p:cNvSpPr>
+            <a:spLocks noGrp="1"/>
+          </p:cNvSpPr>
+          <p:nvPr>
+            <p:ph type="body" sz="quarter" idx="10"/>
+          </p:nvPr>
+        </p:nvSpPr>
+        <p:spPr>
+          <a:xfrm>
+            <a:off x="2928079" y="1047979"/>
+            <a:ext cx="9263921" cy="5318837"/>
+          </a:xfrm>
+        </p:spPr>
+        <p:txBody>
+          <a:bodyPr>
+            <a:normAutofit lnSpcReduction="10000"/>
+          </a:bodyPr>
+          <a:lstStyle/>
+          <a:p>
+            <a:pPr marL="609585" indent="-609585">
+              <a:buFont typeface="+mj-lt"/>
+              <a:buAutoNum type="arabicPeriod"/>
+            </a:pPr>
+            <a:r>
+              <a:rPr lang="fr-FR" dirty="0" smtClean="0">
+                <a:latin typeface="Calibri" panose="020F0502020204030204" pitchFamily="34" charset="0"/>
+                <a:cs typeface="Calibri" panose="020F0502020204030204" pitchFamily="34" charset="0"/>
+              </a:rPr>
+              <a:t>Pr</a:t>
+            </a:r>
+            <a:r>
+              <a:rPr lang="en-US" dirty="0" err="1" smtClean="0">
+                <a:latin typeface="Calibri" panose="020F0502020204030204" pitchFamily="34" charset="0"/>
+                <a:cs typeface="Calibri" panose="020F0502020204030204" pitchFamily="34" charset="0"/>
+              </a:rPr>
+              <a:t>ésentation</a:t>
+            </a:r>
+            <a:r>
+              <a:rPr lang="en-US" dirty="0" smtClean="0">
+                <a:latin typeface="Calibri" panose="020F0502020204030204" pitchFamily="34" charset="0"/>
+                <a:cs typeface="Calibri" panose="020F0502020204030204" pitchFamily="34" charset="0"/>
+              </a:rPr>
+              <a:t> </a:t>
+            </a:r>
+            <a:r>
+              <a:rPr lang="en-US" dirty="0" err="1" smtClean="0">
+                <a:latin typeface="Calibri" panose="020F0502020204030204" pitchFamily="34" charset="0"/>
+                <a:cs typeface="Calibri" panose="020F0502020204030204" pitchFamily="34" charset="0"/>
+              </a:rPr>
+              <a:t>générale</a:t>
+            </a:r>
+            <a:endParaRPr lang="fr-FR" dirty="0">
+              <a:latin typeface="Calibri" panose="020F0502020204030204" pitchFamily="34" charset="0"/>
+              <a:cs typeface="Calibri" panose="020F0502020204030204" pitchFamily="34" charset="0"/>
+            </a:endParaRPr>
+          </a:p>
+          <a:p>
+            <a:pPr marL="609585" indent="-609585">
+              <a:buFont typeface="+mj-lt"/>
+              <a:buAutoNum type="arabicPeriod"/>
+            </a:pPr>
+            <a:r>
+              <a:rPr lang="fr-FR" dirty="0" err="1" smtClean="0">
+                <a:latin typeface="Courier New" panose="02070309020205020404" pitchFamily="49" charset="0"/>
+                <a:cs typeface="Courier New" panose="02070309020205020404" pitchFamily="49" charset="0"/>
+              </a:rPr>
+              <a:t>numpy</a:t>
+            </a:r>
+            <a:r>
+              <a:rPr lang="fr-FR" dirty="0" smtClean="0">
+                <a:latin typeface="Calibri" panose="020F0502020204030204" pitchFamily="34" charset="0"/>
+                <a:cs typeface="Calibri" panose="020F0502020204030204" pitchFamily="34" charset="0"/>
+              </a:rPr>
+              <a:t>: le type </a:t>
+            </a:r>
+            <a:r>
+              <a:rPr lang="fr-FR" dirty="0" err="1" smtClean="0">
+                <a:latin typeface="Courier New" panose="02070309020205020404" pitchFamily="49" charset="0"/>
+                <a:ea typeface="Courier New" charset="0"/>
+                <a:cs typeface="Courier New" panose="02070309020205020404" pitchFamily="49" charset="0"/>
+              </a:rPr>
+              <a:t>ndarray</a:t>
+            </a:r>
+            <a:r>
+              <a:rPr lang="fr-FR" dirty="0" smtClean="0">
+                <a:latin typeface="Calibri" panose="020F0502020204030204" pitchFamily="34" charset="0"/>
+                <a:cs typeface="Calibri" panose="020F0502020204030204" pitchFamily="34" charset="0"/>
+              </a:rPr>
+              <a:t> </a:t>
+            </a:r>
+          </a:p>
+          <a:p>
+            <a:pPr marL="609585" indent="-609585">
+              <a:buFont typeface="+mj-lt"/>
+              <a:buAutoNum type="arabicPeriod"/>
+            </a:pPr>
+            <a:r>
+              <a:rPr lang="fr-FR" b="1" dirty="0" err="1">
+                <a:latin typeface="Courier New" panose="02070309020205020404" pitchFamily="49" charset="0"/>
+                <a:cs typeface="Courier New" panose="02070309020205020404" pitchFamily="49" charset="0"/>
+              </a:rPr>
+              <a:t>numpy</a:t>
+            </a:r>
+            <a:r>
+              <a:rPr lang="fr-FR" b="1" dirty="0">
+                <a:latin typeface="Calibri" panose="020F0502020204030204" pitchFamily="34" charset="0"/>
+                <a:cs typeface="Calibri" panose="020F0502020204030204" pitchFamily="34" charset="0"/>
+              </a:rPr>
+              <a:t>: </a:t>
+            </a:r>
+            <a:r>
+              <a:rPr lang="fr-FR" b="1" i="1" dirty="0" err="1" smtClean="0">
+                <a:latin typeface="Calibri" panose="020F0502020204030204" pitchFamily="34" charset="0"/>
+                <a:cs typeface="Calibri" panose="020F0502020204030204" pitchFamily="34" charset="0"/>
+              </a:rPr>
+              <a:t>slicing</a:t>
+            </a:r>
+            <a:r>
+              <a:rPr lang="fr-FR" b="1" dirty="0" smtClean="0">
+                <a:latin typeface="Calibri" panose="020F0502020204030204" pitchFamily="34" charset="0"/>
+                <a:cs typeface="Calibri" panose="020F0502020204030204" pitchFamily="34" charset="0"/>
+              </a:rPr>
+              <a:t>, </a:t>
+            </a:r>
+            <a:r>
+              <a:rPr lang="fr-FR" b="1" i="1" dirty="0" err="1" smtClean="0">
+                <a:latin typeface="Calibri" panose="020F0502020204030204" pitchFamily="34" charset="0"/>
+                <a:cs typeface="Calibri" panose="020F0502020204030204" pitchFamily="34" charset="0"/>
+              </a:rPr>
+              <a:t>reshaping</a:t>
+            </a:r>
+            <a:r>
+              <a:rPr lang="fr-FR" b="1" i="1" dirty="0" smtClean="0">
+                <a:latin typeface="Calibri" panose="020F0502020204030204" pitchFamily="34" charset="0"/>
+                <a:cs typeface="Calibri" panose="020F0502020204030204" pitchFamily="34" charset="0"/>
+              </a:rPr>
+              <a:t> </a:t>
+            </a:r>
+            <a:r>
+              <a:rPr lang="fr-FR" b="1" dirty="0" smtClean="0">
+                <a:latin typeface="Calibri" panose="020F0502020204030204" pitchFamily="34" charset="0"/>
+                <a:cs typeface="Calibri" panose="020F0502020204030204" pitchFamily="34" charset="0"/>
+              </a:rPr>
+              <a:t>et indexation </a:t>
+            </a:r>
+            <a:r>
+              <a:rPr lang="fr-FR" b="1" dirty="0" err="1" smtClean="0">
+                <a:latin typeface="Calibri" panose="020F0502020204030204" pitchFamily="34" charset="0"/>
+                <a:cs typeface="Calibri" panose="020F0502020204030204" pitchFamily="34" charset="0"/>
+              </a:rPr>
+              <a:t>avanc</a:t>
+            </a:r>
+            <a:r>
+              <a:rPr lang="en-US" b="1" dirty="0" err="1" smtClean="0">
+                <a:latin typeface="Calibri" panose="020F0502020204030204" pitchFamily="34" charset="0"/>
+                <a:cs typeface="Calibri" panose="020F0502020204030204" pitchFamily="34" charset="0"/>
+              </a:rPr>
+              <a:t>ée</a:t>
+            </a:r>
+            <a:endParaRPr lang="en-US" b="1" dirty="0" smtClean="0">
+              <a:latin typeface="Calibri" panose="020F0502020204030204" pitchFamily="34" charset="0"/>
+              <a:cs typeface="Calibri" panose="020F0502020204030204" pitchFamily="34" charset="0"/>
+            </a:endParaRPr>
+          </a:p>
+          <a:p>
+            <a:pPr marL="609585" indent="-609585">
+              <a:buFont typeface="+mj-lt"/>
+              <a:buAutoNum type="arabicPeriod"/>
+            </a:pPr>
+            <a:r>
+              <a:rPr lang="fr-FR" dirty="0" err="1">
+                <a:latin typeface="Courier New" panose="02070309020205020404" pitchFamily="49" charset="0"/>
+                <a:cs typeface="Courier New" panose="02070309020205020404" pitchFamily="49" charset="0"/>
+              </a:rPr>
+              <a:t>numpy</a:t>
+            </a:r>
+            <a:r>
+              <a:rPr lang="fr-FR" dirty="0">
+                <a:latin typeface="Calibri" panose="020F0502020204030204" pitchFamily="34" charset="0"/>
+                <a:cs typeface="Calibri" panose="020F0502020204030204" pitchFamily="34" charset="0"/>
+              </a:rPr>
+              <a:t>: </a:t>
+            </a:r>
+            <a:r>
+              <a:rPr lang="en-US" dirty="0" err="1" smtClean="0">
+                <a:latin typeface="Calibri" panose="020F0502020204030204" pitchFamily="34" charset="0"/>
+                <a:cs typeface="Calibri" panose="020F0502020204030204" pitchFamily="34" charset="0"/>
+              </a:rPr>
+              <a:t>vectorisation</a:t>
+            </a:r>
+            <a:endParaRPr lang="en-US" dirty="0" smtClean="0">
+              <a:latin typeface="Calibri" panose="020F0502020204030204" pitchFamily="34" charset="0"/>
+              <a:cs typeface="Calibri" panose="020F0502020204030204" pitchFamily="34" charset="0"/>
+            </a:endParaRPr>
+          </a:p>
+          <a:p>
+            <a:pPr marL="609585" indent="-609585">
+              <a:buFont typeface="+mj-lt"/>
+              <a:buAutoNum type="arabicPeriod"/>
+            </a:pPr>
+            <a:r>
+              <a:rPr lang="fr-FR" dirty="0" err="1">
+                <a:latin typeface="Courier New" panose="02070309020205020404" pitchFamily="49" charset="0"/>
+                <a:cs typeface="Courier New" panose="02070309020205020404" pitchFamily="49" charset="0"/>
+              </a:rPr>
+              <a:t>numpy</a:t>
+            </a:r>
+            <a:r>
+              <a:rPr lang="fr-FR" dirty="0">
+                <a:latin typeface="Calibri" panose="020F0502020204030204" pitchFamily="34" charset="0"/>
+                <a:cs typeface="Calibri" panose="020F0502020204030204" pitchFamily="34" charset="0"/>
+              </a:rPr>
+              <a:t>: </a:t>
+            </a:r>
+            <a:r>
+              <a:rPr lang="en-US" i="1" dirty="0" smtClean="0">
+                <a:latin typeface="Calibri" panose="020F0502020204030204" pitchFamily="34" charset="0"/>
+                <a:cs typeface="Calibri" panose="020F0502020204030204" pitchFamily="34" charset="0"/>
+              </a:rPr>
+              <a:t>broadcasting</a:t>
+            </a:r>
+          </a:p>
+          <a:p>
+            <a:pPr marL="609585" indent="-609585">
+              <a:buFont typeface="+mj-lt"/>
+              <a:buAutoNum type="arabicPeriod"/>
+            </a:pPr>
+            <a:r>
+              <a:rPr lang="en-US" dirty="0" smtClean="0">
+                <a:latin typeface="Courier New" panose="02070309020205020404" pitchFamily="49" charset="0"/>
+                <a:ea typeface="Courier New" charset="0"/>
+                <a:cs typeface="Courier New" panose="02070309020205020404" pitchFamily="49" charset="0"/>
+              </a:rPr>
+              <a:t>pandas</a:t>
+            </a:r>
+            <a:r>
+              <a:rPr lang="en-US" dirty="0" smtClean="0">
+                <a:latin typeface="Calibri" panose="020F0502020204030204" pitchFamily="34" charset="0"/>
+                <a:cs typeface="Calibri" panose="020F0502020204030204" pitchFamily="34" charset="0"/>
+              </a:rPr>
+              <a:t>: introduction aux </a:t>
+            </a:r>
+            <a:r>
+              <a:rPr lang="en-US" dirty="0" smtClean="0">
+                <a:latin typeface="Courier New" panose="02070309020205020404" pitchFamily="49" charset="0"/>
+                <a:ea typeface="Courier New" charset="0"/>
+                <a:cs typeface="Courier New" panose="02070309020205020404" pitchFamily="49" charset="0"/>
+              </a:rPr>
+              <a:t>Series</a:t>
+            </a:r>
+            <a:r>
+              <a:rPr lang="en-US" dirty="0" smtClean="0">
+                <a:latin typeface="Calibri" panose="020F0502020204030204" pitchFamily="34" charset="0"/>
+                <a:cs typeface="Calibri" panose="020F0502020204030204" pitchFamily="34" charset="0"/>
+              </a:rPr>
+              <a:t> et aux indexes</a:t>
+            </a:r>
+          </a:p>
+          <a:p>
+            <a:pPr marL="609585" indent="-609585">
+              <a:buFont typeface="+mj-lt"/>
+              <a:buAutoNum type="arabicPeriod"/>
+            </a:pPr>
+            <a:r>
+              <a:rPr lang="en-US" dirty="0">
+                <a:latin typeface="Courier New" panose="02070309020205020404" pitchFamily="49" charset="0"/>
+                <a:ea typeface="Courier New" charset="0"/>
+                <a:cs typeface="Courier New" panose="02070309020205020404" pitchFamily="49" charset="0"/>
+              </a:rPr>
+              <a:t>pandas</a:t>
+            </a:r>
+            <a:r>
+              <a:rPr lang="en-US" dirty="0">
+                <a:latin typeface="Calibri" panose="020F0502020204030204" pitchFamily="34" charset="0"/>
+                <a:cs typeface="Calibri" panose="020F0502020204030204" pitchFamily="34" charset="0"/>
+              </a:rPr>
+              <a:t>: le </a:t>
+            </a:r>
+            <a:r>
+              <a:rPr lang="en-US" dirty="0" smtClean="0">
+                <a:latin typeface="Calibri" panose="020F0502020204030204" pitchFamily="34" charset="0"/>
+                <a:cs typeface="Calibri" panose="020F0502020204030204" pitchFamily="34" charset="0"/>
+              </a:rPr>
+              <a:t>type </a:t>
+            </a:r>
+            <a:r>
+              <a:rPr lang="en-US" dirty="0" err="1" smtClean="0">
+                <a:latin typeface="Courier New" panose="02070309020205020404" pitchFamily="49" charset="0"/>
+                <a:ea typeface="Courier New" charset="0"/>
+                <a:cs typeface="Courier New" panose="02070309020205020404" pitchFamily="49" charset="0"/>
+              </a:rPr>
+              <a:t>DataFrame</a:t>
+            </a:r>
+            <a:endParaRPr lang="en-US" dirty="0" smtClean="0">
+              <a:latin typeface="Courier New" panose="02070309020205020404" pitchFamily="49" charset="0"/>
+              <a:ea typeface="Courier New" charset="0"/>
+              <a:cs typeface="Courier New" panose="02070309020205020404" pitchFamily="49" charset="0"/>
+            </a:endParaRPr>
+          </a:p>
+          <a:p>
+            <a:pPr marL="609585" indent="-609585">
+              <a:buFont typeface="+mj-lt"/>
+              <a:buAutoNum type="arabicPeriod"/>
+            </a:pPr>
+            <a:r>
+              <a:rPr lang="en-US" dirty="0">
+                <a:latin typeface="Courier New" panose="02070309020205020404" pitchFamily="49" charset="0"/>
+                <a:ea typeface="Courier New" charset="0"/>
+                <a:cs typeface="Courier New" panose="02070309020205020404" pitchFamily="49" charset="0"/>
+              </a:rPr>
+              <a:t>pandas</a:t>
+            </a:r>
+            <a:r>
+              <a:rPr lang="en-US" dirty="0">
+                <a:latin typeface="Calibri" panose="020F0502020204030204" pitchFamily="34" charset="0"/>
+                <a:cs typeface="Calibri" panose="020F0502020204030204" pitchFamily="34" charset="0"/>
+              </a:rPr>
+              <a:t>: </a:t>
+            </a:r>
+            <a:r>
+              <a:rPr lang="en-US" dirty="0" err="1" smtClean="0">
+                <a:latin typeface="Calibri" panose="020F0502020204030204" pitchFamily="34" charset="0"/>
+                <a:cs typeface="Calibri" panose="020F0502020204030204" pitchFamily="34" charset="0"/>
+              </a:rPr>
+              <a:t>opérations</a:t>
+            </a:r>
+            <a:r>
+              <a:rPr lang="en-US" dirty="0" smtClean="0">
+                <a:latin typeface="Calibri" panose="020F0502020204030204" pitchFamily="34" charset="0"/>
+                <a:cs typeface="Calibri" panose="020F0502020204030204" pitchFamily="34" charset="0"/>
+              </a:rPr>
+              <a:t> </a:t>
+            </a:r>
+            <a:r>
+              <a:rPr lang="en-US" dirty="0" err="1" smtClean="0">
+                <a:latin typeface="Calibri" panose="020F0502020204030204" pitchFamily="34" charset="0"/>
+                <a:cs typeface="Calibri" panose="020F0502020204030204" pitchFamily="34" charset="0"/>
+              </a:rPr>
+              <a:t>avancées</a:t>
+            </a:r>
+            <a:endParaRPr lang="en-US" dirty="0" smtClean="0">
+              <a:latin typeface="Calibri" panose="020F0502020204030204" pitchFamily="34" charset="0"/>
+              <a:cs typeface="Calibri" panose="020F0502020204030204" pitchFamily="34" charset="0"/>
+            </a:endParaRPr>
+          </a:p>
+          <a:p>
+            <a:pPr marL="609585" indent="-609585">
+              <a:buFont typeface="+mj-lt"/>
+              <a:buAutoNum type="arabicPeriod"/>
+            </a:pPr>
+            <a:r>
+              <a:rPr lang="en-US" dirty="0">
+                <a:latin typeface="Courier New" panose="02070309020205020404" pitchFamily="49" charset="0"/>
+                <a:ea typeface="Courier New" charset="0"/>
+                <a:cs typeface="Courier New" panose="02070309020205020404" pitchFamily="49" charset="0"/>
+              </a:rPr>
+              <a:t>pandas</a:t>
+            </a:r>
+            <a:r>
+              <a:rPr lang="en-US" dirty="0">
+                <a:latin typeface="Calibri" panose="020F0502020204030204" pitchFamily="34" charset="0"/>
+                <a:cs typeface="Calibri" panose="020F0502020204030204" pitchFamily="34" charset="0"/>
+              </a:rPr>
+              <a:t>: </a:t>
+            </a:r>
+            <a:r>
+              <a:rPr lang="en-US" dirty="0" err="1" smtClean="0">
+                <a:latin typeface="Calibri" panose="020F0502020204030204" pitchFamily="34" charset="0"/>
+                <a:cs typeface="Calibri" panose="020F0502020204030204" pitchFamily="34" charset="0"/>
+              </a:rPr>
+              <a:t>gestion</a:t>
+            </a:r>
+            <a:r>
+              <a:rPr lang="en-US" dirty="0" smtClean="0">
+                <a:latin typeface="Calibri" panose="020F0502020204030204" pitchFamily="34" charset="0"/>
+                <a:cs typeface="Calibri" panose="020F0502020204030204" pitchFamily="34" charset="0"/>
+              </a:rPr>
+              <a:t> des dates </a:t>
+            </a:r>
+            <a:r>
+              <a:rPr lang="en-US" dirty="0" smtClean="0">
+                <a:latin typeface="Calibri" panose="020F0502020204030204" pitchFamily="34" charset="0"/>
+                <a:cs typeface="Calibri" panose="020F0502020204030204" pitchFamily="34" charset="0"/>
+              </a:rPr>
+              <a:t>et des </a:t>
+            </a:r>
+            <a:r>
+              <a:rPr lang="en-US" dirty="0" err="1" smtClean="0">
+                <a:latin typeface="Calibri" panose="020F0502020204030204" pitchFamily="34" charset="0"/>
+                <a:cs typeface="Calibri" panose="020F0502020204030204" pitchFamily="34" charset="0"/>
+              </a:rPr>
+              <a:t>séries</a:t>
+            </a:r>
+            <a:r>
+              <a:rPr lang="en-US" dirty="0" smtClean="0">
+                <a:latin typeface="Calibri" panose="020F0502020204030204" pitchFamily="34" charset="0"/>
+                <a:cs typeface="Calibri" panose="020F0502020204030204" pitchFamily="34" charset="0"/>
+              </a:rPr>
+              <a:t> </a:t>
+            </a:r>
+            <a:r>
+              <a:rPr lang="en-US" dirty="0" err="1" smtClean="0">
+                <a:latin typeface="Calibri" panose="020F0502020204030204" pitchFamily="34" charset="0"/>
+                <a:cs typeface="Calibri" panose="020F0502020204030204" pitchFamily="34" charset="0"/>
+              </a:rPr>
+              <a:t>temporelles</a:t>
+            </a:r>
+            <a:endParaRPr lang="fr-FR" dirty="0">
+              <a:latin typeface="Calibri" panose="020F0502020204030204" pitchFamily="34" charset="0"/>
+              <a:cs typeface="Calibri" panose="020F0502020204030204" pitchFamily="34" charset="0"/>
+            </a:endParaRPr>
+          </a:p>
+        </p:txBody>
+      </p:sp>
+      <p:sp>
+        <p:nvSpPr>
+          <p:cNvPr id="12" name="Arrondir un rectangle avec un coin du même côté 8"/>
+          <p:cNvSpPr/>
+          <p:nvPr/>
+        </p:nvSpPr>
+        <p:spPr>
+          <a:xfrm>
+            <a:off x="33374" y="5822684"/>
+            <a:ext cx="2531337" cy="1009141"/>
+          </a:xfrm>
+          <a:prstGeom prst="round2SameRect">
+            <a:avLst/>
+          </a:prstGeom>
+          <a:solidFill>
+            <a:srgbClr val="E1001A"/>
+          </a:solidFill>
+          <a:ln>
+            <a:noFill/>
+          </a:ln>
+          <a:effectLst>
+            <a:outerShdw blurRad="50800" dist="38100" algn="l" rotWithShape="0">
+              <a:prstClr val="black">
+                <a:alpha val="40000"/>
+              </a:prstClr>
+            </a:outerShdw>
+          </a:effectLst>
+        </p:spPr>
+        <p:style>
+          <a:lnRef idx="1">
+            <a:schemeClr val="accent1"/>
+          </a:lnRef>
+          <a:fillRef idx="3">
+            <a:schemeClr val="accent1"/>
+          </a:fillRef>
+          <a:effectRef idx="2">
+            <a:schemeClr val="accent1"/>
+          </a:effectRef>
+          <a:fontRef idx="minor">
+            <a:schemeClr val="lt1"/>
+          </a:fontRef>
+        </p:style>
+        <p:txBody>
+          <a:bodyPr rtlCol="0" anchor="ctr"/>
+          <a:lstStyle/>
+          <a:p>
+            <a:pPr algn="ctr"/>
+            <a:endParaRPr lang="fr-FR" sz="2133" dirty="0">
+              <a:solidFill>
+                <a:srgbClr val="FFFFFF"/>
+              </a:solidFill>
+            </a:endParaRPr>
+          </a:p>
+        </p:txBody>
+      </p:sp>
+      <p:sp>
+        <p:nvSpPr>
+          <p:cNvPr id="13" name="Espace réservé du contenu 4"/>
+          <p:cNvSpPr txBox="1">
+            <a:spLocks/>
+          </p:cNvSpPr>
+          <p:nvPr/>
+        </p:nvSpPr>
+        <p:spPr>
+          <a:xfrm>
+            <a:off x="-16625" y="5881602"/>
+            <a:ext cx="3913481" cy="959656"/>
+          </a:xfrm>
+          <a:prstGeom prst="rect">
+            <a:avLst/>
+          </a:prstGeom>
+        </p:spPr>
+        <p:txBody>
+          <a:bodyPr/>
+          <a:lstStyle>
+            <a:lvl1pPr marL="180975" indent="-180975" algn="l" defTabSz="457200" rtl="0" eaLnBrk="1" latinLnBrk="0" hangingPunct="1">
+              <a:spcBef>
+                <a:spcPct val="20000"/>
+              </a:spcBef>
+              <a:buClr>
+                <a:srgbClr val="D3001C"/>
+              </a:buClr>
+              <a:buFont typeface="Arial"/>
+              <a:buChar char="•"/>
+              <a:defRPr lang="fr-FR" sz="1800" kern="0" dirty="0" smtClean="0">
+                <a:solidFill>
+                  <a:srgbClr val="606060"/>
+                </a:solidFill>
+                <a:latin typeface="Arial"/>
+                <a:ea typeface="ＭＳ Ｐゴシック" pitchFamily="23" charset="-128"/>
+                <a:cs typeface="Arial"/>
+              </a:defRPr>
+            </a:lvl1pPr>
+            <a:lvl2pPr marL="742950" indent="-285750" algn="l" defTabSz="457200" rtl="0" eaLnBrk="1" latinLnBrk="0" hangingPunct="1">
+              <a:spcBef>
+                <a:spcPct val="20000"/>
+              </a:spcBef>
+              <a:buFont typeface="Arial"/>
+              <a:buChar char="–"/>
+              <a:defRPr lang="fr-FR" sz="2800" kern="0" dirty="0" smtClean="0">
+                <a:solidFill>
+                  <a:srgbClr val="606060"/>
+                </a:solidFill>
+                <a:latin typeface="+mn-lt"/>
+                <a:ea typeface="ＭＳ Ｐゴシック" pitchFamily="23" charset="-128"/>
+                <a:cs typeface="+mn-cs"/>
+              </a:defRPr>
+            </a:lvl2pPr>
+            <a:lvl3pPr marL="1143000" indent="-228600" algn="l" defTabSz="457200" rtl="0" eaLnBrk="1" latinLnBrk="0" hangingPunct="1">
+              <a:spcBef>
+                <a:spcPct val="20000"/>
+              </a:spcBef>
+              <a:buFont typeface="Arial"/>
+              <a:buChar char="•"/>
+              <a:defRPr sz="2400" kern="1200">
+                <a:solidFill>
+                  <a:schemeClr val="tx1"/>
+                </a:solidFill>
+                <a:latin typeface="+mn-lt"/>
+                <a:ea typeface="+mn-ea"/>
+                <a:cs typeface="+mn-cs"/>
+              </a:defRPr>
+            </a:lvl3pPr>
+            <a:lvl4pPr marL="1600200" indent="-228600" algn="l" defTabSz="457200" rtl="0" eaLnBrk="1" latinLnBrk="0" hangingPunct="1">
+              <a:spcBef>
+                <a:spcPct val="20000"/>
+              </a:spcBef>
+              <a:buFont typeface="Arial"/>
+              <a:buChar char="–"/>
+              <a:defRPr sz="2000" kern="1200">
+                <a:solidFill>
+                  <a:schemeClr val="tx1"/>
+                </a:solidFill>
+                <a:latin typeface="+mn-lt"/>
+                <a:ea typeface="+mn-ea"/>
+                <a:cs typeface="+mn-cs"/>
+              </a:defRPr>
+            </a:lvl4pPr>
+            <a:lvl5pPr marL="446088" indent="-228600" algn="l" defTabSz="457200" rtl="0" eaLnBrk="1" latinLnBrk="0" hangingPunct="1">
+              <a:spcBef>
+                <a:spcPct val="20000"/>
+              </a:spcBef>
+              <a:buClr>
+                <a:srgbClr val="D3001C"/>
+              </a:buClr>
+              <a:buFont typeface="Arial"/>
+              <a:buChar char="»"/>
+              <a:tabLst/>
+              <a:defRPr lang="fr-FR" sz="1600" kern="0" baseline="0" dirty="0" smtClean="0">
+                <a:solidFill>
+                  <a:srgbClr val="606060"/>
+                </a:solidFill>
+                <a:latin typeface="Arial"/>
+                <a:ea typeface="ＭＳ Ｐゴシック" pitchFamily="23" charset="-128"/>
+                <a:cs typeface="Arial"/>
+              </a:defRPr>
+            </a:lvl5pPr>
+            <a:lvl6pPr marL="2514600" indent="-228600" algn="l" defTabSz="457200" rtl="0" eaLnBrk="1" latinLnBrk="0" hangingPunct="1">
+              <a:spcBef>
+                <a:spcPct val="20000"/>
+              </a:spcBef>
+              <a:buFont typeface="Arial"/>
+              <a:buChar char="•"/>
+              <a:defRPr sz="2000" kern="1200">
+                <a:solidFill>
+                  <a:schemeClr val="tx1"/>
+                </a:solidFill>
+                <a:latin typeface="+mn-lt"/>
+                <a:ea typeface="+mn-ea"/>
+                <a:cs typeface="+mn-cs"/>
+              </a:defRPr>
+            </a:lvl6pPr>
+            <a:lvl7pPr marL="2971800" indent="-228600" algn="l" defTabSz="457200" rtl="0" eaLnBrk="1" latinLnBrk="0" hangingPunct="1">
+              <a:spcBef>
+                <a:spcPct val="20000"/>
+              </a:spcBef>
+              <a:buFont typeface="Arial"/>
+              <a:buChar char="•"/>
+              <a:defRPr sz="2000" kern="1200">
+                <a:solidFill>
+                  <a:schemeClr val="tx1"/>
+                </a:solidFill>
+                <a:latin typeface="+mn-lt"/>
+                <a:ea typeface="+mn-ea"/>
+                <a:cs typeface="+mn-cs"/>
+              </a:defRPr>
+            </a:lvl7pPr>
+            <a:lvl8pPr marL="3429000" indent="-228600" algn="l" defTabSz="457200" rtl="0" eaLnBrk="1" latinLnBrk="0" hangingPunct="1">
+              <a:spcBef>
+                <a:spcPct val="20000"/>
+              </a:spcBef>
+              <a:buFont typeface="Arial"/>
+              <a:buChar char="•"/>
+              <a:defRPr sz="2000" kern="1200">
+                <a:solidFill>
+                  <a:schemeClr val="tx1"/>
+                </a:solidFill>
+                <a:latin typeface="+mn-lt"/>
+                <a:ea typeface="+mn-ea"/>
+                <a:cs typeface="+mn-cs"/>
+              </a:defRPr>
+            </a:lvl8pPr>
+            <a:lvl9pPr marL="3886200" indent="-228600" algn="l" defTabSz="457200" rtl="0" eaLnBrk="1" latinLnBrk="0" hangingPunct="1">
+              <a:spcBef>
+                <a:spcPct val="20000"/>
+              </a:spcBef>
+              <a:buFont typeface="Arial"/>
+              <a:buChar char="•"/>
+              <a:defRPr sz="2000" kern="1200">
+                <a:solidFill>
+                  <a:schemeClr val="tx1"/>
+                </a:solidFill>
+                <a:latin typeface="+mn-lt"/>
+                <a:ea typeface="+mn-ea"/>
+                <a:cs typeface="+mn-cs"/>
+              </a:defRPr>
+            </a:lvl9pPr>
+          </a:lstStyle>
+          <a:p>
+            <a:pPr marL="0" indent="0">
+              <a:buNone/>
+            </a:pPr>
+            <a:r>
+              <a:rPr lang="fr-FR" sz="2300" dirty="0" smtClean="0">
+                <a:solidFill>
+                  <a:schemeClr val="bg1"/>
+                </a:solidFill>
+              </a:rPr>
+              <a:t>   Arnaud Legout</a:t>
+            </a:r>
+            <a:endParaRPr lang="fr-FR" sz="2300" dirty="0">
+              <a:solidFill>
+                <a:schemeClr val="bg1"/>
+              </a:solidFill>
+            </a:endParaRPr>
+          </a:p>
+        </p:txBody>
+      </p:sp>
+      <p:pic>
+        <p:nvPicPr>
+          <p:cNvPr id="4" name="Image 3"/>
+          <p:cNvPicPr>
+            <a:picLocks noChangeAspect="1"/>
+          </p:cNvPicPr>
+          <p:nvPr/>
+        </p:nvPicPr>
+        <p:blipFill>
+          <a:blip r:embed="rId3">
+            <a:extLst>
+              <a:ext uri="{28A0092B-C50C-407E-A947-70E740481C1C}">
+                <a14:useLocalDpi xmlns:a14="http://schemas.microsoft.com/office/drawing/2010/main" val="0"/>
+              </a:ext>
+            </a:extLst>
+          </a:blip>
+          <a:stretch>
+            <a:fillRect/>
+          </a:stretch>
+        </p:blipFill>
+        <p:spPr>
+          <a:xfrm>
+            <a:off x="689442" y="6291135"/>
+            <a:ext cx="1190649" cy="515948"/>
+          </a:xfrm>
+          <a:prstGeom prst="rect">
+            <a:avLst/>
+          </a:prstGeom>
+        </p:spPr>
+      </p:pic>
+    </p:spTree>
+    <p:extLst>
+      <p:ext uri="{BB962C8B-B14F-4D97-AF65-F5344CB8AC3E}">
+        <p14:creationId xmlns:p14="http://schemas.microsoft.com/office/powerpoint/2010/main" val="2523281783"/>
+      </p:ext>
+    </p:extLst>
+  </p:cSld>
+  <p:clrMapOvr>
+    <a:masterClrMapping/>
+  </p:clrMapOvr>
+  <p:timing>
+    <p:tnLst>
+      <p:par>
+        <p:cTn id="1" dur="indefinite" restart="never" nodeType="tmRoot"/>
+      </p:par>
+    </p:tnLst>
+  </p:timing>
+</p:sld>
+</file>
+
+<file path=ppt/slides/slide5.xml><?xml version="1.0" encoding="utf-8"?>
+<p:sld xmlns:a="http://schemas.openxmlformats.org/drawingml/2006/main" xmlns:r="http://schemas.openxmlformats.org/officeDocument/2006/relationships" xmlns:p="http://schemas.openxmlformats.org/presentationml/2006/main">
+  <p:cSld>
+    <p:spTree>
+      <p:nvGrpSpPr>
+        <p:cNvPr id="1" name=""/>
+        <p:cNvGrpSpPr/>
+        <p:nvPr/>
+      </p:nvGrpSpPr>
+      <p:grpSpPr>
+        <a:xfrm>
+          <a:off x="0" y="0"/>
+          <a:ext cx="0" cy="0"/>
+          <a:chOff x="0" y="0"/>
+          <a:chExt cx="0" cy="0"/>
+        </a:xfrm>
+      </p:grpSpPr>
+      <p:sp>
+        <p:nvSpPr>
+          <p:cNvPr id="3" name="Titre 2"/>
+          <p:cNvSpPr>
+            <a:spLocks noGrp="1"/>
+          </p:cNvSpPr>
+          <p:nvPr>
+            <p:ph type="title"/>
+          </p:nvPr>
+        </p:nvSpPr>
+        <p:spPr/>
+        <p:txBody>
+          <a:bodyPr>
+            <a:noAutofit/>
+          </a:bodyPr>
+          <a:lstStyle/>
+          <a:p>
+            <a:r>
+              <a:rPr lang="fr-FR" dirty="0">
+                <a:latin typeface="Calibri" panose="020F0502020204030204" pitchFamily="34" charset="0"/>
+                <a:cs typeface="Calibri" panose="020F0502020204030204" pitchFamily="34" charset="0"/>
+              </a:rPr>
+              <a:t>Semaine 7. L'écosystème data science Python</a:t>
+            </a:r>
+            <a:br>
+              <a:rPr lang="fr-FR" dirty="0">
+                <a:latin typeface="Calibri" panose="020F0502020204030204" pitchFamily="34" charset="0"/>
+                <a:cs typeface="Calibri" panose="020F0502020204030204" pitchFamily="34" charset="0"/>
+              </a:rPr>
+            </a:br>
+            <a:endParaRPr lang="fr-FR" dirty="0">
+              <a:latin typeface="Calibri" panose="020F0502020204030204" pitchFamily="34" charset="0"/>
+              <a:cs typeface="Calibri" panose="020F0502020204030204" pitchFamily="34" charset="0"/>
+            </a:endParaRPr>
+          </a:p>
+        </p:txBody>
+      </p:sp>
+      <p:sp>
+        <p:nvSpPr>
+          <p:cNvPr id="8" name="Espace réservé du texte 7"/>
+          <p:cNvSpPr>
+            <a:spLocks noGrp="1"/>
+          </p:cNvSpPr>
+          <p:nvPr>
+            <p:ph type="body" sz="quarter" idx="12"/>
+          </p:nvPr>
+        </p:nvSpPr>
+        <p:spPr>
+          <a:xfrm>
+            <a:off x="1782709" y="6384935"/>
+            <a:ext cx="10040047" cy="690832"/>
+          </a:xfrm>
+        </p:spPr>
+        <p:txBody>
+          <a:bodyPr/>
+          <a:lstStyle/>
+          <a:p>
+            <a:r>
+              <a:rPr lang="fr-FR" dirty="0"/>
+              <a:t>Python 3 : des fondamentaux aux concepts avancés du langage</a:t>
+            </a:r>
+          </a:p>
+        </p:txBody>
+      </p:sp>
+      <p:sp>
+        <p:nvSpPr>
+          <p:cNvPr id="11" name="Espace réservé du texte 10"/>
+          <p:cNvSpPr>
+            <a:spLocks noGrp="1"/>
+          </p:cNvSpPr>
+          <p:nvPr>
+            <p:ph type="body" sz="quarter" idx="10"/>
+          </p:nvPr>
+        </p:nvSpPr>
+        <p:spPr>
+          <a:xfrm>
+            <a:off x="2928079" y="1047979"/>
+            <a:ext cx="9263921" cy="5318837"/>
+          </a:xfrm>
+        </p:spPr>
+        <p:txBody>
+          <a:bodyPr>
+            <a:normAutofit lnSpcReduction="10000"/>
+          </a:bodyPr>
+          <a:lstStyle/>
+          <a:p>
+            <a:pPr marL="609585" indent="-609585">
+              <a:buFont typeface="+mj-lt"/>
+              <a:buAutoNum type="arabicPeriod"/>
+            </a:pPr>
+            <a:r>
+              <a:rPr lang="fr-FR" dirty="0" smtClean="0">
+                <a:latin typeface="Calibri" panose="020F0502020204030204" pitchFamily="34" charset="0"/>
+                <a:cs typeface="Calibri" panose="020F0502020204030204" pitchFamily="34" charset="0"/>
+              </a:rPr>
+              <a:t>Pr</a:t>
+            </a:r>
+            <a:r>
+              <a:rPr lang="en-US" dirty="0" err="1" smtClean="0">
+                <a:latin typeface="Calibri" panose="020F0502020204030204" pitchFamily="34" charset="0"/>
+                <a:cs typeface="Calibri" panose="020F0502020204030204" pitchFamily="34" charset="0"/>
+              </a:rPr>
+              <a:t>ésentation</a:t>
+            </a:r>
+            <a:r>
+              <a:rPr lang="en-US" dirty="0" smtClean="0">
+                <a:latin typeface="Calibri" panose="020F0502020204030204" pitchFamily="34" charset="0"/>
+                <a:cs typeface="Calibri" panose="020F0502020204030204" pitchFamily="34" charset="0"/>
+              </a:rPr>
+              <a:t> </a:t>
+            </a:r>
+            <a:r>
+              <a:rPr lang="en-US" dirty="0" err="1" smtClean="0">
+                <a:latin typeface="Calibri" panose="020F0502020204030204" pitchFamily="34" charset="0"/>
+                <a:cs typeface="Calibri" panose="020F0502020204030204" pitchFamily="34" charset="0"/>
+              </a:rPr>
+              <a:t>générale</a:t>
+            </a:r>
+            <a:endParaRPr lang="fr-FR" dirty="0">
+              <a:latin typeface="Calibri" panose="020F0502020204030204" pitchFamily="34" charset="0"/>
+              <a:cs typeface="Calibri" panose="020F0502020204030204" pitchFamily="34" charset="0"/>
+            </a:endParaRPr>
+          </a:p>
+          <a:p>
+            <a:pPr marL="609585" indent="-609585">
+              <a:buFont typeface="+mj-lt"/>
+              <a:buAutoNum type="arabicPeriod"/>
+            </a:pPr>
+            <a:r>
+              <a:rPr lang="fr-FR" dirty="0" err="1" smtClean="0">
+                <a:latin typeface="Courier New" panose="02070309020205020404" pitchFamily="49" charset="0"/>
+                <a:cs typeface="Courier New" panose="02070309020205020404" pitchFamily="49" charset="0"/>
+              </a:rPr>
+              <a:t>numpy</a:t>
+            </a:r>
+            <a:r>
+              <a:rPr lang="fr-FR" dirty="0" smtClean="0">
+                <a:latin typeface="Calibri" panose="020F0502020204030204" pitchFamily="34" charset="0"/>
+                <a:cs typeface="Calibri" panose="020F0502020204030204" pitchFamily="34" charset="0"/>
+              </a:rPr>
+              <a:t>: le type </a:t>
+            </a:r>
+            <a:r>
+              <a:rPr lang="fr-FR" dirty="0" err="1" smtClean="0">
+                <a:latin typeface="Courier New" panose="02070309020205020404" pitchFamily="49" charset="0"/>
+                <a:ea typeface="Courier New" charset="0"/>
+                <a:cs typeface="Courier New" panose="02070309020205020404" pitchFamily="49" charset="0"/>
+              </a:rPr>
+              <a:t>ndarray</a:t>
+            </a:r>
+            <a:r>
+              <a:rPr lang="fr-FR" dirty="0" smtClean="0">
+                <a:latin typeface="Calibri" panose="020F0502020204030204" pitchFamily="34" charset="0"/>
+                <a:cs typeface="Calibri" panose="020F0502020204030204" pitchFamily="34" charset="0"/>
+              </a:rPr>
+              <a:t> </a:t>
+            </a:r>
+          </a:p>
+          <a:p>
+            <a:pPr marL="609585" indent="-609585">
+              <a:buFont typeface="+mj-lt"/>
+              <a:buAutoNum type="arabicPeriod"/>
+            </a:pPr>
+            <a:r>
+              <a:rPr lang="fr-FR" dirty="0" err="1">
+                <a:latin typeface="Courier New" panose="02070309020205020404" pitchFamily="49" charset="0"/>
+                <a:cs typeface="Courier New" panose="02070309020205020404" pitchFamily="49" charset="0"/>
+              </a:rPr>
+              <a:t>numpy</a:t>
+            </a:r>
+            <a:r>
+              <a:rPr lang="fr-FR" dirty="0">
+                <a:latin typeface="Calibri" panose="020F0502020204030204" pitchFamily="34" charset="0"/>
+                <a:cs typeface="Calibri" panose="020F0502020204030204" pitchFamily="34" charset="0"/>
+              </a:rPr>
+              <a:t>: </a:t>
+            </a:r>
+            <a:r>
+              <a:rPr lang="fr-FR" i="1" dirty="0" err="1" smtClean="0">
+                <a:latin typeface="Calibri" panose="020F0502020204030204" pitchFamily="34" charset="0"/>
+                <a:cs typeface="Calibri" panose="020F0502020204030204" pitchFamily="34" charset="0"/>
+              </a:rPr>
+              <a:t>slicing</a:t>
+            </a:r>
+            <a:r>
+              <a:rPr lang="fr-FR" dirty="0" smtClean="0">
+                <a:latin typeface="Calibri" panose="020F0502020204030204" pitchFamily="34" charset="0"/>
+                <a:cs typeface="Calibri" panose="020F0502020204030204" pitchFamily="34" charset="0"/>
+              </a:rPr>
+              <a:t>, </a:t>
+            </a:r>
+            <a:r>
+              <a:rPr lang="fr-FR" i="1" dirty="0" err="1" smtClean="0">
+                <a:latin typeface="Calibri" panose="020F0502020204030204" pitchFamily="34" charset="0"/>
+                <a:cs typeface="Calibri" panose="020F0502020204030204" pitchFamily="34" charset="0"/>
+              </a:rPr>
+              <a:t>reshaping</a:t>
+            </a:r>
+            <a:r>
+              <a:rPr lang="fr-FR" i="1" dirty="0" smtClean="0">
+                <a:latin typeface="Calibri" panose="020F0502020204030204" pitchFamily="34" charset="0"/>
+                <a:cs typeface="Calibri" panose="020F0502020204030204" pitchFamily="34" charset="0"/>
+              </a:rPr>
+              <a:t> </a:t>
+            </a:r>
+            <a:r>
+              <a:rPr lang="fr-FR" dirty="0" smtClean="0">
+                <a:latin typeface="Calibri" panose="020F0502020204030204" pitchFamily="34" charset="0"/>
+                <a:cs typeface="Calibri" panose="020F0502020204030204" pitchFamily="34" charset="0"/>
+              </a:rPr>
+              <a:t>et indexation </a:t>
+            </a:r>
+            <a:r>
+              <a:rPr lang="fr-FR" dirty="0" err="1" smtClean="0">
+                <a:latin typeface="Calibri" panose="020F0502020204030204" pitchFamily="34" charset="0"/>
+                <a:cs typeface="Calibri" panose="020F0502020204030204" pitchFamily="34" charset="0"/>
+              </a:rPr>
+              <a:t>avanc</a:t>
+            </a:r>
+            <a:r>
+              <a:rPr lang="en-US" dirty="0" err="1" smtClean="0">
+                <a:latin typeface="Calibri" panose="020F0502020204030204" pitchFamily="34" charset="0"/>
+                <a:cs typeface="Calibri" panose="020F0502020204030204" pitchFamily="34" charset="0"/>
+              </a:rPr>
+              <a:t>ée</a:t>
+            </a:r>
+            <a:endParaRPr lang="en-US" dirty="0" smtClean="0">
+              <a:latin typeface="Calibri" panose="020F0502020204030204" pitchFamily="34" charset="0"/>
+              <a:cs typeface="Calibri" panose="020F0502020204030204" pitchFamily="34" charset="0"/>
+            </a:endParaRPr>
+          </a:p>
+          <a:p>
+            <a:pPr marL="609585" indent="-609585">
+              <a:buFont typeface="+mj-lt"/>
+              <a:buAutoNum type="arabicPeriod"/>
+            </a:pPr>
+            <a:r>
+              <a:rPr lang="fr-FR" b="1" dirty="0" err="1">
+                <a:latin typeface="Courier New" panose="02070309020205020404" pitchFamily="49" charset="0"/>
+                <a:cs typeface="Courier New" panose="02070309020205020404" pitchFamily="49" charset="0"/>
+              </a:rPr>
+              <a:t>numpy</a:t>
+            </a:r>
+            <a:r>
+              <a:rPr lang="fr-FR" b="1" dirty="0">
+                <a:latin typeface="Calibri" panose="020F0502020204030204" pitchFamily="34" charset="0"/>
+                <a:cs typeface="Calibri" panose="020F0502020204030204" pitchFamily="34" charset="0"/>
+              </a:rPr>
+              <a:t>: </a:t>
+            </a:r>
+            <a:r>
+              <a:rPr lang="en-US" b="1" dirty="0" err="1" smtClean="0">
+                <a:latin typeface="Calibri" panose="020F0502020204030204" pitchFamily="34" charset="0"/>
+                <a:cs typeface="Calibri" panose="020F0502020204030204" pitchFamily="34" charset="0"/>
+              </a:rPr>
+              <a:t>vectorisation</a:t>
+            </a:r>
+            <a:endParaRPr lang="en-US" b="1" dirty="0" smtClean="0">
+              <a:latin typeface="Calibri" panose="020F0502020204030204" pitchFamily="34" charset="0"/>
+              <a:cs typeface="Calibri" panose="020F0502020204030204" pitchFamily="34" charset="0"/>
+            </a:endParaRPr>
+          </a:p>
+          <a:p>
+            <a:pPr marL="609585" indent="-609585">
+              <a:buFont typeface="+mj-lt"/>
+              <a:buAutoNum type="arabicPeriod"/>
+            </a:pPr>
+            <a:r>
+              <a:rPr lang="fr-FR" dirty="0" err="1">
+                <a:latin typeface="Courier New" panose="02070309020205020404" pitchFamily="49" charset="0"/>
+                <a:cs typeface="Courier New" panose="02070309020205020404" pitchFamily="49" charset="0"/>
+              </a:rPr>
+              <a:t>numpy</a:t>
+            </a:r>
+            <a:r>
+              <a:rPr lang="fr-FR" dirty="0">
+                <a:latin typeface="Calibri" panose="020F0502020204030204" pitchFamily="34" charset="0"/>
+                <a:cs typeface="Calibri" panose="020F0502020204030204" pitchFamily="34" charset="0"/>
+              </a:rPr>
+              <a:t>: </a:t>
+            </a:r>
+            <a:r>
+              <a:rPr lang="en-US" i="1" dirty="0" smtClean="0">
+                <a:latin typeface="Calibri" panose="020F0502020204030204" pitchFamily="34" charset="0"/>
+                <a:cs typeface="Calibri" panose="020F0502020204030204" pitchFamily="34" charset="0"/>
+              </a:rPr>
+              <a:t>broadcasting</a:t>
+            </a:r>
+          </a:p>
+          <a:p>
+            <a:pPr marL="609585" indent="-609585">
+              <a:buFont typeface="+mj-lt"/>
+              <a:buAutoNum type="arabicPeriod"/>
+            </a:pPr>
+            <a:r>
+              <a:rPr lang="en-US" dirty="0" smtClean="0">
+                <a:latin typeface="Courier New" panose="02070309020205020404" pitchFamily="49" charset="0"/>
+                <a:ea typeface="Courier New" charset="0"/>
+                <a:cs typeface="Courier New" panose="02070309020205020404" pitchFamily="49" charset="0"/>
+              </a:rPr>
+              <a:t>pandas</a:t>
+            </a:r>
+            <a:r>
+              <a:rPr lang="en-US" dirty="0" smtClean="0">
+                <a:latin typeface="Calibri" panose="020F0502020204030204" pitchFamily="34" charset="0"/>
+                <a:cs typeface="Calibri" panose="020F0502020204030204" pitchFamily="34" charset="0"/>
+              </a:rPr>
+              <a:t>: introduction aux </a:t>
+            </a:r>
+            <a:r>
+              <a:rPr lang="en-US" dirty="0" smtClean="0">
+                <a:latin typeface="Courier New" panose="02070309020205020404" pitchFamily="49" charset="0"/>
+                <a:ea typeface="Courier New" charset="0"/>
+                <a:cs typeface="Courier New" panose="02070309020205020404" pitchFamily="49" charset="0"/>
+              </a:rPr>
+              <a:t>Series</a:t>
+            </a:r>
+            <a:r>
+              <a:rPr lang="en-US" dirty="0" smtClean="0">
+                <a:latin typeface="Calibri" panose="020F0502020204030204" pitchFamily="34" charset="0"/>
+                <a:cs typeface="Calibri" panose="020F0502020204030204" pitchFamily="34" charset="0"/>
+              </a:rPr>
+              <a:t> et aux indexes</a:t>
+            </a:r>
+          </a:p>
+          <a:p>
+            <a:pPr marL="609585" indent="-609585">
+              <a:buFont typeface="+mj-lt"/>
+              <a:buAutoNum type="arabicPeriod"/>
+            </a:pPr>
+            <a:r>
+              <a:rPr lang="en-US" dirty="0">
+                <a:latin typeface="Courier New" panose="02070309020205020404" pitchFamily="49" charset="0"/>
+                <a:ea typeface="Courier New" charset="0"/>
+                <a:cs typeface="Courier New" panose="02070309020205020404" pitchFamily="49" charset="0"/>
+              </a:rPr>
+              <a:t>pandas</a:t>
+            </a:r>
+            <a:r>
+              <a:rPr lang="en-US" dirty="0">
+                <a:latin typeface="Calibri" panose="020F0502020204030204" pitchFamily="34" charset="0"/>
+                <a:cs typeface="Calibri" panose="020F0502020204030204" pitchFamily="34" charset="0"/>
+              </a:rPr>
+              <a:t>: le </a:t>
+            </a:r>
+            <a:r>
+              <a:rPr lang="en-US" dirty="0" smtClean="0">
+                <a:latin typeface="Calibri" panose="020F0502020204030204" pitchFamily="34" charset="0"/>
+                <a:cs typeface="Calibri" panose="020F0502020204030204" pitchFamily="34" charset="0"/>
+              </a:rPr>
+              <a:t>type </a:t>
+            </a:r>
+            <a:r>
+              <a:rPr lang="en-US" dirty="0" err="1" smtClean="0">
+                <a:latin typeface="Courier New" panose="02070309020205020404" pitchFamily="49" charset="0"/>
+                <a:ea typeface="Courier New" charset="0"/>
+                <a:cs typeface="Courier New" panose="02070309020205020404" pitchFamily="49" charset="0"/>
+              </a:rPr>
+              <a:t>DataFrame</a:t>
+            </a:r>
+            <a:endParaRPr lang="en-US" dirty="0" smtClean="0">
+              <a:latin typeface="Courier New" panose="02070309020205020404" pitchFamily="49" charset="0"/>
+              <a:ea typeface="Courier New" charset="0"/>
+              <a:cs typeface="Courier New" panose="02070309020205020404" pitchFamily="49" charset="0"/>
+            </a:endParaRPr>
+          </a:p>
+          <a:p>
+            <a:pPr marL="609585" indent="-609585">
+              <a:buFont typeface="+mj-lt"/>
+              <a:buAutoNum type="arabicPeriod"/>
+            </a:pPr>
+            <a:r>
+              <a:rPr lang="en-US" dirty="0">
+                <a:latin typeface="Courier New" panose="02070309020205020404" pitchFamily="49" charset="0"/>
+                <a:ea typeface="Courier New" charset="0"/>
+                <a:cs typeface="Courier New" panose="02070309020205020404" pitchFamily="49" charset="0"/>
+              </a:rPr>
+              <a:t>pandas</a:t>
+            </a:r>
+            <a:r>
+              <a:rPr lang="en-US" dirty="0">
+                <a:latin typeface="Calibri" panose="020F0502020204030204" pitchFamily="34" charset="0"/>
+                <a:cs typeface="Calibri" panose="020F0502020204030204" pitchFamily="34" charset="0"/>
+              </a:rPr>
+              <a:t>: </a:t>
+            </a:r>
+            <a:r>
+              <a:rPr lang="en-US" dirty="0" err="1" smtClean="0">
+                <a:latin typeface="Calibri" panose="020F0502020204030204" pitchFamily="34" charset="0"/>
+                <a:cs typeface="Calibri" panose="020F0502020204030204" pitchFamily="34" charset="0"/>
+              </a:rPr>
+              <a:t>opérations</a:t>
+            </a:r>
+            <a:r>
+              <a:rPr lang="en-US" dirty="0" smtClean="0">
+                <a:latin typeface="Calibri" panose="020F0502020204030204" pitchFamily="34" charset="0"/>
+                <a:cs typeface="Calibri" panose="020F0502020204030204" pitchFamily="34" charset="0"/>
+              </a:rPr>
+              <a:t> </a:t>
+            </a:r>
+            <a:r>
+              <a:rPr lang="en-US" dirty="0" err="1" smtClean="0">
+                <a:latin typeface="Calibri" panose="020F0502020204030204" pitchFamily="34" charset="0"/>
+                <a:cs typeface="Calibri" panose="020F0502020204030204" pitchFamily="34" charset="0"/>
+              </a:rPr>
+              <a:t>avancées</a:t>
+            </a:r>
+            <a:endParaRPr lang="en-US" dirty="0" smtClean="0">
+              <a:latin typeface="Calibri" panose="020F0502020204030204" pitchFamily="34" charset="0"/>
+              <a:cs typeface="Calibri" panose="020F0502020204030204" pitchFamily="34" charset="0"/>
+            </a:endParaRPr>
+          </a:p>
+          <a:p>
+            <a:pPr marL="609585" indent="-609585">
+              <a:buFont typeface="+mj-lt"/>
+              <a:buAutoNum type="arabicPeriod"/>
+            </a:pPr>
+            <a:r>
+              <a:rPr lang="en-US" dirty="0">
+                <a:latin typeface="Courier New" panose="02070309020205020404" pitchFamily="49" charset="0"/>
+                <a:ea typeface="Courier New" charset="0"/>
+                <a:cs typeface="Courier New" panose="02070309020205020404" pitchFamily="49" charset="0"/>
+              </a:rPr>
+              <a:t>pandas</a:t>
+            </a:r>
+            <a:r>
+              <a:rPr lang="en-US" dirty="0">
+                <a:latin typeface="Calibri" panose="020F0502020204030204" pitchFamily="34" charset="0"/>
+                <a:cs typeface="Calibri" panose="020F0502020204030204" pitchFamily="34" charset="0"/>
+              </a:rPr>
+              <a:t>: </a:t>
+            </a:r>
+            <a:r>
+              <a:rPr lang="en-US" dirty="0" err="1" smtClean="0">
+                <a:latin typeface="Calibri" panose="020F0502020204030204" pitchFamily="34" charset="0"/>
+                <a:cs typeface="Calibri" panose="020F0502020204030204" pitchFamily="34" charset="0"/>
+              </a:rPr>
+              <a:t>gestion</a:t>
+            </a:r>
+            <a:r>
+              <a:rPr lang="en-US" dirty="0" smtClean="0">
+                <a:latin typeface="Calibri" panose="020F0502020204030204" pitchFamily="34" charset="0"/>
+                <a:cs typeface="Calibri" panose="020F0502020204030204" pitchFamily="34" charset="0"/>
+              </a:rPr>
+              <a:t> des dates </a:t>
+            </a:r>
+            <a:r>
+              <a:rPr lang="en-US" dirty="0" smtClean="0">
+                <a:latin typeface="Calibri" panose="020F0502020204030204" pitchFamily="34" charset="0"/>
+                <a:cs typeface="Calibri" panose="020F0502020204030204" pitchFamily="34" charset="0"/>
+              </a:rPr>
+              <a:t>et des </a:t>
+            </a:r>
+            <a:r>
+              <a:rPr lang="en-US" dirty="0" err="1" smtClean="0">
+                <a:latin typeface="Calibri" panose="020F0502020204030204" pitchFamily="34" charset="0"/>
+                <a:cs typeface="Calibri" panose="020F0502020204030204" pitchFamily="34" charset="0"/>
+              </a:rPr>
+              <a:t>séries</a:t>
+            </a:r>
+            <a:r>
+              <a:rPr lang="en-US" dirty="0" smtClean="0">
+                <a:latin typeface="Calibri" panose="020F0502020204030204" pitchFamily="34" charset="0"/>
+                <a:cs typeface="Calibri" panose="020F0502020204030204" pitchFamily="34" charset="0"/>
+              </a:rPr>
+              <a:t> </a:t>
+            </a:r>
+            <a:r>
+              <a:rPr lang="en-US" dirty="0" err="1" smtClean="0">
+                <a:latin typeface="Calibri" panose="020F0502020204030204" pitchFamily="34" charset="0"/>
+                <a:cs typeface="Calibri" panose="020F0502020204030204" pitchFamily="34" charset="0"/>
+              </a:rPr>
+              <a:t>temporelles</a:t>
+            </a:r>
+            <a:endParaRPr lang="fr-FR" dirty="0">
+              <a:latin typeface="Calibri" panose="020F0502020204030204" pitchFamily="34" charset="0"/>
+              <a:cs typeface="Calibri" panose="020F0502020204030204" pitchFamily="34" charset="0"/>
+            </a:endParaRPr>
+          </a:p>
+        </p:txBody>
+      </p:sp>
+      <p:sp>
+        <p:nvSpPr>
+          <p:cNvPr id="12" name="Arrondir un rectangle avec un coin du même côté 8"/>
+          <p:cNvSpPr/>
+          <p:nvPr/>
+        </p:nvSpPr>
+        <p:spPr>
+          <a:xfrm>
+            <a:off x="33374" y="5822684"/>
+            <a:ext cx="2531337" cy="1009141"/>
+          </a:xfrm>
+          <a:prstGeom prst="round2SameRect">
+            <a:avLst/>
+          </a:prstGeom>
+          <a:solidFill>
+            <a:srgbClr val="E1001A"/>
+          </a:solidFill>
+          <a:ln>
+            <a:noFill/>
+          </a:ln>
+          <a:effectLst>
+            <a:outerShdw blurRad="50800" dist="38100" algn="l" rotWithShape="0">
+              <a:prstClr val="black">
+                <a:alpha val="40000"/>
+              </a:prstClr>
+            </a:outerShdw>
+          </a:effectLst>
+        </p:spPr>
+        <p:style>
+          <a:lnRef idx="1">
+            <a:schemeClr val="accent1"/>
+          </a:lnRef>
+          <a:fillRef idx="3">
+            <a:schemeClr val="accent1"/>
+          </a:fillRef>
+          <a:effectRef idx="2">
+            <a:schemeClr val="accent1"/>
+          </a:effectRef>
+          <a:fontRef idx="minor">
+            <a:schemeClr val="lt1"/>
+          </a:fontRef>
+        </p:style>
+        <p:txBody>
+          <a:bodyPr rtlCol="0" anchor="ctr"/>
+          <a:lstStyle/>
+          <a:p>
+            <a:pPr algn="ctr"/>
+            <a:endParaRPr lang="fr-FR" sz="2133" dirty="0">
+              <a:solidFill>
+                <a:srgbClr val="FFFFFF"/>
+              </a:solidFill>
+            </a:endParaRPr>
+          </a:p>
+        </p:txBody>
+      </p:sp>
+      <p:sp>
+        <p:nvSpPr>
+          <p:cNvPr id="13" name="Espace réservé du contenu 4"/>
+          <p:cNvSpPr txBox="1">
+            <a:spLocks/>
+          </p:cNvSpPr>
+          <p:nvPr/>
+        </p:nvSpPr>
+        <p:spPr>
+          <a:xfrm>
+            <a:off x="-16625" y="5881602"/>
+            <a:ext cx="3913481" cy="959656"/>
+          </a:xfrm>
+          <a:prstGeom prst="rect">
+            <a:avLst/>
+          </a:prstGeom>
+        </p:spPr>
+        <p:txBody>
+          <a:bodyPr/>
+          <a:lstStyle>
+            <a:lvl1pPr marL="180975" indent="-180975" algn="l" defTabSz="457200" rtl="0" eaLnBrk="1" latinLnBrk="0" hangingPunct="1">
+              <a:spcBef>
+                <a:spcPct val="20000"/>
+              </a:spcBef>
+              <a:buClr>
+                <a:srgbClr val="D3001C"/>
+              </a:buClr>
+              <a:buFont typeface="Arial"/>
+              <a:buChar char="•"/>
+              <a:defRPr lang="fr-FR" sz="1800" kern="0" dirty="0" smtClean="0">
+                <a:solidFill>
+                  <a:srgbClr val="606060"/>
+                </a:solidFill>
+                <a:latin typeface="Arial"/>
+                <a:ea typeface="ＭＳ Ｐゴシック" pitchFamily="23" charset="-128"/>
+                <a:cs typeface="Arial"/>
+              </a:defRPr>
+            </a:lvl1pPr>
+            <a:lvl2pPr marL="742950" indent="-285750" algn="l" defTabSz="457200" rtl="0" eaLnBrk="1" latinLnBrk="0" hangingPunct="1">
+              <a:spcBef>
+                <a:spcPct val="20000"/>
+              </a:spcBef>
+              <a:buFont typeface="Arial"/>
+              <a:buChar char="–"/>
+              <a:defRPr lang="fr-FR" sz="2800" kern="0" dirty="0" smtClean="0">
+                <a:solidFill>
+                  <a:srgbClr val="606060"/>
+                </a:solidFill>
+                <a:latin typeface="+mn-lt"/>
+                <a:ea typeface="ＭＳ Ｐゴシック" pitchFamily="23" charset="-128"/>
+                <a:cs typeface="+mn-cs"/>
+              </a:defRPr>
+            </a:lvl2pPr>
+            <a:lvl3pPr marL="1143000" indent="-228600" algn="l" defTabSz="457200" rtl="0" eaLnBrk="1" latinLnBrk="0" hangingPunct="1">
+              <a:spcBef>
+                <a:spcPct val="20000"/>
+              </a:spcBef>
+              <a:buFont typeface="Arial"/>
+              <a:buChar char="•"/>
+              <a:defRPr sz="2400" kern="1200">
+                <a:solidFill>
+                  <a:schemeClr val="tx1"/>
+                </a:solidFill>
+                <a:latin typeface="+mn-lt"/>
+                <a:ea typeface="+mn-ea"/>
+                <a:cs typeface="+mn-cs"/>
+              </a:defRPr>
+            </a:lvl3pPr>
+            <a:lvl4pPr marL="1600200" indent="-228600" algn="l" defTabSz="457200" rtl="0" eaLnBrk="1" latinLnBrk="0" hangingPunct="1">
+              <a:spcBef>
+                <a:spcPct val="20000"/>
+              </a:spcBef>
+              <a:buFont typeface="Arial"/>
+              <a:buChar char="–"/>
+              <a:defRPr sz="2000" kern="1200">
+                <a:solidFill>
+                  <a:schemeClr val="tx1"/>
+                </a:solidFill>
+                <a:latin typeface="+mn-lt"/>
+                <a:ea typeface="+mn-ea"/>
+                <a:cs typeface="+mn-cs"/>
+              </a:defRPr>
+            </a:lvl4pPr>
+            <a:lvl5pPr marL="446088" indent="-228600" algn="l" defTabSz="457200" rtl="0" eaLnBrk="1" latinLnBrk="0" hangingPunct="1">
+              <a:spcBef>
+                <a:spcPct val="20000"/>
+              </a:spcBef>
+              <a:buClr>
+                <a:srgbClr val="D3001C"/>
+              </a:buClr>
+              <a:buFont typeface="Arial"/>
+              <a:buChar char="»"/>
+              <a:tabLst/>
+              <a:defRPr lang="fr-FR" sz="1600" kern="0" baseline="0" dirty="0" smtClean="0">
+                <a:solidFill>
+                  <a:srgbClr val="606060"/>
+                </a:solidFill>
+                <a:latin typeface="Arial"/>
+                <a:ea typeface="ＭＳ Ｐゴシック" pitchFamily="23" charset="-128"/>
+                <a:cs typeface="Arial"/>
+              </a:defRPr>
+            </a:lvl5pPr>
+            <a:lvl6pPr marL="2514600" indent="-228600" algn="l" defTabSz="457200" rtl="0" eaLnBrk="1" latinLnBrk="0" hangingPunct="1">
+              <a:spcBef>
+                <a:spcPct val="20000"/>
+              </a:spcBef>
+              <a:buFont typeface="Arial"/>
+              <a:buChar char="•"/>
+              <a:defRPr sz="2000" kern="1200">
+                <a:solidFill>
+                  <a:schemeClr val="tx1"/>
+                </a:solidFill>
+                <a:latin typeface="+mn-lt"/>
+                <a:ea typeface="+mn-ea"/>
+                <a:cs typeface="+mn-cs"/>
+              </a:defRPr>
+            </a:lvl6pPr>
+            <a:lvl7pPr marL="2971800" indent="-228600" algn="l" defTabSz="457200" rtl="0" eaLnBrk="1" latinLnBrk="0" hangingPunct="1">
+              <a:spcBef>
+                <a:spcPct val="20000"/>
+              </a:spcBef>
+              <a:buFont typeface="Arial"/>
+              <a:buChar char="•"/>
+              <a:defRPr sz="2000" kern="1200">
+                <a:solidFill>
+                  <a:schemeClr val="tx1"/>
+                </a:solidFill>
+                <a:latin typeface="+mn-lt"/>
+                <a:ea typeface="+mn-ea"/>
+                <a:cs typeface="+mn-cs"/>
+              </a:defRPr>
+            </a:lvl7pPr>
+            <a:lvl8pPr marL="3429000" indent="-228600" algn="l" defTabSz="457200" rtl="0" eaLnBrk="1" latinLnBrk="0" hangingPunct="1">
+              <a:spcBef>
+                <a:spcPct val="20000"/>
+              </a:spcBef>
+              <a:buFont typeface="Arial"/>
+              <a:buChar char="•"/>
+              <a:defRPr sz="2000" kern="1200">
+                <a:solidFill>
+                  <a:schemeClr val="tx1"/>
+                </a:solidFill>
+                <a:latin typeface="+mn-lt"/>
+                <a:ea typeface="+mn-ea"/>
+                <a:cs typeface="+mn-cs"/>
+              </a:defRPr>
+            </a:lvl8pPr>
+            <a:lvl9pPr marL="3886200" indent="-228600" algn="l" defTabSz="457200" rtl="0" eaLnBrk="1" latinLnBrk="0" hangingPunct="1">
+              <a:spcBef>
+                <a:spcPct val="20000"/>
+              </a:spcBef>
+              <a:buFont typeface="Arial"/>
+              <a:buChar char="•"/>
+              <a:defRPr sz="2000" kern="1200">
+                <a:solidFill>
+                  <a:schemeClr val="tx1"/>
+                </a:solidFill>
+                <a:latin typeface="+mn-lt"/>
+                <a:ea typeface="+mn-ea"/>
+                <a:cs typeface="+mn-cs"/>
+              </a:defRPr>
+            </a:lvl9pPr>
+          </a:lstStyle>
+          <a:p>
+            <a:pPr marL="0" indent="0">
+              <a:buNone/>
+            </a:pPr>
+            <a:r>
+              <a:rPr lang="fr-FR" sz="2300" dirty="0" smtClean="0">
+                <a:solidFill>
+                  <a:schemeClr val="bg1"/>
+                </a:solidFill>
+              </a:rPr>
+              <a:t>   Arnaud Legout</a:t>
+            </a:r>
+            <a:endParaRPr lang="fr-FR" sz="2300" dirty="0">
+              <a:solidFill>
+                <a:schemeClr val="bg1"/>
+              </a:solidFill>
+            </a:endParaRPr>
+          </a:p>
+        </p:txBody>
+      </p:sp>
+      <p:pic>
+        <p:nvPicPr>
+          <p:cNvPr id="4" name="Image 3"/>
+          <p:cNvPicPr>
+            <a:picLocks noChangeAspect="1"/>
+          </p:cNvPicPr>
+          <p:nvPr/>
+        </p:nvPicPr>
+        <p:blipFill>
+          <a:blip r:embed="rId3">
+            <a:extLst>
+              <a:ext uri="{28A0092B-C50C-407E-A947-70E740481C1C}">
+                <a14:useLocalDpi xmlns:a14="http://schemas.microsoft.com/office/drawing/2010/main" val="0"/>
+              </a:ext>
+            </a:extLst>
+          </a:blip>
+          <a:stretch>
+            <a:fillRect/>
+          </a:stretch>
+        </p:blipFill>
+        <p:spPr>
+          <a:xfrm>
+            <a:off x="689442" y="6291135"/>
+            <a:ext cx="1190649" cy="515948"/>
+          </a:xfrm>
+          <a:prstGeom prst="rect">
+            <a:avLst/>
+          </a:prstGeom>
+        </p:spPr>
+      </p:pic>
+    </p:spTree>
+    <p:extLst>
+      <p:ext uri="{BB962C8B-B14F-4D97-AF65-F5344CB8AC3E}">
+        <p14:creationId xmlns:p14="http://schemas.microsoft.com/office/powerpoint/2010/main" val="1716621849"/>
+      </p:ext>
+    </p:extLst>
+  </p:cSld>
+  <p:clrMapOvr>
+    <a:masterClrMapping/>
+  </p:clrMapOvr>
+  <p:timing>
+    <p:tnLst>
+      <p:par>
+        <p:cTn id="1" dur="indefinite" restart="never" nodeType="tmRoot"/>
+      </p:par>
+    </p:tnLst>
+  </p:timing>
+</p:sld>
+</file>
+
+<file path=ppt/slides/slide6.xml><?xml version="1.0" encoding="utf-8"?>
+<p:sld xmlns:a="http://schemas.openxmlformats.org/drawingml/2006/main" xmlns:r="http://schemas.openxmlformats.org/officeDocument/2006/relationships" xmlns:p="http://schemas.openxmlformats.org/presentationml/2006/main">
+  <p:cSld>
+    <p:spTree>
+      <p:nvGrpSpPr>
+        <p:cNvPr id="1" name=""/>
+        <p:cNvGrpSpPr/>
+        <p:nvPr/>
+      </p:nvGrpSpPr>
+      <p:grpSpPr>
+        <a:xfrm>
+          <a:off x="0" y="0"/>
+          <a:ext cx="0" cy="0"/>
+          <a:chOff x="0" y="0"/>
+          <a:chExt cx="0" cy="0"/>
+        </a:xfrm>
+      </p:grpSpPr>
+      <p:sp>
+        <p:nvSpPr>
+          <p:cNvPr id="3" name="Titre 2"/>
+          <p:cNvSpPr>
+            <a:spLocks noGrp="1"/>
+          </p:cNvSpPr>
+          <p:nvPr>
+            <p:ph type="title"/>
+          </p:nvPr>
+        </p:nvSpPr>
+        <p:spPr/>
+        <p:txBody>
+          <a:bodyPr>
+            <a:noAutofit/>
+          </a:bodyPr>
+          <a:lstStyle/>
+          <a:p>
+            <a:r>
+              <a:rPr lang="fr-FR" dirty="0">
+                <a:latin typeface="Calibri" panose="020F0502020204030204" pitchFamily="34" charset="0"/>
+                <a:cs typeface="Calibri" panose="020F0502020204030204" pitchFamily="34" charset="0"/>
+              </a:rPr>
+              <a:t>Semaine 7. L'écosystème data science Python</a:t>
+            </a:r>
+            <a:br>
+              <a:rPr lang="fr-FR" dirty="0">
+                <a:latin typeface="Calibri" panose="020F0502020204030204" pitchFamily="34" charset="0"/>
+                <a:cs typeface="Calibri" panose="020F0502020204030204" pitchFamily="34" charset="0"/>
+              </a:rPr>
+            </a:br>
+            <a:endParaRPr lang="fr-FR" dirty="0">
+              <a:latin typeface="Calibri" panose="020F0502020204030204" pitchFamily="34" charset="0"/>
+              <a:cs typeface="Calibri" panose="020F0502020204030204" pitchFamily="34" charset="0"/>
+            </a:endParaRPr>
+          </a:p>
+        </p:txBody>
+      </p:sp>
+      <p:sp>
+        <p:nvSpPr>
+          <p:cNvPr id="8" name="Espace réservé du texte 7"/>
+          <p:cNvSpPr>
+            <a:spLocks noGrp="1"/>
+          </p:cNvSpPr>
+          <p:nvPr>
+            <p:ph type="body" sz="quarter" idx="12"/>
+          </p:nvPr>
+        </p:nvSpPr>
+        <p:spPr>
+          <a:xfrm>
+            <a:off x="1782709" y="6384935"/>
+            <a:ext cx="10040047" cy="690832"/>
+          </a:xfrm>
+        </p:spPr>
+        <p:txBody>
+          <a:bodyPr/>
+          <a:lstStyle/>
+          <a:p>
+            <a:r>
+              <a:rPr lang="fr-FR" dirty="0"/>
+              <a:t>Python 3 : des fondamentaux aux concepts avancés du langage</a:t>
+            </a:r>
+          </a:p>
+        </p:txBody>
+      </p:sp>
+      <p:sp>
+        <p:nvSpPr>
+          <p:cNvPr id="11" name="Espace réservé du texte 10"/>
+          <p:cNvSpPr>
+            <a:spLocks noGrp="1"/>
+          </p:cNvSpPr>
+          <p:nvPr>
+            <p:ph type="body" sz="quarter" idx="10"/>
+          </p:nvPr>
+        </p:nvSpPr>
+        <p:spPr>
+          <a:xfrm>
+            <a:off x="2928079" y="1047979"/>
+            <a:ext cx="9263921" cy="5318837"/>
+          </a:xfrm>
+        </p:spPr>
+        <p:txBody>
+          <a:bodyPr>
+            <a:normAutofit lnSpcReduction="10000"/>
+          </a:bodyPr>
+          <a:lstStyle/>
+          <a:p>
+            <a:pPr marL="609585" indent="-609585">
+              <a:buFont typeface="+mj-lt"/>
+              <a:buAutoNum type="arabicPeriod"/>
+            </a:pPr>
+            <a:r>
+              <a:rPr lang="fr-FR" dirty="0" smtClean="0">
+                <a:latin typeface="Calibri" panose="020F0502020204030204" pitchFamily="34" charset="0"/>
+                <a:cs typeface="Calibri" panose="020F0502020204030204" pitchFamily="34" charset="0"/>
+              </a:rPr>
+              <a:t>Pr</a:t>
+            </a:r>
+            <a:r>
+              <a:rPr lang="en-US" dirty="0" err="1" smtClean="0">
+                <a:latin typeface="Calibri" panose="020F0502020204030204" pitchFamily="34" charset="0"/>
+                <a:cs typeface="Calibri" panose="020F0502020204030204" pitchFamily="34" charset="0"/>
+              </a:rPr>
+              <a:t>ésentation</a:t>
+            </a:r>
+            <a:r>
+              <a:rPr lang="en-US" dirty="0" smtClean="0">
+                <a:latin typeface="Calibri" panose="020F0502020204030204" pitchFamily="34" charset="0"/>
+                <a:cs typeface="Calibri" panose="020F0502020204030204" pitchFamily="34" charset="0"/>
+              </a:rPr>
+              <a:t> </a:t>
+            </a:r>
+            <a:r>
+              <a:rPr lang="en-US" dirty="0" err="1" smtClean="0">
+                <a:latin typeface="Calibri" panose="020F0502020204030204" pitchFamily="34" charset="0"/>
+                <a:cs typeface="Calibri" panose="020F0502020204030204" pitchFamily="34" charset="0"/>
+              </a:rPr>
+              <a:t>générale</a:t>
+            </a:r>
+            <a:endParaRPr lang="fr-FR" dirty="0">
+              <a:latin typeface="Calibri" panose="020F0502020204030204" pitchFamily="34" charset="0"/>
+              <a:cs typeface="Calibri" panose="020F0502020204030204" pitchFamily="34" charset="0"/>
+            </a:endParaRPr>
+          </a:p>
+          <a:p>
+            <a:pPr marL="609585" indent="-609585">
+              <a:buFont typeface="+mj-lt"/>
+              <a:buAutoNum type="arabicPeriod"/>
+            </a:pPr>
+            <a:r>
+              <a:rPr lang="fr-FR" dirty="0" err="1" smtClean="0">
+                <a:latin typeface="Courier New" panose="02070309020205020404" pitchFamily="49" charset="0"/>
+                <a:cs typeface="Courier New" panose="02070309020205020404" pitchFamily="49" charset="0"/>
+              </a:rPr>
+              <a:t>numpy</a:t>
+            </a:r>
+            <a:r>
+              <a:rPr lang="fr-FR" dirty="0" smtClean="0">
+                <a:latin typeface="Calibri" panose="020F0502020204030204" pitchFamily="34" charset="0"/>
+                <a:cs typeface="Calibri" panose="020F0502020204030204" pitchFamily="34" charset="0"/>
+              </a:rPr>
+              <a:t>: le type </a:t>
+            </a:r>
+            <a:r>
+              <a:rPr lang="fr-FR" dirty="0" err="1" smtClean="0">
+                <a:latin typeface="Courier New" panose="02070309020205020404" pitchFamily="49" charset="0"/>
+                <a:ea typeface="Courier New" charset="0"/>
+                <a:cs typeface="Courier New" panose="02070309020205020404" pitchFamily="49" charset="0"/>
+              </a:rPr>
+              <a:t>ndarray</a:t>
+            </a:r>
+            <a:r>
+              <a:rPr lang="fr-FR" dirty="0" smtClean="0">
+                <a:latin typeface="Calibri" panose="020F0502020204030204" pitchFamily="34" charset="0"/>
+                <a:cs typeface="Calibri" panose="020F0502020204030204" pitchFamily="34" charset="0"/>
+              </a:rPr>
+              <a:t> </a:t>
+            </a:r>
+          </a:p>
+          <a:p>
+            <a:pPr marL="609585" indent="-609585">
+              <a:buFont typeface="+mj-lt"/>
+              <a:buAutoNum type="arabicPeriod"/>
+            </a:pPr>
+            <a:r>
+              <a:rPr lang="fr-FR" dirty="0" err="1">
+                <a:latin typeface="Courier New" panose="02070309020205020404" pitchFamily="49" charset="0"/>
+                <a:cs typeface="Courier New" panose="02070309020205020404" pitchFamily="49" charset="0"/>
+              </a:rPr>
+              <a:t>numpy</a:t>
+            </a:r>
+            <a:r>
+              <a:rPr lang="fr-FR" dirty="0">
+                <a:latin typeface="Calibri" panose="020F0502020204030204" pitchFamily="34" charset="0"/>
+                <a:cs typeface="Calibri" panose="020F0502020204030204" pitchFamily="34" charset="0"/>
+              </a:rPr>
+              <a:t>: </a:t>
+            </a:r>
+            <a:r>
+              <a:rPr lang="fr-FR" i="1" dirty="0" err="1" smtClean="0">
+                <a:latin typeface="Calibri" panose="020F0502020204030204" pitchFamily="34" charset="0"/>
+                <a:cs typeface="Calibri" panose="020F0502020204030204" pitchFamily="34" charset="0"/>
+              </a:rPr>
+              <a:t>slicing</a:t>
+            </a:r>
+            <a:r>
+              <a:rPr lang="fr-FR" dirty="0" smtClean="0">
+                <a:latin typeface="Calibri" panose="020F0502020204030204" pitchFamily="34" charset="0"/>
+                <a:cs typeface="Calibri" panose="020F0502020204030204" pitchFamily="34" charset="0"/>
+              </a:rPr>
+              <a:t>, </a:t>
+            </a:r>
+            <a:r>
+              <a:rPr lang="fr-FR" i="1" dirty="0" err="1" smtClean="0">
+                <a:latin typeface="Calibri" panose="020F0502020204030204" pitchFamily="34" charset="0"/>
+                <a:cs typeface="Calibri" panose="020F0502020204030204" pitchFamily="34" charset="0"/>
+              </a:rPr>
+              <a:t>reshaping</a:t>
+            </a:r>
+            <a:r>
+              <a:rPr lang="fr-FR" i="1" dirty="0" smtClean="0">
+                <a:latin typeface="Calibri" panose="020F0502020204030204" pitchFamily="34" charset="0"/>
+                <a:cs typeface="Calibri" panose="020F0502020204030204" pitchFamily="34" charset="0"/>
+              </a:rPr>
+              <a:t> </a:t>
+            </a:r>
+            <a:r>
+              <a:rPr lang="fr-FR" dirty="0" smtClean="0">
+                <a:latin typeface="Calibri" panose="020F0502020204030204" pitchFamily="34" charset="0"/>
+                <a:cs typeface="Calibri" panose="020F0502020204030204" pitchFamily="34" charset="0"/>
+              </a:rPr>
+              <a:t>et indexation </a:t>
+            </a:r>
+            <a:r>
+              <a:rPr lang="fr-FR" dirty="0" err="1" smtClean="0">
+                <a:latin typeface="Calibri" panose="020F0502020204030204" pitchFamily="34" charset="0"/>
+                <a:cs typeface="Calibri" panose="020F0502020204030204" pitchFamily="34" charset="0"/>
+              </a:rPr>
+              <a:t>avanc</a:t>
+            </a:r>
+            <a:r>
+              <a:rPr lang="en-US" dirty="0" err="1" smtClean="0">
+                <a:latin typeface="Calibri" panose="020F0502020204030204" pitchFamily="34" charset="0"/>
+                <a:cs typeface="Calibri" panose="020F0502020204030204" pitchFamily="34" charset="0"/>
+              </a:rPr>
+              <a:t>ée</a:t>
+            </a:r>
+            <a:endParaRPr lang="en-US" dirty="0" smtClean="0">
+              <a:latin typeface="Calibri" panose="020F0502020204030204" pitchFamily="34" charset="0"/>
+              <a:cs typeface="Calibri" panose="020F0502020204030204" pitchFamily="34" charset="0"/>
+            </a:endParaRPr>
+          </a:p>
+          <a:p>
+            <a:pPr marL="609585" indent="-609585">
+              <a:buFont typeface="+mj-lt"/>
+              <a:buAutoNum type="arabicPeriod"/>
+            </a:pPr>
+            <a:r>
+              <a:rPr lang="fr-FR" dirty="0" err="1">
+                <a:latin typeface="Courier New" panose="02070309020205020404" pitchFamily="49" charset="0"/>
+                <a:cs typeface="Courier New" panose="02070309020205020404" pitchFamily="49" charset="0"/>
+              </a:rPr>
+              <a:t>numpy</a:t>
+            </a:r>
+            <a:r>
+              <a:rPr lang="fr-FR" dirty="0">
+                <a:latin typeface="Calibri" panose="020F0502020204030204" pitchFamily="34" charset="0"/>
+                <a:cs typeface="Calibri" panose="020F0502020204030204" pitchFamily="34" charset="0"/>
+              </a:rPr>
+              <a:t>: </a:t>
+            </a:r>
+            <a:r>
+              <a:rPr lang="en-US" dirty="0" err="1" smtClean="0">
+                <a:latin typeface="Calibri" panose="020F0502020204030204" pitchFamily="34" charset="0"/>
+                <a:cs typeface="Calibri" panose="020F0502020204030204" pitchFamily="34" charset="0"/>
+              </a:rPr>
+              <a:t>vectorisation</a:t>
+            </a:r>
+            <a:endParaRPr lang="en-US" dirty="0" smtClean="0">
+              <a:latin typeface="Calibri" panose="020F0502020204030204" pitchFamily="34" charset="0"/>
+              <a:cs typeface="Calibri" panose="020F0502020204030204" pitchFamily="34" charset="0"/>
+            </a:endParaRPr>
+          </a:p>
+          <a:p>
+            <a:pPr marL="609585" indent="-609585">
+              <a:buFont typeface="+mj-lt"/>
+              <a:buAutoNum type="arabicPeriod"/>
+            </a:pPr>
+            <a:r>
+              <a:rPr lang="fr-FR" b="1" dirty="0" err="1">
+                <a:latin typeface="Courier New" panose="02070309020205020404" pitchFamily="49" charset="0"/>
+                <a:cs typeface="Courier New" panose="02070309020205020404" pitchFamily="49" charset="0"/>
+              </a:rPr>
+              <a:t>numpy</a:t>
+            </a:r>
+            <a:r>
+              <a:rPr lang="fr-FR" b="1" dirty="0">
+                <a:latin typeface="Calibri" panose="020F0502020204030204" pitchFamily="34" charset="0"/>
+                <a:cs typeface="Calibri" panose="020F0502020204030204" pitchFamily="34" charset="0"/>
+              </a:rPr>
+              <a:t>: </a:t>
+            </a:r>
+            <a:r>
+              <a:rPr lang="en-US" b="1" i="1" dirty="0" smtClean="0">
+                <a:latin typeface="Calibri" panose="020F0502020204030204" pitchFamily="34" charset="0"/>
+                <a:cs typeface="Calibri" panose="020F0502020204030204" pitchFamily="34" charset="0"/>
+              </a:rPr>
+              <a:t>broadcasting</a:t>
+            </a:r>
+          </a:p>
+          <a:p>
+            <a:pPr marL="609585" indent="-609585">
+              <a:buFont typeface="+mj-lt"/>
+              <a:buAutoNum type="arabicPeriod"/>
+            </a:pPr>
+            <a:r>
+              <a:rPr lang="en-US" dirty="0" smtClean="0">
+                <a:latin typeface="Courier New" panose="02070309020205020404" pitchFamily="49" charset="0"/>
+                <a:ea typeface="Courier New" charset="0"/>
+                <a:cs typeface="Courier New" panose="02070309020205020404" pitchFamily="49" charset="0"/>
+              </a:rPr>
+              <a:t>pandas</a:t>
+            </a:r>
+            <a:r>
+              <a:rPr lang="en-US" dirty="0" smtClean="0">
+                <a:latin typeface="Calibri" panose="020F0502020204030204" pitchFamily="34" charset="0"/>
+                <a:cs typeface="Calibri" panose="020F0502020204030204" pitchFamily="34" charset="0"/>
+              </a:rPr>
+              <a:t>: introduction aux </a:t>
+            </a:r>
+            <a:r>
+              <a:rPr lang="en-US" dirty="0" smtClean="0">
+                <a:latin typeface="Courier New" panose="02070309020205020404" pitchFamily="49" charset="0"/>
+                <a:ea typeface="Courier New" charset="0"/>
+                <a:cs typeface="Courier New" panose="02070309020205020404" pitchFamily="49" charset="0"/>
+              </a:rPr>
+              <a:t>Series</a:t>
+            </a:r>
+            <a:r>
+              <a:rPr lang="en-US" dirty="0" smtClean="0">
+                <a:latin typeface="Calibri" panose="020F0502020204030204" pitchFamily="34" charset="0"/>
+                <a:cs typeface="Calibri" panose="020F0502020204030204" pitchFamily="34" charset="0"/>
+              </a:rPr>
+              <a:t> et aux indexes</a:t>
+            </a:r>
+          </a:p>
+          <a:p>
+            <a:pPr marL="609585" indent="-609585">
+              <a:buFont typeface="+mj-lt"/>
+              <a:buAutoNum type="arabicPeriod"/>
+            </a:pPr>
+            <a:r>
+              <a:rPr lang="en-US" dirty="0">
+                <a:latin typeface="Courier New" panose="02070309020205020404" pitchFamily="49" charset="0"/>
+                <a:ea typeface="Courier New" charset="0"/>
+                <a:cs typeface="Courier New" panose="02070309020205020404" pitchFamily="49" charset="0"/>
+              </a:rPr>
+              <a:t>pandas</a:t>
+            </a:r>
+            <a:r>
+              <a:rPr lang="en-US" dirty="0">
+                <a:latin typeface="Calibri" panose="020F0502020204030204" pitchFamily="34" charset="0"/>
+                <a:cs typeface="Calibri" panose="020F0502020204030204" pitchFamily="34" charset="0"/>
+              </a:rPr>
+              <a:t>: le </a:t>
+            </a:r>
+            <a:r>
+              <a:rPr lang="en-US" dirty="0" smtClean="0">
+                <a:latin typeface="Calibri" panose="020F0502020204030204" pitchFamily="34" charset="0"/>
+                <a:cs typeface="Calibri" panose="020F0502020204030204" pitchFamily="34" charset="0"/>
+              </a:rPr>
+              <a:t>type </a:t>
+            </a:r>
+            <a:r>
+              <a:rPr lang="en-US" dirty="0" err="1" smtClean="0">
+                <a:latin typeface="Courier New" panose="02070309020205020404" pitchFamily="49" charset="0"/>
+                <a:ea typeface="Courier New" charset="0"/>
+                <a:cs typeface="Courier New" panose="02070309020205020404" pitchFamily="49" charset="0"/>
+              </a:rPr>
+              <a:t>DataFrame</a:t>
+            </a:r>
+            <a:endParaRPr lang="en-US" dirty="0" smtClean="0">
+              <a:latin typeface="Courier New" panose="02070309020205020404" pitchFamily="49" charset="0"/>
+              <a:ea typeface="Courier New" charset="0"/>
+              <a:cs typeface="Courier New" panose="02070309020205020404" pitchFamily="49" charset="0"/>
+            </a:endParaRPr>
+          </a:p>
+          <a:p>
+            <a:pPr marL="609585" indent="-609585">
+              <a:buFont typeface="+mj-lt"/>
+              <a:buAutoNum type="arabicPeriod"/>
+            </a:pPr>
+            <a:r>
+              <a:rPr lang="en-US" dirty="0">
+                <a:latin typeface="Courier New" panose="02070309020205020404" pitchFamily="49" charset="0"/>
+                <a:ea typeface="Courier New" charset="0"/>
+                <a:cs typeface="Courier New" panose="02070309020205020404" pitchFamily="49" charset="0"/>
+              </a:rPr>
+              <a:t>pandas</a:t>
+            </a:r>
+            <a:r>
+              <a:rPr lang="en-US" dirty="0">
+                <a:latin typeface="Calibri" panose="020F0502020204030204" pitchFamily="34" charset="0"/>
+                <a:cs typeface="Calibri" panose="020F0502020204030204" pitchFamily="34" charset="0"/>
+              </a:rPr>
+              <a:t>: </a:t>
+            </a:r>
+            <a:r>
+              <a:rPr lang="en-US" dirty="0" err="1" smtClean="0">
+                <a:latin typeface="Calibri" panose="020F0502020204030204" pitchFamily="34" charset="0"/>
+                <a:cs typeface="Calibri" panose="020F0502020204030204" pitchFamily="34" charset="0"/>
+              </a:rPr>
+              <a:t>opérations</a:t>
+            </a:r>
+            <a:r>
+              <a:rPr lang="en-US" dirty="0" smtClean="0">
+                <a:latin typeface="Calibri" panose="020F0502020204030204" pitchFamily="34" charset="0"/>
+                <a:cs typeface="Calibri" panose="020F0502020204030204" pitchFamily="34" charset="0"/>
+              </a:rPr>
+              <a:t> </a:t>
+            </a:r>
+            <a:r>
+              <a:rPr lang="en-US" dirty="0" err="1" smtClean="0">
+                <a:latin typeface="Calibri" panose="020F0502020204030204" pitchFamily="34" charset="0"/>
+                <a:cs typeface="Calibri" panose="020F0502020204030204" pitchFamily="34" charset="0"/>
+              </a:rPr>
+              <a:t>avancées</a:t>
+            </a:r>
+            <a:endParaRPr lang="en-US" dirty="0" smtClean="0">
+              <a:latin typeface="Calibri" panose="020F0502020204030204" pitchFamily="34" charset="0"/>
+              <a:cs typeface="Calibri" panose="020F0502020204030204" pitchFamily="34" charset="0"/>
+            </a:endParaRPr>
+          </a:p>
+          <a:p>
+            <a:pPr marL="609585" indent="-609585">
+              <a:buFont typeface="+mj-lt"/>
+              <a:buAutoNum type="arabicPeriod"/>
+            </a:pPr>
+            <a:r>
+              <a:rPr lang="en-US" dirty="0">
+                <a:latin typeface="Courier New" panose="02070309020205020404" pitchFamily="49" charset="0"/>
+                <a:ea typeface="Courier New" charset="0"/>
+                <a:cs typeface="Courier New" panose="02070309020205020404" pitchFamily="49" charset="0"/>
+              </a:rPr>
+              <a:t>pandas</a:t>
+            </a:r>
+            <a:r>
+              <a:rPr lang="en-US" dirty="0">
+                <a:latin typeface="Calibri" panose="020F0502020204030204" pitchFamily="34" charset="0"/>
+                <a:cs typeface="Calibri" panose="020F0502020204030204" pitchFamily="34" charset="0"/>
+              </a:rPr>
+              <a:t>: </a:t>
+            </a:r>
+            <a:r>
+              <a:rPr lang="en-US" dirty="0" err="1" smtClean="0">
+                <a:latin typeface="Calibri" panose="020F0502020204030204" pitchFamily="34" charset="0"/>
+                <a:cs typeface="Calibri" panose="020F0502020204030204" pitchFamily="34" charset="0"/>
+              </a:rPr>
+              <a:t>gestion</a:t>
+            </a:r>
+            <a:r>
+              <a:rPr lang="en-US" dirty="0" smtClean="0">
+                <a:latin typeface="Calibri" panose="020F0502020204030204" pitchFamily="34" charset="0"/>
+                <a:cs typeface="Calibri" panose="020F0502020204030204" pitchFamily="34" charset="0"/>
+              </a:rPr>
+              <a:t> des dates </a:t>
+            </a:r>
+            <a:r>
+              <a:rPr lang="en-US" dirty="0" smtClean="0">
+                <a:latin typeface="Calibri" panose="020F0502020204030204" pitchFamily="34" charset="0"/>
+                <a:cs typeface="Calibri" panose="020F0502020204030204" pitchFamily="34" charset="0"/>
+              </a:rPr>
+              <a:t>et des </a:t>
+            </a:r>
+            <a:r>
+              <a:rPr lang="en-US" dirty="0" err="1" smtClean="0">
+                <a:latin typeface="Calibri" panose="020F0502020204030204" pitchFamily="34" charset="0"/>
+                <a:cs typeface="Calibri" panose="020F0502020204030204" pitchFamily="34" charset="0"/>
+              </a:rPr>
+              <a:t>séries</a:t>
+            </a:r>
+            <a:r>
+              <a:rPr lang="en-US" dirty="0" smtClean="0">
+                <a:latin typeface="Calibri" panose="020F0502020204030204" pitchFamily="34" charset="0"/>
+                <a:cs typeface="Calibri" panose="020F0502020204030204" pitchFamily="34" charset="0"/>
+              </a:rPr>
+              <a:t> </a:t>
+            </a:r>
+            <a:r>
+              <a:rPr lang="en-US" dirty="0" err="1" smtClean="0">
+                <a:latin typeface="Calibri" panose="020F0502020204030204" pitchFamily="34" charset="0"/>
+                <a:cs typeface="Calibri" panose="020F0502020204030204" pitchFamily="34" charset="0"/>
+              </a:rPr>
+              <a:t>temporelles</a:t>
+            </a:r>
+            <a:endParaRPr lang="fr-FR" dirty="0">
+              <a:latin typeface="Calibri" panose="020F0502020204030204" pitchFamily="34" charset="0"/>
+              <a:cs typeface="Calibri" panose="020F0502020204030204" pitchFamily="34" charset="0"/>
+            </a:endParaRPr>
+          </a:p>
+        </p:txBody>
+      </p:sp>
+      <p:sp>
+        <p:nvSpPr>
+          <p:cNvPr id="12" name="Arrondir un rectangle avec un coin du même côté 8"/>
+          <p:cNvSpPr/>
+          <p:nvPr/>
+        </p:nvSpPr>
+        <p:spPr>
+          <a:xfrm>
+            <a:off x="33374" y="5822684"/>
+            <a:ext cx="2531337" cy="1009141"/>
+          </a:xfrm>
+          <a:prstGeom prst="round2SameRect">
+            <a:avLst/>
+          </a:prstGeom>
+          <a:solidFill>
+            <a:srgbClr val="E1001A"/>
+          </a:solidFill>
+          <a:ln>
+            <a:noFill/>
+          </a:ln>
+          <a:effectLst>
+            <a:outerShdw blurRad="50800" dist="38100" algn="l" rotWithShape="0">
+              <a:prstClr val="black">
+                <a:alpha val="40000"/>
+              </a:prstClr>
+            </a:outerShdw>
+          </a:effectLst>
+        </p:spPr>
+        <p:style>
+          <a:lnRef idx="1">
+            <a:schemeClr val="accent1"/>
+          </a:lnRef>
+          <a:fillRef idx="3">
+            <a:schemeClr val="accent1"/>
+          </a:fillRef>
+          <a:effectRef idx="2">
+            <a:schemeClr val="accent1"/>
+          </a:effectRef>
+          <a:fontRef idx="minor">
+            <a:schemeClr val="lt1"/>
+          </a:fontRef>
+        </p:style>
+        <p:txBody>
+          <a:bodyPr rtlCol="0" anchor="ctr"/>
+          <a:lstStyle/>
+          <a:p>
+            <a:pPr algn="ctr"/>
+            <a:endParaRPr lang="fr-FR" sz="2133" dirty="0">
+              <a:solidFill>
+                <a:srgbClr val="FFFFFF"/>
+              </a:solidFill>
+            </a:endParaRPr>
+          </a:p>
+        </p:txBody>
+      </p:sp>
+      <p:sp>
+        <p:nvSpPr>
+          <p:cNvPr id="13" name="Espace réservé du contenu 4"/>
+          <p:cNvSpPr txBox="1">
+            <a:spLocks/>
+          </p:cNvSpPr>
+          <p:nvPr/>
+        </p:nvSpPr>
+        <p:spPr>
+          <a:xfrm>
+            <a:off x="-16625" y="5881602"/>
+            <a:ext cx="3913481" cy="959656"/>
+          </a:xfrm>
+          <a:prstGeom prst="rect">
+            <a:avLst/>
+          </a:prstGeom>
+        </p:spPr>
+        <p:txBody>
+          <a:bodyPr/>
+          <a:lstStyle>
+            <a:lvl1pPr marL="180975" indent="-180975" algn="l" defTabSz="457200" rtl="0" eaLnBrk="1" latinLnBrk="0" hangingPunct="1">
+              <a:spcBef>
+                <a:spcPct val="20000"/>
+              </a:spcBef>
+              <a:buClr>
+                <a:srgbClr val="D3001C"/>
+              </a:buClr>
+              <a:buFont typeface="Arial"/>
+              <a:buChar char="•"/>
+              <a:defRPr lang="fr-FR" sz="1800" kern="0" dirty="0" smtClean="0">
+                <a:solidFill>
+                  <a:srgbClr val="606060"/>
+                </a:solidFill>
+                <a:latin typeface="Arial"/>
+                <a:ea typeface="ＭＳ Ｐゴシック" pitchFamily="23" charset="-128"/>
+                <a:cs typeface="Arial"/>
+              </a:defRPr>
+            </a:lvl1pPr>
+            <a:lvl2pPr marL="742950" indent="-285750" algn="l" defTabSz="457200" rtl="0" eaLnBrk="1" latinLnBrk="0" hangingPunct="1">
+              <a:spcBef>
+                <a:spcPct val="20000"/>
+              </a:spcBef>
+              <a:buFont typeface="Arial"/>
+              <a:buChar char="–"/>
+              <a:defRPr lang="fr-FR" sz="2800" kern="0" dirty="0" smtClean="0">
+                <a:solidFill>
+                  <a:srgbClr val="606060"/>
+                </a:solidFill>
+                <a:latin typeface="+mn-lt"/>
+                <a:ea typeface="ＭＳ Ｐゴシック" pitchFamily="23" charset="-128"/>
+                <a:cs typeface="+mn-cs"/>
+              </a:defRPr>
+            </a:lvl2pPr>
+            <a:lvl3pPr marL="1143000" indent="-228600" algn="l" defTabSz="457200" rtl="0" eaLnBrk="1" latinLnBrk="0" hangingPunct="1">
+              <a:spcBef>
+                <a:spcPct val="20000"/>
+              </a:spcBef>
+              <a:buFont typeface="Arial"/>
+              <a:buChar char="•"/>
+              <a:defRPr sz="2400" kern="1200">
+                <a:solidFill>
+                  <a:schemeClr val="tx1"/>
+                </a:solidFill>
+                <a:latin typeface="+mn-lt"/>
+                <a:ea typeface="+mn-ea"/>
+                <a:cs typeface="+mn-cs"/>
+              </a:defRPr>
+            </a:lvl3pPr>
+            <a:lvl4pPr marL="1600200" indent="-228600" algn="l" defTabSz="457200" rtl="0" eaLnBrk="1" latinLnBrk="0" hangingPunct="1">
+              <a:spcBef>
+                <a:spcPct val="20000"/>
+              </a:spcBef>
+              <a:buFont typeface="Arial"/>
+              <a:buChar char="–"/>
+              <a:defRPr sz="2000" kern="1200">
+                <a:solidFill>
+                  <a:schemeClr val="tx1"/>
+                </a:solidFill>
+                <a:latin typeface="+mn-lt"/>
+                <a:ea typeface="+mn-ea"/>
+                <a:cs typeface="+mn-cs"/>
+              </a:defRPr>
+            </a:lvl4pPr>
+            <a:lvl5pPr marL="446088" indent="-228600" algn="l" defTabSz="457200" rtl="0" eaLnBrk="1" latinLnBrk="0" hangingPunct="1">
+              <a:spcBef>
+                <a:spcPct val="20000"/>
+              </a:spcBef>
+              <a:buClr>
+                <a:srgbClr val="D3001C"/>
+              </a:buClr>
+              <a:buFont typeface="Arial"/>
+              <a:buChar char="»"/>
+              <a:tabLst/>
+              <a:defRPr lang="fr-FR" sz="1600" kern="0" baseline="0" dirty="0" smtClean="0">
+                <a:solidFill>
+                  <a:srgbClr val="606060"/>
+                </a:solidFill>
+                <a:latin typeface="Arial"/>
+                <a:ea typeface="ＭＳ Ｐゴシック" pitchFamily="23" charset="-128"/>
+                <a:cs typeface="Arial"/>
+              </a:defRPr>
+            </a:lvl5pPr>
+            <a:lvl6pPr marL="2514600" indent="-228600" algn="l" defTabSz="457200" rtl="0" eaLnBrk="1" latinLnBrk="0" hangingPunct="1">
+              <a:spcBef>
+                <a:spcPct val="20000"/>
+              </a:spcBef>
+              <a:buFont typeface="Arial"/>
+              <a:buChar char="•"/>
+              <a:defRPr sz="2000" kern="1200">
+                <a:solidFill>
+                  <a:schemeClr val="tx1"/>
+                </a:solidFill>
+                <a:latin typeface="+mn-lt"/>
+                <a:ea typeface="+mn-ea"/>
+                <a:cs typeface="+mn-cs"/>
+              </a:defRPr>
+            </a:lvl6pPr>
+            <a:lvl7pPr marL="2971800" indent="-228600" algn="l" defTabSz="457200" rtl="0" eaLnBrk="1" latinLnBrk="0" hangingPunct="1">
+              <a:spcBef>
+                <a:spcPct val="20000"/>
+              </a:spcBef>
+              <a:buFont typeface="Arial"/>
+              <a:buChar char="•"/>
+              <a:defRPr sz="2000" kern="1200">
+                <a:solidFill>
+                  <a:schemeClr val="tx1"/>
+                </a:solidFill>
+                <a:latin typeface="+mn-lt"/>
+                <a:ea typeface="+mn-ea"/>
+                <a:cs typeface="+mn-cs"/>
+              </a:defRPr>
+            </a:lvl7pPr>
+            <a:lvl8pPr marL="3429000" indent="-228600" algn="l" defTabSz="457200" rtl="0" eaLnBrk="1" latinLnBrk="0" hangingPunct="1">
+              <a:spcBef>
+                <a:spcPct val="20000"/>
+              </a:spcBef>
+              <a:buFont typeface="Arial"/>
+              <a:buChar char="•"/>
+              <a:defRPr sz="2000" kern="1200">
+                <a:solidFill>
+                  <a:schemeClr val="tx1"/>
+                </a:solidFill>
+                <a:latin typeface="+mn-lt"/>
+                <a:ea typeface="+mn-ea"/>
+                <a:cs typeface="+mn-cs"/>
+              </a:defRPr>
+            </a:lvl8pPr>
+            <a:lvl9pPr marL="3886200" indent="-228600" algn="l" defTabSz="457200" rtl="0" eaLnBrk="1" latinLnBrk="0" hangingPunct="1">
+              <a:spcBef>
+                <a:spcPct val="20000"/>
+              </a:spcBef>
+              <a:buFont typeface="Arial"/>
+              <a:buChar char="•"/>
+              <a:defRPr sz="2000" kern="1200">
+                <a:solidFill>
+                  <a:schemeClr val="tx1"/>
+                </a:solidFill>
+                <a:latin typeface="+mn-lt"/>
+                <a:ea typeface="+mn-ea"/>
+                <a:cs typeface="+mn-cs"/>
+              </a:defRPr>
+            </a:lvl9pPr>
+          </a:lstStyle>
+          <a:p>
+            <a:pPr marL="0" indent="0">
+              <a:buNone/>
+            </a:pPr>
+            <a:r>
+              <a:rPr lang="fr-FR" sz="2300" dirty="0" smtClean="0">
+                <a:solidFill>
+                  <a:schemeClr val="bg1"/>
+                </a:solidFill>
+              </a:rPr>
+              <a:t>   Arnaud Legout</a:t>
+            </a:r>
+            <a:endParaRPr lang="fr-FR" sz="2300" dirty="0">
+              <a:solidFill>
+                <a:schemeClr val="bg1"/>
+              </a:solidFill>
+            </a:endParaRPr>
+          </a:p>
+        </p:txBody>
+      </p:sp>
+      <p:pic>
+        <p:nvPicPr>
+          <p:cNvPr id="4" name="Image 3"/>
+          <p:cNvPicPr>
+            <a:picLocks noChangeAspect="1"/>
+          </p:cNvPicPr>
+          <p:nvPr/>
+        </p:nvPicPr>
+        <p:blipFill>
+          <a:blip r:embed="rId3">
+            <a:extLst>
+              <a:ext uri="{28A0092B-C50C-407E-A947-70E740481C1C}">
+                <a14:useLocalDpi xmlns:a14="http://schemas.microsoft.com/office/drawing/2010/main" val="0"/>
+              </a:ext>
+            </a:extLst>
+          </a:blip>
+          <a:stretch>
+            <a:fillRect/>
+          </a:stretch>
+        </p:blipFill>
+        <p:spPr>
+          <a:xfrm>
+            <a:off x="689442" y="6291135"/>
+            <a:ext cx="1190649" cy="515948"/>
+          </a:xfrm>
+          <a:prstGeom prst="rect">
+            <a:avLst/>
+          </a:prstGeom>
+        </p:spPr>
+      </p:pic>
+    </p:spTree>
+    <p:extLst>
+      <p:ext uri="{BB962C8B-B14F-4D97-AF65-F5344CB8AC3E}">
+        <p14:creationId xmlns:p14="http://schemas.microsoft.com/office/powerpoint/2010/main" val="988835460"/>
+      </p:ext>
+    </p:extLst>
+  </p:cSld>
+  <p:clrMapOvr>
+    <a:masterClrMapping/>
+  </p:clrMapOvr>
+  <p:timing>
+    <p:tnLst>
+      <p:par>
+        <p:cTn id="1" dur="indefinite" restart="never" nodeType="tmRoot"/>
+      </p:par>
+    </p:tnLst>
+  </p:timing>
+</p:sld>
+</file>
+
+<file path=ppt/slides/slide7.xml><?xml version="1.0" encoding="utf-8"?>
+<p:sld xmlns:a="http://schemas.openxmlformats.org/drawingml/2006/main" xmlns:r="http://schemas.openxmlformats.org/officeDocument/2006/relationships" xmlns:p="http://schemas.openxmlformats.org/presentationml/2006/main">
+  <p:cSld>
+    <p:spTree>
+      <p:nvGrpSpPr>
+        <p:cNvPr id="1" name=""/>
+        <p:cNvGrpSpPr/>
+        <p:nvPr/>
+      </p:nvGrpSpPr>
+      <p:grpSpPr>
+        <a:xfrm>
+          <a:off x="0" y="0"/>
+          <a:ext cx="0" cy="0"/>
+          <a:chOff x="0" y="0"/>
+          <a:chExt cx="0" cy="0"/>
+        </a:xfrm>
+      </p:grpSpPr>
+      <p:sp>
+        <p:nvSpPr>
+          <p:cNvPr id="3" name="Titre 2"/>
+          <p:cNvSpPr>
+            <a:spLocks noGrp="1"/>
+          </p:cNvSpPr>
+          <p:nvPr>
+            <p:ph type="title"/>
+          </p:nvPr>
+        </p:nvSpPr>
+        <p:spPr/>
+        <p:txBody>
+          <a:bodyPr>
+            <a:noAutofit/>
+          </a:bodyPr>
+          <a:lstStyle/>
+          <a:p>
+            <a:r>
+              <a:rPr lang="fr-FR" dirty="0">
+                <a:latin typeface="Calibri" panose="020F0502020204030204" pitchFamily="34" charset="0"/>
+                <a:cs typeface="Calibri" panose="020F0502020204030204" pitchFamily="34" charset="0"/>
+              </a:rPr>
+              <a:t>Semaine 7. L'écosystème data science Python</a:t>
+            </a:r>
+            <a:br>
+              <a:rPr lang="fr-FR" dirty="0">
+                <a:latin typeface="Calibri" panose="020F0502020204030204" pitchFamily="34" charset="0"/>
+                <a:cs typeface="Calibri" panose="020F0502020204030204" pitchFamily="34" charset="0"/>
+              </a:rPr>
+            </a:br>
+            <a:endParaRPr lang="fr-FR" dirty="0">
+              <a:latin typeface="Calibri" panose="020F0502020204030204" pitchFamily="34" charset="0"/>
+              <a:cs typeface="Calibri" panose="020F0502020204030204" pitchFamily="34" charset="0"/>
+            </a:endParaRPr>
+          </a:p>
+        </p:txBody>
+      </p:sp>
+      <p:sp>
+        <p:nvSpPr>
+          <p:cNvPr id="8" name="Espace réservé du texte 7"/>
+          <p:cNvSpPr>
+            <a:spLocks noGrp="1"/>
+          </p:cNvSpPr>
+          <p:nvPr>
+            <p:ph type="body" sz="quarter" idx="12"/>
+          </p:nvPr>
+        </p:nvSpPr>
+        <p:spPr>
+          <a:xfrm>
+            <a:off x="1782709" y="6384935"/>
+            <a:ext cx="10040047" cy="690832"/>
+          </a:xfrm>
+        </p:spPr>
+        <p:txBody>
+          <a:bodyPr/>
+          <a:lstStyle/>
+          <a:p>
+            <a:r>
+              <a:rPr lang="fr-FR" dirty="0"/>
+              <a:t>Python 3 : des fondamentaux aux concepts avancés du langage</a:t>
+            </a:r>
+          </a:p>
+        </p:txBody>
+      </p:sp>
+      <p:sp>
+        <p:nvSpPr>
+          <p:cNvPr id="11" name="Espace réservé du texte 10"/>
+          <p:cNvSpPr>
+            <a:spLocks noGrp="1"/>
+          </p:cNvSpPr>
+          <p:nvPr>
+            <p:ph type="body" sz="quarter" idx="10"/>
+          </p:nvPr>
+        </p:nvSpPr>
+        <p:spPr>
+          <a:xfrm>
+            <a:off x="2928079" y="1047979"/>
+            <a:ext cx="9263921" cy="5318837"/>
+          </a:xfrm>
+        </p:spPr>
+        <p:txBody>
+          <a:bodyPr>
+            <a:normAutofit lnSpcReduction="10000"/>
+          </a:bodyPr>
+          <a:lstStyle/>
+          <a:p>
+            <a:pPr marL="609585" indent="-609585">
+              <a:buFont typeface="+mj-lt"/>
+              <a:buAutoNum type="arabicPeriod"/>
+            </a:pPr>
+            <a:r>
+              <a:rPr lang="fr-FR" dirty="0" smtClean="0">
+                <a:latin typeface="Calibri" panose="020F0502020204030204" pitchFamily="34" charset="0"/>
+                <a:cs typeface="Calibri" panose="020F0502020204030204" pitchFamily="34" charset="0"/>
+              </a:rPr>
+              <a:t>Pr</a:t>
+            </a:r>
+            <a:r>
+              <a:rPr lang="en-US" dirty="0" err="1" smtClean="0">
+                <a:latin typeface="Calibri" panose="020F0502020204030204" pitchFamily="34" charset="0"/>
+                <a:cs typeface="Calibri" panose="020F0502020204030204" pitchFamily="34" charset="0"/>
+              </a:rPr>
+              <a:t>ésentation</a:t>
+            </a:r>
+            <a:r>
+              <a:rPr lang="en-US" dirty="0" smtClean="0">
+                <a:latin typeface="Calibri" panose="020F0502020204030204" pitchFamily="34" charset="0"/>
+                <a:cs typeface="Calibri" panose="020F0502020204030204" pitchFamily="34" charset="0"/>
+              </a:rPr>
+              <a:t> </a:t>
+            </a:r>
+            <a:r>
+              <a:rPr lang="en-US" dirty="0" err="1" smtClean="0">
+                <a:latin typeface="Calibri" panose="020F0502020204030204" pitchFamily="34" charset="0"/>
+                <a:cs typeface="Calibri" panose="020F0502020204030204" pitchFamily="34" charset="0"/>
+              </a:rPr>
+              <a:t>générale</a:t>
+            </a:r>
+            <a:endParaRPr lang="fr-FR" dirty="0">
+              <a:latin typeface="Calibri" panose="020F0502020204030204" pitchFamily="34" charset="0"/>
+              <a:cs typeface="Calibri" panose="020F0502020204030204" pitchFamily="34" charset="0"/>
+            </a:endParaRPr>
+          </a:p>
+          <a:p>
+            <a:pPr marL="609585" indent="-609585">
+              <a:buFont typeface="+mj-lt"/>
+              <a:buAutoNum type="arabicPeriod"/>
+            </a:pPr>
+            <a:r>
+              <a:rPr lang="fr-FR" dirty="0" err="1" smtClean="0">
+                <a:latin typeface="Courier New" panose="02070309020205020404" pitchFamily="49" charset="0"/>
+                <a:cs typeface="Courier New" panose="02070309020205020404" pitchFamily="49" charset="0"/>
+              </a:rPr>
+              <a:t>numpy</a:t>
+            </a:r>
+            <a:r>
+              <a:rPr lang="fr-FR" dirty="0" smtClean="0">
+                <a:latin typeface="Calibri" panose="020F0502020204030204" pitchFamily="34" charset="0"/>
+                <a:cs typeface="Calibri" panose="020F0502020204030204" pitchFamily="34" charset="0"/>
+              </a:rPr>
+              <a:t>: le type </a:t>
+            </a:r>
+            <a:r>
+              <a:rPr lang="fr-FR" dirty="0" err="1" smtClean="0">
+                <a:latin typeface="Courier New" panose="02070309020205020404" pitchFamily="49" charset="0"/>
+                <a:ea typeface="Courier New" charset="0"/>
+                <a:cs typeface="Courier New" panose="02070309020205020404" pitchFamily="49" charset="0"/>
+              </a:rPr>
+              <a:t>ndarray</a:t>
+            </a:r>
+            <a:r>
+              <a:rPr lang="fr-FR" dirty="0" smtClean="0">
+                <a:latin typeface="Calibri" panose="020F0502020204030204" pitchFamily="34" charset="0"/>
+                <a:cs typeface="Calibri" panose="020F0502020204030204" pitchFamily="34" charset="0"/>
+              </a:rPr>
+              <a:t> </a:t>
+            </a:r>
+          </a:p>
+          <a:p>
+            <a:pPr marL="609585" indent="-609585">
+              <a:buFont typeface="+mj-lt"/>
+              <a:buAutoNum type="arabicPeriod"/>
+            </a:pPr>
+            <a:r>
+              <a:rPr lang="fr-FR" dirty="0" err="1">
+                <a:latin typeface="Courier New" panose="02070309020205020404" pitchFamily="49" charset="0"/>
+                <a:cs typeface="Courier New" panose="02070309020205020404" pitchFamily="49" charset="0"/>
+              </a:rPr>
+              <a:t>numpy</a:t>
+            </a:r>
+            <a:r>
+              <a:rPr lang="fr-FR" dirty="0">
+                <a:latin typeface="Calibri" panose="020F0502020204030204" pitchFamily="34" charset="0"/>
+                <a:cs typeface="Calibri" panose="020F0502020204030204" pitchFamily="34" charset="0"/>
+              </a:rPr>
+              <a:t>: </a:t>
+            </a:r>
+            <a:r>
+              <a:rPr lang="fr-FR" i="1" dirty="0" err="1" smtClean="0">
+                <a:latin typeface="Calibri" panose="020F0502020204030204" pitchFamily="34" charset="0"/>
+                <a:cs typeface="Calibri" panose="020F0502020204030204" pitchFamily="34" charset="0"/>
+              </a:rPr>
+              <a:t>slicing</a:t>
+            </a:r>
+            <a:r>
+              <a:rPr lang="fr-FR" dirty="0" smtClean="0">
+                <a:latin typeface="Calibri" panose="020F0502020204030204" pitchFamily="34" charset="0"/>
+                <a:cs typeface="Calibri" panose="020F0502020204030204" pitchFamily="34" charset="0"/>
+              </a:rPr>
+              <a:t>, </a:t>
+            </a:r>
+            <a:r>
+              <a:rPr lang="fr-FR" i="1" dirty="0" err="1" smtClean="0">
+                <a:latin typeface="Calibri" panose="020F0502020204030204" pitchFamily="34" charset="0"/>
+                <a:cs typeface="Calibri" panose="020F0502020204030204" pitchFamily="34" charset="0"/>
+              </a:rPr>
+              <a:t>reshaping</a:t>
+            </a:r>
+            <a:r>
+              <a:rPr lang="fr-FR" i="1" dirty="0" smtClean="0">
+                <a:latin typeface="Calibri" panose="020F0502020204030204" pitchFamily="34" charset="0"/>
+                <a:cs typeface="Calibri" panose="020F0502020204030204" pitchFamily="34" charset="0"/>
+              </a:rPr>
+              <a:t> </a:t>
+            </a:r>
+            <a:r>
+              <a:rPr lang="fr-FR" dirty="0" smtClean="0">
+                <a:latin typeface="Calibri" panose="020F0502020204030204" pitchFamily="34" charset="0"/>
+                <a:cs typeface="Calibri" panose="020F0502020204030204" pitchFamily="34" charset="0"/>
+              </a:rPr>
+              <a:t>et indexation </a:t>
+            </a:r>
+            <a:r>
+              <a:rPr lang="fr-FR" dirty="0" err="1" smtClean="0">
+                <a:latin typeface="Calibri" panose="020F0502020204030204" pitchFamily="34" charset="0"/>
+                <a:cs typeface="Calibri" panose="020F0502020204030204" pitchFamily="34" charset="0"/>
+              </a:rPr>
+              <a:t>avanc</a:t>
+            </a:r>
+            <a:r>
+              <a:rPr lang="en-US" dirty="0" err="1" smtClean="0">
+                <a:latin typeface="Calibri" panose="020F0502020204030204" pitchFamily="34" charset="0"/>
+                <a:cs typeface="Calibri" panose="020F0502020204030204" pitchFamily="34" charset="0"/>
+              </a:rPr>
+              <a:t>ée</a:t>
+            </a:r>
+            <a:endParaRPr lang="en-US" dirty="0" smtClean="0">
+              <a:latin typeface="Calibri" panose="020F0502020204030204" pitchFamily="34" charset="0"/>
+              <a:cs typeface="Calibri" panose="020F0502020204030204" pitchFamily="34" charset="0"/>
+            </a:endParaRPr>
+          </a:p>
+          <a:p>
+            <a:pPr marL="609585" indent="-609585">
+              <a:buFont typeface="+mj-lt"/>
+              <a:buAutoNum type="arabicPeriod"/>
+            </a:pPr>
+            <a:r>
+              <a:rPr lang="fr-FR" dirty="0" err="1">
+                <a:latin typeface="Courier New" panose="02070309020205020404" pitchFamily="49" charset="0"/>
+                <a:cs typeface="Courier New" panose="02070309020205020404" pitchFamily="49" charset="0"/>
+              </a:rPr>
+              <a:t>numpy</a:t>
+            </a:r>
+            <a:r>
+              <a:rPr lang="fr-FR" dirty="0">
+                <a:latin typeface="Calibri" panose="020F0502020204030204" pitchFamily="34" charset="0"/>
+                <a:cs typeface="Calibri" panose="020F0502020204030204" pitchFamily="34" charset="0"/>
+              </a:rPr>
+              <a:t>: </a:t>
+            </a:r>
+            <a:r>
+              <a:rPr lang="en-US" dirty="0" err="1" smtClean="0">
+                <a:latin typeface="Calibri" panose="020F0502020204030204" pitchFamily="34" charset="0"/>
+                <a:cs typeface="Calibri" panose="020F0502020204030204" pitchFamily="34" charset="0"/>
+              </a:rPr>
+              <a:t>vectorisation</a:t>
+            </a:r>
+            <a:endParaRPr lang="en-US" dirty="0" smtClean="0">
+              <a:latin typeface="Calibri" panose="020F0502020204030204" pitchFamily="34" charset="0"/>
+              <a:cs typeface="Calibri" panose="020F0502020204030204" pitchFamily="34" charset="0"/>
+            </a:endParaRPr>
+          </a:p>
+          <a:p>
+            <a:pPr marL="609585" indent="-609585">
+              <a:buFont typeface="+mj-lt"/>
+              <a:buAutoNum type="arabicPeriod"/>
+            </a:pPr>
+            <a:r>
+              <a:rPr lang="fr-FR" dirty="0" err="1">
+                <a:latin typeface="Courier New" panose="02070309020205020404" pitchFamily="49" charset="0"/>
+                <a:cs typeface="Courier New" panose="02070309020205020404" pitchFamily="49" charset="0"/>
+              </a:rPr>
+              <a:t>numpy</a:t>
+            </a:r>
+            <a:r>
+              <a:rPr lang="fr-FR" dirty="0">
+                <a:latin typeface="Calibri" panose="020F0502020204030204" pitchFamily="34" charset="0"/>
+                <a:cs typeface="Calibri" panose="020F0502020204030204" pitchFamily="34" charset="0"/>
+              </a:rPr>
+              <a:t>: </a:t>
+            </a:r>
+            <a:r>
+              <a:rPr lang="en-US" i="1" dirty="0" smtClean="0">
+                <a:latin typeface="Calibri" panose="020F0502020204030204" pitchFamily="34" charset="0"/>
+                <a:cs typeface="Calibri" panose="020F0502020204030204" pitchFamily="34" charset="0"/>
+              </a:rPr>
+              <a:t>broadcasting</a:t>
+            </a:r>
+          </a:p>
+          <a:p>
+            <a:pPr marL="609585" indent="-609585">
+              <a:buFont typeface="+mj-lt"/>
+              <a:buAutoNum type="arabicPeriod"/>
+            </a:pPr>
+            <a:r>
+              <a:rPr lang="en-US" b="1" dirty="0" smtClean="0">
+                <a:latin typeface="Courier New" panose="02070309020205020404" pitchFamily="49" charset="0"/>
+                <a:ea typeface="Courier New" charset="0"/>
+                <a:cs typeface="Courier New" panose="02070309020205020404" pitchFamily="49" charset="0"/>
+              </a:rPr>
+              <a:t>pandas</a:t>
+            </a:r>
+            <a:r>
+              <a:rPr lang="en-US" b="1" dirty="0" smtClean="0">
+                <a:latin typeface="Calibri" panose="020F0502020204030204" pitchFamily="34" charset="0"/>
+                <a:cs typeface="Calibri" panose="020F0502020204030204" pitchFamily="34" charset="0"/>
+              </a:rPr>
+              <a:t>: introduction aux </a:t>
+            </a:r>
+            <a:r>
+              <a:rPr lang="en-US" b="1" dirty="0" smtClean="0">
+                <a:latin typeface="Courier New" panose="02070309020205020404" pitchFamily="49" charset="0"/>
+                <a:ea typeface="Courier New" charset="0"/>
+                <a:cs typeface="Courier New" panose="02070309020205020404" pitchFamily="49" charset="0"/>
+              </a:rPr>
+              <a:t>Series</a:t>
+            </a:r>
+            <a:r>
+              <a:rPr lang="en-US" b="1" dirty="0" smtClean="0">
+                <a:latin typeface="Calibri" panose="020F0502020204030204" pitchFamily="34" charset="0"/>
+                <a:cs typeface="Calibri" panose="020F0502020204030204" pitchFamily="34" charset="0"/>
+              </a:rPr>
+              <a:t> et aux indexes</a:t>
+            </a:r>
+          </a:p>
+          <a:p>
+            <a:pPr marL="609585" indent="-609585">
+              <a:buFont typeface="+mj-lt"/>
+              <a:buAutoNum type="arabicPeriod"/>
+            </a:pPr>
+            <a:r>
+              <a:rPr lang="en-US" dirty="0">
+                <a:latin typeface="Courier New" panose="02070309020205020404" pitchFamily="49" charset="0"/>
+                <a:ea typeface="Courier New" charset="0"/>
+                <a:cs typeface="Courier New" panose="02070309020205020404" pitchFamily="49" charset="0"/>
+              </a:rPr>
+              <a:t>pandas</a:t>
+            </a:r>
+            <a:r>
+              <a:rPr lang="en-US" dirty="0">
+                <a:latin typeface="Calibri" panose="020F0502020204030204" pitchFamily="34" charset="0"/>
+                <a:cs typeface="Calibri" panose="020F0502020204030204" pitchFamily="34" charset="0"/>
+              </a:rPr>
+              <a:t>: le </a:t>
+            </a:r>
+            <a:r>
+              <a:rPr lang="en-US" dirty="0" smtClean="0">
+                <a:latin typeface="Calibri" panose="020F0502020204030204" pitchFamily="34" charset="0"/>
+                <a:cs typeface="Calibri" panose="020F0502020204030204" pitchFamily="34" charset="0"/>
+              </a:rPr>
+              <a:t>type </a:t>
+            </a:r>
+            <a:r>
+              <a:rPr lang="en-US" dirty="0" err="1" smtClean="0">
+                <a:latin typeface="Courier New" panose="02070309020205020404" pitchFamily="49" charset="0"/>
+                <a:ea typeface="Courier New" charset="0"/>
+                <a:cs typeface="Courier New" panose="02070309020205020404" pitchFamily="49" charset="0"/>
+              </a:rPr>
+              <a:t>DataFrame</a:t>
+            </a:r>
+            <a:endParaRPr lang="en-US" dirty="0" smtClean="0">
+              <a:latin typeface="Courier New" panose="02070309020205020404" pitchFamily="49" charset="0"/>
+              <a:ea typeface="Courier New" charset="0"/>
+              <a:cs typeface="Courier New" panose="02070309020205020404" pitchFamily="49" charset="0"/>
+            </a:endParaRPr>
+          </a:p>
+          <a:p>
+            <a:pPr marL="609585" indent="-609585">
+              <a:buFont typeface="+mj-lt"/>
+              <a:buAutoNum type="arabicPeriod"/>
+            </a:pPr>
+            <a:r>
+              <a:rPr lang="en-US" dirty="0">
+                <a:latin typeface="Courier New" panose="02070309020205020404" pitchFamily="49" charset="0"/>
+                <a:ea typeface="Courier New" charset="0"/>
+                <a:cs typeface="Courier New" panose="02070309020205020404" pitchFamily="49" charset="0"/>
+              </a:rPr>
+              <a:t>pandas</a:t>
+            </a:r>
+            <a:r>
+              <a:rPr lang="en-US" dirty="0">
+                <a:latin typeface="Calibri" panose="020F0502020204030204" pitchFamily="34" charset="0"/>
+                <a:cs typeface="Calibri" panose="020F0502020204030204" pitchFamily="34" charset="0"/>
+              </a:rPr>
+              <a:t>: </a:t>
+            </a:r>
+            <a:r>
+              <a:rPr lang="en-US" dirty="0" err="1" smtClean="0">
+                <a:latin typeface="Calibri" panose="020F0502020204030204" pitchFamily="34" charset="0"/>
+                <a:cs typeface="Calibri" panose="020F0502020204030204" pitchFamily="34" charset="0"/>
+              </a:rPr>
+              <a:t>opérations</a:t>
+            </a:r>
+            <a:r>
+              <a:rPr lang="en-US" dirty="0" smtClean="0">
+                <a:latin typeface="Calibri" panose="020F0502020204030204" pitchFamily="34" charset="0"/>
+                <a:cs typeface="Calibri" panose="020F0502020204030204" pitchFamily="34" charset="0"/>
+              </a:rPr>
+              <a:t> </a:t>
+            </a:r>
+            <a:r>
+              <a:rPr lang="en-US" dirty="0" err="1" smtClean="0">
+                <a:latin typeface="Calibri" panose="020F0502020204030204" pitchFamily="34" charset="0"/>
+                <a:cs typeface="Calibri" panose="020F0502020204030204" pitchFamily="34" charset="0"/>
+              </a:rPr>
+              <a:t>avancées</a:t>
+            </a:r>
+            <a:endParaRPr lang="en-US" dirty="0" smtClean="0">
+              <a:latin typeface="Calibri" panose="020F0502020204030204" pitchFamily="34" charset="0"/>
+              <a:cs typeface="Calibri" panose="020F0502020204030204" pitchFamily="34" charset="0"/>
+            </a:endParaRPr>
+          </a:p>
+          <a:p>
+            <a:pPr marL="609585" indent="-609585">
+              <a:buFont typeface="+mj-lt"/>
+              <a:buAutoNum type="arabicPeriod"/>
+            </a:pPr>
+            <a:r>
+              <a:rPr lang="en-US" dirty="0">
+                <a:latin typeface="Courier New" panose="02070309020205020404" pitchFamily="49" charset="0"/>
+                <a:ea typeface="Courier New" charset="0"/>
+                <a:cs typeface="Courier New" panose="02070309020205020404" pitchFamily="49" charset="0"/>
+              </a:rPr>
+              <a:t>pandas</a:t>
+            </a:r>
+            <a:r>
+              <a:rPr lang="en-US" dirty="0">
+                <a:latin typeface="Calibri" panose="020F0502020204030204" pitchFamily="34" charset="0"/>
+                <a:cs typeface="Calibri" panose="020F0502020204030204" pitchFamily="34" charset="0"/>
+              </a:rPr>
+              <a:t>: </a:t>
+            </a:r>
+            <a:r>
+              <a:rPr lang="en-US" dirty="0" err="1" smtClean="0">
+                <a:latin typeface="Calibri" panose="020F0502020204030204" pitchFamily="34" charset="0"/>
+                <a:cs typeface="Calibri" panose="020F0502020204030204" pitchFamily="34" charset="0"/>
+              </a:rPr>
+              <a:t>gestion</a:t>
+            </a:r>
+            <a:r>
+              <a:rPr lang="en-US" dirty="0" smtClean="0">
+                <a:latin typeface="Calibri" panose="020F0502020204030204" pitchFamily="34" charset="0"/>
+                <a:cs typeface="Calibri" panose="020F0502020204030204" pitchFamily="34" charset="0"/>
+              </a:rPr>
+              <a:t> des dates </a:t>
+            </a:r>
+            <a:r>
+              <a:rPr lang="en-US" dirty="0" smtClean="0">
+                <a:latin typeface="Calibri" panose="020F0502020204030204" pitchFamily="34" charset="0"/>
+                <a:cs typeface="Calibri" panose="020F0502020204030204" pitchFamily="34" charset="0"/>
+              </a:rPr>
+              <a:t>et des </a:t>
+            </a:r>
+            <a:r>
+              <a:rPr lang="en-US" dirty="0" err="1" smtClean="0">
+                <a:latin typeface="Calibri" panose="020F0502020204030204" pitchFamily="34" charset="0"/>
+                <a:cs typeface="Calibri" panose="020F0502020204030204" pitchFamily="34" charset="0"/>
+              </a:rPr>
+              <a:t>séries</a:t>
+            </a:r>
+            <a:r>
+              <a:rPr lang="en-US" dirty="0" smtClean="0">
+                <a:latin typeface="Calibri" panose="020F0502020204030204" pitchFamily="34" charset="0"/>
+                <a:cs typeface="Calibri" panose="020F0502020204030204" pitchFamily="34" charset="0"/>
+              </a:rPr>
+              <a:t> </a:t>
+            </a:r>
+            <a:r>
+              <a:rPr lang="en-US" dirty="0" err="1" smtClean="0">
+                <a:latin typeface="Calibri" panose="020F0502020204030204" pitchFamily="34" charset="0"/>
+                <a:cs typeface="Calibri" panose="020F0502020204030204" pitchFamily="34" charset="0"/>
+              </a:rPr>
+              <a:t>temporelles</a:t>
+            </a:r>
+            <a:endParaRPr lang="fr-FR" dirty="0">
+              <a:latin typeface="Calibri" panose="020F0502020204030204" pitchFamily="34" charset="0"/>
+              <a:cs typeface="Calibri" panose="020F0502020204030204" pitchFamily="34" charset="0"/>
+            </a:endParaRPr>
+          </a:p>
+        </p:txBody>
+      </p:sp>
+      <p:sp>
+        <p:nvSpPr>
+          <p:cNvPr id="12" name="Arrondir un rectangle avec un coin du même côté 8"/>
+          <p:cNvSpPr/>
+          <p:nvPr/>
+        </p:nvSpPr>
+        <p:spPr>
+          <a:xfrm>
+            <a:off x="33374" y="5822684"/>
+            <a:ext cx="2531337" cy="1009141"/>
+          </a:xfrm>
+          <a:prstGeom prst="round2SameRect">
+            <a:avLst/>
+          </a:prstGeom>
+          <a:solidFill>
+            <a:srgbClr val="E1001A"/>
+          </a:solidFill>
+          <a:ln>
+            <a:noFill/>
+          </a:ln>
+          <a:effectLst>
+            <a:outerShdw blurRad="50800" dist="38100" algn="l" rotWithShape="0">
+              <a:prstClr val="black">
+                <a:alpha val="40000"/>
+              </a:prstClr>
+            </a:outerShdw>
+          </a:effectLst>
+        </p:spPr>
+        <p:style>
+          <a:lnRef idx="1">
+            <a:schemeClr val="accent1"/>
+          </a:lnRef>
+          <a:fillRef idx="3">
+            <a:schemeClr val="accent1"/>
+          </a:fillRef>
+          <a:effectRef idx="2">
+            <a:schemeClr val="accent1"/>
+          </a:effectRef>
+          <a:fontRef idx="minor">
+            <a:schemeClr val="lt1"/>
+          </a:fontRef>
+        </p:style>
+        <p:txBody>
+          <a:bodyPr rtlCol="0" anchor="ctr"/>
+          <a:lstStyle/>
+          <a:p>
+            <a:pPr algn="ctr"/>
+            <a:endParaRPr lang="fr-FR" sz="2133" dirty="0">
+              <a:solidFill>
+                <a:srgbClr val="FFFFFF"/>
+              </a:solidFill>
+            </a:endParaRPr>
+          </a:p>
+        </p:txBody>
+      </p:sp>
+      <p:sp>
+        <p:nvSpPr>
+          <p:cNvPr id="13" name="Espace réservé du contenu 4"/>
+          <p:cNvSpPr txBox="1">
+            <a:spLocks/>
+          </p:cNvSpPr>
+          <p:nvPr/>
+        </p:nvSpPr>
+        <p:spPr>
+          <a:xfrm>
+            <a:off x="-16625" y="5881602"/>
+            <a:ext cx="3913481" cy="959656"/>
+          </a:xfrm>
+          <a:prstGeom prst="rect">
+            <a:avLst/>
+          </a:prstGeom>
+        </p:spPr>
+        <p:txBody>
+          <a:bodyPr/>
+          <a:lstStyle>
+            <a:lvl1pPr marL="180975" indent="-180975" algn="l" defTabSz="457200" rtl="0" eaLnBrk="1" latinLnBrk="0" hangingPunct="1">
+              <a:spcBef>
+                <a:spcPct val="20000"/>
+              </a:spcBef>
+              <a:buClr>
+                <a:srgbClr val="D3001C"/>
+              </a:buClr>
+              <a:buFont typeface="Arial"/>
+              <a:buChar char="•"/>
+              <a:defRPr lang="fr-FR" sz="1800" kern="0" dirty="0" smtClean="0">
+                <a:solidFill>
+                  <a:srgbClr val="606060"/>
+                </a:solidFill>
+                <a:latin typeface="Arial"/>
+                <a:ea typeface="ＭＳ Ｐゴシック" pitchFamily="23" charset="-128"/>
+                <a:cs typeface="Arial"/>
+              </a:defRPr>
+            </a:lvl1pPr>
+            <a:lvl2pPr marL="742950" indent="-285750" algn="l" defTabSz="457200" rtl="0" eaLnBrk="1" latinLnBrk="0" hangingPunct="1">
+              <a:spcBef>
+                <a:spcPct val="20000"/>
+              </a:spcBef>
+              <a:buFont typeface="Arial"/>
+              <a:buChar char="–"/>
+              <a:defRPr lang="fr-FR" sz="2800" kern="0" dirty="0" smtClean="0">
+                <a:solidFill>
+                  <a:srgbClr val="606060"/>
+                </a:solidFill>
+                <a:latin typeface="+mn-lt"/>
+                <a:ea typeface="ＭＳ Ｐゴシック" pitchFamily="23" charset="-128"/>
+                <a:cs typeface="+mn-cs"/>
+              </a:defRPr>
+            </a:lvl2pPr>
+            <a:lvl3pPr marL="1143000" indent="-228600" algn="l" defTabSz="457200" rtl="0" eaLnBrk="1" latinLnBrk="0" hangingPunct="1">
+              <a:spcBef>
+                <a:spcPct val="20000"/>
+              </a:spcBef>
+              <a:buFont typeface="Arial"/>
+              <a:buChar char="•"/>
+              <a:defRPr sz="2400" kern="1200">
+                <a:solidFill>
+                  <a:schemeClr val="tx1"/>
+                </a:solidFill>
+                <a:latin typeface="+mn-lt"/>
+                <a:ea typeface="+mn-ea"/>
+                <a:cs typeface="+mn-cs"/>
+              </a:defRPr>
+            </a:lvl3pPr>
+            <a:lvl4pPr marL="1600200" indent="-228600" algn="l" defTabSz="457200" rtl="0" eaLnBrk="1" latinLnBrk="0" hangingPunct="1">
+              <a:spcBef>
+                <a:spcPct val="20000"/>
+              </a:spcBef>
+              <a:buFont typeface="Arial"/>
+              <a:buChar char="–"/>
+              <a:defRPr sz="2000" kern="1200">
+                <a:solidFill>
+                  <a:schemeClr val="tx1"/>
+                </a:solidFill>
+                <a:latin typeface="+mn-lt"/>
+                <a:ea typeface="+mn-ea"/>
+                <a:cs typeface="+mn-cs"/>
+              </a:defRPr>
+            </a:lvl4pPr>
+            <a:lvl5pPr marL="446088" indent="-228600" algn="l" defTabSz="457200" rtl="0" eaLnBrk="1" latinLnBrk="0" hangingPunct="1">
+              <a:spcBef>
+                <a:spcPct val="20000"/>
+              </a:spcBef>
+              <a:buClr>
+                <a:srgbClr val="D3001C"/>
+              </a:buClr>
+              <a:buFont typeface="Arial"/>
+              <a:buChar char="»"/>
+              <a:tabLst/>
+              <a:defRPr lang="fr-FR" sz="1600" kern="0" baseline="0" dirty="0" smtClean="0">
+                <a:solidFill>
+                  <a:srgbClr val="606060"/>
+                </a:solidFill>
+                <a:latin typeface="Arial"/>
+                <a:ea typeface="ＭＳ Ｐゴシック" pitchFamily="23" charset="-128"/>
+                <a:cs typeface="Arial"/>
+              </a:defRPr>
+            </a:lvl5pPr>
+            <a:lvl6pPr marL="2514600" indent="-228600" algn="l" defTabSz="457200" rtl="0" eaLnBrk="1" latinLnBrk="0" hangingPunct="1">
+              <a:spcBef>
+                <a:spcPct val="20000"/>
+              </a:spcBef>
+              <a:buFont typeface="Arial"/>
+              <a:buChar char="•"/>
+              <a:defRPr sz="2000" kern="1200">
+                <a:solidFill>
+                  <a:schemeClr val="tx1"/>
+                </a:solidFill>
+                <a:latin typeface="+mn-lt"/>
+                <a:ea typeface="+mn-ea"/>
+                <a:cs typeface="+mn-cs"/>
+              </a:defRPr>
+            </a:lvl6pPr>
+            <a:lvl7pPr marL="2971800" indent="-228600" algn="l" defTabSz="457200" rtl="0" eaLnBrk="1" latinLnBrk="0" hangingPunct="1">
+              <a:spcBef>
+                <a:spcPct val="20000"/>
+              </a:spcBef>
+              <a:buFont typeface="Arial"/>
+              <a:buChar char="•"/>
+              <a:defRPr sz="2000" kern="1200">
+                <a:solidFill>
+                  <a:schemeClr val="tx1"/>
+                </a:solidFill>
+                <a:latin typeface="+mn-lt"/>
+                <a:ea typeface="+mn-ea"/>
+                <a:cs typeface="+mn-cs"/>
+              </a:defRPr>
+            </a:lvl7pPr>
+            <a:lvl8pPr marL="3429000" indent="-228600" algn="l" defTabSz="457200" rtl="0" eaLnBrk="1" latinLnBrk="0" hangingPunct="1">
+              <a:spcBef>
+                <a:spcPct val="20000"/>
+              </a:spcBef>
+              <a:buFont typeface="Arial"/>
+              <a:buChar char="•"/>
+              <a:defRPr sz="2000" kern="1200">
+                <a:solidFill>
+                  <a:schemeClr val="tx1"/>
+                </a:solidFill>
+                <a:latin typeface="+mn-lt"/>
+                <a:ea typeface="+mn-ea"/>
+                <a:cs typeface="+mn-cs"/>
+              </a:defRPr>
+            </a:lvl8pPr>
+            <a:lvl9pPr marL="3886200" indent="-228600" algn="l" defTabSz="457200" rtl="0" eaLnBrk="1" latinLnBrk="0" hangingPunct="1">
+              <a:spcBef>
+                <a:spcPct val="20000"/>
+              </a:spcBef>
+              <a:buFont typeface="Arial"/>
+              <a:buChar char="•"/>
+              <a:defRPr sz="2000" kern="1200">
+                <a:solidFill>
+                  <a:schemeClr val="tx1"/>
+                </a:solidFill>
+                <a:latin typeface="+mn-lt"/>
+                <a:ea typeface="+mn-ea"/>
+                <a:cs typeface="+mn-cs"/>
+              </a:defRPr>
+            </a:lvl9pPr>
+          </a:lstStyle>
+          <a:p>
+            <a:pPr marL="0" indent="0">
+              <a:buNone/>
+            </a:pPr>
+            <a:r>
+              <a:rPr lang="fr-FR" sz="2300" dirty="0" smtClean="0">
+                <a:solidFill>
+                  <a:schemeClr val="bg1"/>
+                </a:solidFill>
+              </a:rPr>
+              <a:t>   Arnaud Legout</a:t>
+            </a:r>
+            <a:endParaRPr lang="fr-FR" sz="2300" dirty="0">
+              <a:solidFill>
+                <a:schemeClr val="bg1"/>
+              </a:solidFill>
+            </a:endParaRPr>
+          </a:p>
+        </p:txBody>
+      </p:sp>
+      <p:pic>
+        <p:nvPicPr>
+          <p:cNvPr id="4" name="Image 3"/>
+          <p:cNvPicPr>
+            <a:picLocks noChangeAspect="1"/>
+          </p:cNvPicPr>
+          <p:nvPr/>
+        </p:nvPicPr>
+        <p:blipFill>
+          <a:blip r:embed="rId3">
+            <a:extLst>
+              <a:ext uri="{28A0092B-C50C-407E-A947-70E740481C1C}">
+                <a14:useLocalDpi xmlns:a14="http://schemas.microsoft.com/office/drawing/2010/main" val="0"/>
+              </a:ext>
+            </a:extLst>
+          </a:blip>
+          <a:stretch>
+            <a:fillRect/>
+          </a:stretch>
+        </p:blipFill>
+        <p:spPr>
+          <a:xfrm>
+            <a:off x="689442" y="6291135"/>
+            <a:ext cx="1190649" cy="515948"/>
+          </a:xfrm>
+          <a:prstGeom prst="rect">
+            <a:avLst/>
+          </a:prstGeom>
+        </p:spPr>
+      </p:pic>
+    </p:spTree>
+    <p:extLst>
+      <p:ext uri="{BB962C8B-B14F-4D97-AF65-F5344CB8AC3E}">
+        <p14:creationId xmlns:p14="http://schemas.microsoft.com/office/powerpoint/2010/main" val="4001945725"/>
+      </p:ext>
+    </p:extLst>
+  </p:cSld>
+  <p:clrMapOvr>
+    <a:masterClrMapping/>
+  </p:clrMapOvr>
+  <p:timing>
+    <p:tnLst>
+      <p:par>
+        <p:cTn id="1" dur="indefinite" restart="never" nodeType="tmRoot"/>
+      </p:par>
+    </p:tnLst>
+  </p:timing>
+</p:sld>
+</file>
+
+<file path=ppt/slides/slide8.xml><?xml version="1.0" encoding="utf-8"?>
+<p:sld xmlns:a="http://schemas.openxmlformats.org/drawingml/2006/main" xmlns:r="http://schemas.openxmlformats.org/officeDocument/2006/relationships" xmlns:p="http://schemas.openxmlformats.org/presentationml/2006/main">
+  <p:cSld>
+    <p:spTree>
+      <p:nvGrpSpPr>
+        <p:cNvPr id="1" name=""/>
+        <p:cNvGrpSpPr/>
+        <p:nvPr/>
+      </p:nvGrpSpPr>
+      <p:grpSpPr>
+        <a:xfrm>
+          <a:off x="0" y="0"/>
+          <a:ext cx="0" cy="0"/>
+          <a:chOff x="0" y="0"/>
+          <a:chExt cx="0" cy="0"/>
+        </a:xfrm>
+      </p:grpSpPr>
+      <p:sp>
+        <p:nvSpPr>
+          <p:cNvPr id="3" name="Titre 2"/>
+          <p:cNvSpPr>
+            <a:spLocks noGrp="1"/>
+          </p:cNvSpPr>
+          <p:nvPr>
+            <p:ph type="title"/>
+          </p:nvPr>
+        </p:nvSpPr>
+        <p:spPr/>
+        <p:txBody>
+          <a:bodyPr>
+            <a:noAutofit/>
+          </a:bodyPr>
+          <a:lstStyle/>
+          <a:p>
+            <a:r>
+              <a:rPr lang="fr-FR" dirty="0">
+                <a:latin typeface="Calibri" panose="020F0502020204030204" pitchFamily="34" charset="0"/>
+                <a:cs typeface="Calibri" panose="020F0502020204030204" pitchFamily="34" charset="0"/>
+              </a:rPr>
+              <a:t>Semaine 7. L'écosystème data science Python</a:t>
+            </a:r>
+            <a:br>
+              <a:rPr lang="fr-FR" dirty="0">
+                <a:latin typeface="Calibri" panose="020F0502020204030204" pitchFamily="34" charset="0"/>
+                <a:cs typeface="Calibri" panose="020F0502020204030204" pitchFamily="34" charset="0"/>
+              </a:rPr>
+            </a:br>
+            <a:endParaRPr lang="fr-FR" dirty="0">
+              <a:latin typeface="Calibri" panose="020F0502020204030204" pitchFamily="34" charset="0"/>
+              <a:cs typeface="Calibri" panose="020F0502020204030204" pitchFamily="34" charset="0"/>
+            </a:endParaRPr>
+          </a:p>
+        </p:txBody>
+      </p:sp>
+      <p:sp>
+        <p:nvSpPr>
+          <p:cNvPr id="8" name="Espace réservé du texte 7"/>
+          <p:cNvSpPr>
+            <a:spLocks noGrp="1"/>
+          </p:cNvSpPr>
+          <p:nvPr>
+            <p:ph type="body" sz="quarter" idx="12"/>
+          </p:nvPr>
+        </p:nvSpPr>
+        <p:spPr>
+          <a:xfrm>
+            <a:off x="1782709" y="6384935"/>
+            <a:ext cx="10040047" cy="690832"/>
+          </a:xfrm>
+        </p:spPr>
+        <p:txBody>
+          <a:bodyPr/>
+          <a:lstStyle/>
+          <a:p>
+            <a:r>
+              <a:rPr lang="fr-FR" dirty="0"/>
+              <a:t>Python 3 : des fondamentaux aux concepts avancés du langage</a:t>
+            </a:r>
+          </a:p>
+        </p:txBody>
+      </p:sp>
+      <p:sp>
+        <p:nvSpPr>
+          <p:cNvPr id="11" name="Espace réservé du texte 10"/>
+          <p:cNvSpPr>
+            <a:spLocks noGrp="1"/>
+          </p:cNvSpPr>
+          <p:nvPr>
+            <p:ph type="body" sz="quarter" idx="10"/>
+          </p:nvPr>
+        </p:nvSpPr>
+        <p:spPr>
+          <a:xfrm>
+            <a:off x="2928079" y="1047979"/>
+            <a:ext cx="9263921" cy="5318837"/>
+          </a:xfrm>
+        </p:spPr>
+        <p:txBody>
+          <a:bodyPr>
+            <a:normAutofit lnSpcReduction="10000"/>
+          </a:bodyPr>
+          <a:lstStyle/>
+          <a:p>
+            <a:pPr marL="609585" indent="-609585">
+              <a:buFont typeface="+mj-lt"/>
+              <a:buAutoNum type="arabicPeriod"/>
+            </a:pPr>
+            <a:r>
+              <a:rPr lang="fr-FR" dirty="0" smtClean="0">
+                <a:latin typeface="Calibri" panose="020F0502020204030204" pitchFamily="34" charset="0"/>
+                <a:cs typeface="Calibri" panose="020F0502020204030204" pitchFamily="34" charset="0"/>
+              </a:rPr>
+              <a:t>Pr</a:t>
+            </a:r>
+            <a:r>
+              <a:rPr lang="en-US" dirty="0" err="1" smtClean="0">
+                <a:latin typeface="Calibri" panose="020F0502020204030204" pitchFamily="34" charset="0"/>
+                <a:cs typeface="Calibri" panose="020F0502020204030204" pitchFamily="34" charset="0"/>
+              </a:rPr>
+              <a:t>ésentation</a:t>
+            </a:r>
+            <a:r>
+              <a:rPr lang="en-US" dirty="0" smtClean="0">
+                <a:latin typeface="Calibri" panose="020F0502020204030204" pitchFamily="34" charset="0"/>
+                <a:cs typeface="Calibri" panose="020F0502020204030204" pitchFamily="34" charset="0"/>
+              </a:rPr>
+              <a:t> </a:t>
+            </a:r>
+            <a:r>
+              <a:rPr lang="en-US" dirty="0" err="1" smtClean="0">
+                <a:latin typeface="Calibri" panose="020F0502020204030204" pitchFamily="34" charset="0"/>
+                <a:cs typeface="Calibri" panose="020F0502020204030204" pitchFamily="34" charset="0"/>
+              </a:rPr>
+              <a:t>générale</a:t>
+            </a:r>
+            <a:endParaRPr lang="fr-FR" dirty="0">
+              <a:latin typeface="Calibri" panose="020F0502020204030204" pitchFamily="34" charset="0"/>
+              <a:cs typeface="Calibri" panose="020F0502020204030204" pitchFamily="34" charset="0"/>
+            </a:endParaRPr>
+          </a:p>
+          <a:p>
+            <a:pPr marL="609585" indent="-609585">
+              <a:buFont typeface="+mj-lt"/>
+              <a:buAutoNum type="arabicPeriod"/>
+            </a:pPr>
+            <a:r>
+              <a:rPr lang="fr-FR" dirty="0" err="1" smtClean="0">
+                <a:latin typeface="Courier New" panose="02070309020205020404" pitchFamily="49" charset="0"/>
+                <a:cs typeface="Courier New" panose="02070309020205020404" pitchFamily="49" charset="0"/>
+              </a:rPr>
+              <a:t>numpy</a:t>
+            </a:r>
+            <a:r>
+              <a:rPr lang="fr-FR" dirty="0" smtClean="0">
+                <a:latin typeface="Calibri" panose="020F0502020204030204" pitchFamily="34" charset="0"/>
+                <a:cs typeface="Calibri" panose="020F0502020204030204" pitchFamily="34" charset="0"/>
+              </a:rPr>
+              <a:t>: le type </a:t>
+            </a:r>
+            <a:r>
+              <a:rPr lang="fr-FR" dirty="0" err="1" smtClean="0">
+                <a:latin typeface="Courier New" panose="02070309020205020404" pitchFamily="49" charset="0"/>
+                <a:ea typeface="Courier New" charset="0"/>
+                <a:cs typeface="Courier New" panose="02070309020205020404" pitchFamily="49" charset="0"/>
+              </a:rPr>
+              <a:t>ndarray</a:t>
+            </a:r>
+            <a:r>
+              <a:rPr lang="fr-FR" dirty="0" smtClean="0">
+                <a:latin typeface="Calibri" panose="020F0502020204030204" pitchFamily="34" charset="0"/>
+                <a:cs typeface="Calibri" panose="020F0502020204030204" pitchFamily="34" charset="0"/>
+              </a:rPr>
+              <a:t> </a:t>
+            </a:r>
+          </a:p>
+          <a:p>
+            <a:pPr marL="609585" indent="-609585">
+              <a:buFont typeface="+mj-lt"/>
+              <a:buAutoNum type="arabicPeriod"/>
+            </a:pPr>
+            <a:r>
+              <a:rPr lang="fr-FR" dirty="0" err="1">
+                <a:latin typeface="Courier New" panose="02070309020205020404" pitchFamily="49" charset="0"/>
+                <a:cs typeface="Courier New" panose="02070309020205020404" pitchFamily="49" charset="0"/>
+              </a:rPr>
+              <a:t>numpy</a:t>
+            </a:r>
+            <a:r>
+              <a:rPr lang="fr-FR" dirty="0">
+                <a:latin typeface="Calibri" panose="020F0502020204030204" pitchFamily="34" charset="0"/>
+                <a:cs typeface="Calibri" panose="020F0502020204030204" pitchFamily="34" charset="0"/>
+              </a:rPr>
+              <a:t>: </a:t>
+            </a:r>
+            <a:r>
+              <a:rPr lang="fr-FR" i="1" dirty="0" err="1" smtClean="0">
+                <a:latin typeface="Calibri" panose="020F0502020204030204" pitchFamily="34" charset="0"/>
+                <a:cs typeface="Calibri" panose="020F0502020204030204" pitchFamily="34" charset="0"/>
+              </a:rPr>
+              <a:t>slicing</a:t>
+            </a:r>
+            <a:r>
+              <a:rPr lang="fr-FR" dirty="0" smtClean="0">
+                <a:latin typeface="Calibri" panose="020F0502020204030204" pitchFamily="34" charset="0"/>
+                <a:cs typeface="Calibri" panose="020F0502020204030204" pitchFamily="34" charset="0"/>
+              </a:rPr>
+              <a:t>, </a:t>
+            </a:r>
+            <a:r>
+              <a:rPr lang="fr-FR" i="1" dirty="0" err="1" smtClean="0">
+                <a:latin typeface="Calibri" panose="020F0502020204030204" pitchFamily="34" charset="0"/>
+                <a:cs typeface="Calibri" panose="020F0502020204030204" pitchFamily="34" charset="0"/>
+              </a:rPr>
+              <a:t>reshaping</a:t>
+            </a:r>
+            <a:r>
+              <a:rPr lang="fr-FR" i="1" dirty="0" smtClean="0">
+                <a:latin typeface="Calibri" panose="020F0502020204030204" pitchFamily="34" charset="0"/>
+                <a:cs typeface="Calibri" panose="020F0502020204030204" pitchFamily="34" charset="0"/>
+              </a:rPr>
+              <a:t> </a:t>
+            </a:r>
+            <a:r>
+              <a:rPr lang="fr-FR" dirty="0" smtClean="0">
+                <a:latin typeface="Calibri" panose="020F0502020204030204" pitchFamily="34" charset="0"/>
+                <a:cs typeface="Calibri" panose="020F0502020204030204" pitchFamily="34" charset="0"/>
+              </a:rPr>
+              <a:t>et indexation </a:t>
+            </a:r>
+            <a:r>
+              <a:rPr lang="fr-FR" dirty="0" err="1" smtClean="0">
+                <a:latin typeface="Calibri" panose="020F0502020204030204" pitchFamily="34" charset="0"/>
+                <a:cs typeface="Calibri" panose="020F0502020204030204" pitchFamily="34" charset="0"/>
+              </a:rPr>
+              <a:t>avanc</a:t>
+            </a:r>
+            <a:r>
+              <a:rPr lang="en-US" dirty="0" err="1" smtClean="0">
+                <a:latin typeface="Calibri" panose="020F0502020204030204" pitchFamily="34" charset="0"/>
+                <a:cs typeface="Calibri" panose="020F0502020204030204" pitchFamily="34" charset="0"/>
+              </a:rPr>
+              <a:t>ée</a:t>
+            </a:r>
+            <a:endParaRPr lang="en-US" dirty="0" smtClean="0">
+              <a:latin typeface="Calibri" panose="020F0502020204030204" pitchFamily="34" charset="0"/>
+              <a:cs typeface="Calibri" panose="020F0502020204030204" pitchFamily="34" charset="0"/>
+            </a:endParaRPr>
+          </a:p>
+          <a:p>
+            <a:pPr marL="609585" indent="-609585">
+              <a:buFont typeface="+mj-lt"/>
+              <a:buAutoNum type="arabicPeriod"/>
+            </a:pPr>
+            <a:r>
+              <a:rPr lang="fr-FR" dirty="0" err="1">
+                <a:latin typeface="Courier New" panose="02070309020205020404" pitchFamily="49" charset="0"/>
+                <a:cs typeface="Courier New" panose="02070309020205020404" pitchFamily="49" charset="0"/>
+              </a:rPr>
+              <a:t>numpy</a:t>
+            </a:r>
+            <a:r>
+              <a:rPr lang="fr-FR" dirty="0">
+                <a:latin typeface="Calibri" panose="020F0502020204030204" pitchFamily="34" charset="0"/>
+                <a:cs typeface="Calibri" panose="020F0502020204030204" pitchFamily="34" charset="0"/>
+              </a:rPr>
+              <a:t>: </a:t>
+            </a:r>
+            <a:r>
+              <a:rPr lang="en-US" dirty="0" err="1" smtClean="0">
+                <a:latin typeface="Calibri" panose="020F0502020204030204" pitchFamily="34" charset="0"/>
+                <a:cs typeface="Calibri" panose="020F0502020204030204" pitchFamily="34" charset="0"/>
+              </a:rPr>
+              <a:t>vectorisation</a:t>
+            </a:r>
+            <a:endParaRPr lang="en-US" dirty="0" smtClean="0">
+              <a:latin typeface="Calibri" panose="020F0502020204030204" pitchFamily="34" charset="0"/>
+              <a:cs typeface="Calibri" panose="020F0502020204030204" pitchFamily="34" charset="0"/>
+            </a:endParaRPr>
+          </a:p>
+          <a:p>
+            <a:pPr marL="609585" indent="-609585">
+              <a:buFont typeface="+mj-lt"/>
+              <a:buAutoNum type="arabicPeriod"/>
+            </a:pPr>
+            <a:r>
+              <a:rPr lang="fr-FR" dirty="0" err="1">
+                <a:latin typeface="Courier New" panose="02070309020205020404" pitchFamily="49" charset="0"/>
+                <a:cs typeface="Courier New" panose="02070309020205020404" pitchFamily="49" charset="0"/>
+              </a:rPr>
+              <a:t>numpy</a:t>
+            </a:r>
+            <a:r>
+              <a:rPr lang="fr-FR" dirty="0">
+                <a:latin typeface="Calibri" panose="020F0502020204030204" pitchFamily="34" charset="0"/>
+                <a:cs typeface="Calibri" panose="020F0502020204030204" pitchFamily="34" charset="0"/>
+              </a:rPr>
+              <a:t>: </a:t>
+            </a:r>
+            <a:r>
+              <a:rPr lang="en-US" i="1" dirty="0" smtClean="0">
+                <a:latin typeface="Calibri" panose="020F0502020204030204" pitchFamily="34" charset="0"/>
+                <a:cs typeface="Calibri" panose="020F0502020204030204" pitchFamily="34" charset="0"/>
+              </a:rPr>
+              <a:t>broadcasting</a:t>
+            </a:r>
+          </a:p>
+          <a:p>
+            <a:pPr marL="609585" indent="-609585">
+              <a:buFont typeface="+mj-lt"/>
+              <a:buAutoNum type="arabicPeriod"/>
+            </a:pPr>
+            <a:r>
+              <a:rPr lang="en-US" dirty="0" smtClean="0">
+                <a:latin typeface="Courier New" panose="02070309020205020404" pitchFamily="49" charset="0"/>
+                <a:ea typeface="Courier New" charset="0"/>
+                <a:cs typeface="Courier New" panose="02070309020205020404" pitchFamily="49" charset="0"/>
+              </a:rPr>
+              <a:t>pandas</a:t>
+            </a:r>
+            <a:r>
+              <a:rPr lang="en-US" dirty="0" smtClean="0">
+                <a:latin typeface="Calibri" panose="020F0502020204030204" pitchFamily="34" charset="0"/>
+                <a:cs typeface="Calibri" panose="020F0502020204030204" pitchFamily="34" charset="0"/>
+              </a:rPr>
+              <a:t>: introduction aux </a:t>
+            </a:r>
+            <a:r>
+              <a:rPr lang="en-US" dirty="0" smtClean="0">
+                <a:latin typeface="Courier New" panose="02070309020205020404" pitchFamily="49" charset="0"/>
+                <a:ea typeface="Courier New" charset="0"/>
+                <a:cs typeface="Courier New" panose="02070309020205020404" pitchFamily="49" charset="0"/>
+              </a:rPr>
+              <a:t>Series</a:t>
+            </a:r>
+            <a:r>
+              <a:rPr lang="en-US" dirty="0" smtClean="0">
+                <a:latin typeface="Calibri" panose="020F0502020204030204" pitchFamily="34" charset="0"/>
+                <a:cs typeface="Calibri" panose="020F0502020204030204" pitchFamily="34" charset="0"/>
+              </a:rPr>
+              <a:t> et aux indexes</a:t>
+            </a:r>
+          </a:p>
+          <a:p>
+            <a:pPr marL="609585" indent="-609585">
+              <a:buFont typeface="+mj-lt"/>
+              <a:buAutoNum type="arabicPeriod"/>
+            </a:pPr>
+            <a:r>
+              <a:rPr lang="en-US" b="1" dirty="0">
+                <a:latin typeface="Courier New" panose="02070309020205020404" pitchFamily="49" charset="0"/>
+                <a:ea typeface="Courier New" charset="0"/>
+                <a:cs typeface="Courier New" panose="02070309020205020404" pitchFamily="49" charset="0"/>
+              </a:rPr>
+              <a:t>pandas</a:t>
+            </a:r>
+            <a:r>
+              <a:rPr lang="en-US" b="1" dirty="0">
+                <a:latin typeface="Calibri" panose="020F0502020204030204" pitchFamily="34" charset="0"/>
+                <a:cs typeface="Calibri" panose="020F0502020204030204" pitchFamily="34" charset="0"/>
+              </a:rPr>
+              <a:t>: le </a:t>
+            </a:r>
+            <a:r>
+              <a:rPr lang="en-US" b="1" dirty="0" smtClean="0">
+                <a:latin typeface="Calibri" panose="020F0502020204030204" pitchFamily="34" charset="0"/>
+                <a:cs typeface="Calibri" panose="020F0502020204030204" pitchFamily="34" charset="0"/>
+              </a:rPr>
+              <a:t>type </a:t>
+            </a:r>
+            <a:r>
+              <a:rPr lang="en-US" b="1" dirty="0" err="1" smtClean="0">
+                <a:latin typeface="Courier New" panose="02070309020205020404" pitchFamily="49" charset="0"/>
+                <a:ea typeface="Courier New" charset="0"/>
+                <a:cs typeface="Courier New" panose="02070309020205020404" pitchFamily="49" charset="0"/>
+              </a:rPr>
+              <a:t>DataFrame</a:t>
+            </a:r>
+            <a:endParaRPr lang="en-US" b="1" dirty="0" smtClean="0">
+              <a:latin typeface="Courier New" panose="02070309020205020404" pitchFamily="49" charset="0"/>
+              <a:ea typeface="Courier New" charset="0"/>
+              <a:cs typeface="Courier New" panose="02070309020205020404" pitchFamily="49" charset="0"/>
+            </a:endParaRPr>
+          </a:p>
+          <a:p>
+            <a:pPr marL="609585" indent="-609585">
+              <a:buFont typeface="+mj-lt"/>
+              <a:buAutoNum type="arabicPeriod"/>
+            </a:pPr>
+            <a:r>
+              <a:rPr lang="en-US" dirty="0">
+                <a:latin typeface="Courier New" panose="02070309020205020404" pitchFamily="49" charset="0"/>
+                <a:ea typeface="Courier New" charset="0"/>
+                <a:cs typeface="Courier New" panose="02070309020205020404" pitchFamily="49" charset="0"/>
+              </a:rPr>
+              <a:t>pandas</a:t>
+            </a:r>
+            <a:r>
+              <a:rPr lang="en-US" dirty="0">
+                <a:latin typeface="Calibri" panose="020F0502020204030204" pitchFamily="34" charset="0"/>
+                <a:cs typeface="Calibri" panose="020F0502020204030204" pitchFamily="34" charset="0"/>
+              </a:rPr>
+              <a:t>: </a:t>
+            </a:r>
+            <a:r>
+              <a:rPr lang="en-US" dirty="0" err="1" smtClean="0">
+                <a:latin typeface="Calibri" panose="020F0502020204030204" pitchFamily="34" charset="0"/>
+                <a:cs typeface="Calibri" panose="020F0502020204030204" pitchFamily="34" charset="0"/>
+              </a:rPr>
+              <a:t>opérations</a:t>
+            </a:r>
+            <a:r>
+              <a:rPr lang="en-US" dirty="0" smtClean="0">
+                <a:latin typeface="Calibri" panose="020F0502020204030204" pitchFamily="34" charset="0"/>
+                <a:cs typeface="Calibri" panose="020F0502020204030204" pitchFamily="34" charset="0"/>
+              </a:rPr>
+              <a:t> </a:t>
+            </a:r>
+            <a:r>
+              <a:rPr lang="en-US" dirty="0" err="1" smtClean="0">
+                <a:latin typeface="Calibri" panose="020F0502020204030204" pitchFamily="34" charset="0"/>
+                <a:cs typeface="Calibri" panose="020F0502020204030204" pitchFamily="34" charset="0"/>
+              </a:rPr>
+              <a:t>avancées</a:t>
+            </a:r>
+            <a:endParaRPr lang="en-US" dirty="0" smtClean="0">
+              <a:latin typeface="Calibri" panose="020F0502020204030204" pitchFamily="34" charset="0"/>
+              <a:cs typeface="Calibri" panose="020F0502020204030204" pitchFamily="34" charset="0"/>
+            </a:endParaRPr>
+          </a:p>
+          <a:p>
+            <a:pPr marL="609585" indent="-609585">
+              <a:buFont typeface="+mj-lt"/>
+              <a:buAutoNum type="arabicPeriod"/>
+            </a:pPr>
+            <a:r>
+              <a:rPr lang="en-US" dirty="0">
+                <a:latin typeface="Courier New" panose="02070309020205020404" pitchFamily="49" charset="0"/>
+                <a:ea typeface="Courier New" charset="0"/>
+                <a:cs typeface="Courier New" panose="02070309020205020404" pitchFamily="49" charset="0"/>
+              </a:rPr>
+              <a:t>pandas</a:t>
+            </a:r>
+            <a:r>
+              <a:rPr lang="en-US" dirty="0">
+                <a:latin typeface="Calibri" panose="020F0502020204030204" pitchFamily="34" charset="0"/>
+                <a:cs typeface="Calibri" panose="020F0502020204030204" pitchFamily="34" charset="0"/>
+              </a:rPr>
+              <a:t>: </a:t>
+            </a:r>
+            <a:r>
+              <a:rPr lang="en-US" dirty="0" err="1" smtClean="0">
+                <a:latin typeface="Calibri" panose="020F0502020204030204" pitchFamily="34" charset="0"/>
+                <a:cs typeface="Calibri" panose="020F0502020204030204" pitchFamily="34" charset="0"/>
+              </a:rPr>
+              <a:t>gestion</a:t>
+            </a:r>
+            <a:r>
+              <a:rPr lang="en-US" dirty="0" smtClean="0">
+                <a:latin typeface="Calibri" panose="020F0502020204030204" pitchFamily="34" charset="0"/>
+                <a:cs typeface="Calibri" panose="020F0502020204030204" pitchFamily="34" charset="0"/>
+              </a:rPr>
+              <a:t> des dates </a:t>
+            </a:r>
+            <a:r>
+              <a:rPr lang="en-US" dirty="0" smtClean="0">
+                <a:latin typeface="Calibri" panose="020F0502020204030204" pitchFamily="34" charset="0"/>
+                <a:cs typeface="Calibri" panose="020F0502020204030204" pitchFamily="34" charset="0"/>
+              </a:rPr>
+              <a:t>et des </a:t>
+            </a:r>
+            <a:r>
+              <a:rPr lang="en-US" dirty="0" err="1" smtClean="0">
+                <a:latin typeface="Calibri" panose="020F0502020204030204" pitchFamily="34" charset="0"/>
+                <a:cs typeface="Calibri" panose="020F0502020204030204" pitchFamily="34" charset="0"/>
+              </a:rPr>
+              <a:t>séries</a:t>
+            </a:r>
+            <a:r>
+              <a:rPr lang="en-US" dirty="0" smtClean="0">
+                <a:latin typeface="Calibri" panose="020F0502020204030204" pitchFamily="34" charset="0"/>
+                <a:cs typeface="Calibri" panose="020F0502020204030204" pitchFamily="34" charset="0"/>
+              </a:rPr>
+              <a:t> </a:t>
+            </a:r>
+            <a:r>
+              <a:rPr lang="en-US" dirty="0" err="1" smtClean="0">
+                <a:latin typeface="Calibri" panose="020F0502020204030204" pitchFamily="34" charset="0"/>
+                <a:cs typeface="Calibri" panose="020F0502020204030204" pitchFamily="34" charset="0"/>
+              </a:rPr>
+              <a:t>temporelles</a:t>
+            </a:r>
+            <a:endParaRPr lang="fr-FR" dirty="0">
+              <a:latin typeface="Calibri" panose="020F0502020204030204" pitchFamily="34" charset="0"/>
+              <a:cs typeface="Calibri" panose="020F0502020204030204" pitchFamily="34" charset="0"/>
+            </a:endParaRPr>
+          </a:p>
+        </p:txBody>
+      </p:sp>
+      <p:sp>
+        <p:nvSpPr>
+          <p:cNvPr id="12" name="Arrondir un rectangle avec un coin du même côté 8"/>
+          <p:cNvSpPr/>
+          <p:nvPr/>
+        </p:nvSpPr>
+        <p:spPr>
+          <a:xfrm>
+            <a:off x="33374" y="5822684"/>
+            <a:ext cx="2531337" cy="1009141"/>
+          </a:xfrm>
+          <a:prstGeom prst="round2SameRect">
+            <a:avLst/>
+          </a:prstGeom>
+          <a:solidFill>
+            <a:srgbClr val="E1001A"/>
+          </a:solidFill>
+          <a:ln>
+            <a:noFill/>
+          </a:ln>
+          <a:effectLst>
+            <a:outerShdw blurRad="50800" dist="38100" algn="l" rotWithShape="0">
+              <a:prstClr val="black">
+                <a:alpha val="40000"/>
+              </a:prstClr>
+            </a:outerShdw>
+          </a:effectLst>
+        </p:spPr>
+        <p:style>
+          <a:lnRef idx="1">
+            <a:schemeClr val="accent1"/>
+          </a:lnRef>
+          <a:fillRef idx="3">
+            <a:schemeClr val="accent1"/>
+          </a:fillRef>
+          <a:effectRef idx="2">
+            <a:schemeClr val="accent1"/>
+          </a:effectRef>
+          <a:fontRef idx="minor">
+            <a:schemeClr val="lt1"/>
+          </a:fontRef>
+        </p:style>
+        <p:txBody>
+          <a:bodyPr rtlCol="0" anchor="ctr"/>
+          <a:lstStyle/>
+          <a:p>
+            <a:pPr algn="ctr"/>
+            <a:endParaRPr lang="fr-FR" sz="2133" dirty="0">
+              <a:solidFill>
+                <a:srgbClr val="FFFFFF"/>
+              </a:solidFill>
+            </a:endParaRPr>
+          </a:p>
+        </p:txBody>
+      </p:sp>
+      <p:sp>
+        <p:nvSpPr>
+          <p:cNvPr id="13" name="Espace réservé du contenu 4"/>
+          <p:cNvSpPr txBox="1">
+            <a:spLocks/>
+          </p:cNvSpPr>
+          <p:nvPr/>
+        </p:nvSpPr>
+        <p:spPr>
+          <a:xfrm>
+            <a:off x="-16625" y="5881602"/>
+            <a:ext cx="3913481" cy="959656"/>
+          </a:xfrm>
+          <a:prstGeom prst="rect">
+            <a:avLst/>
+          </a:prstGeom>
+        </p:spPr>
+        <p:txBody>
+          <a:bodyPr/>
+          <a:lstStyle>
+            <a:lvl1pPr marL="180975" indent="-180975" algn="l" defTabSz="457200" rtl="0" eaLnBrk="1" latinLnBrk="0" hangingPunct="1">
+              <a:spcBef>
+                <a:spcPct val="20000"/>
+              </a:spcBef>
+              <a:buClr>
+                <a:srgbClr val="D3001C"/>
+              </a:buClr>
+              <a:buFont typeface="Arial"/>
+              <a:buChar char="•"/>
+              <a:defRPr lang="fr-FR" sz="1800" kern="0" dirty="0" smtClean="0">
+                <a:solidFill>
+                  <a:srgbClr val="606060"/>
+                </a:solidFill>
+                <a:latin typeface="Arial"/>
+                <a:ea typeface="ＭＳ Ｐゴシック" pitchFamily="23" charset="-128"/>
+                <a:cs typeface="Arial"/>
+              </a:defRPr>
+            </a:lvl1pPr>
+            <a:lvl2pPr marL="742950" indent="-285750" algn="l" defTabSz="457200" rtl="0" eaLnBrk="1" latinLnBrk="0" hangingPunct="1">
+              <a:spcBef>
+                <a:spcPct val="20000"/>
+              </a:spcBef>
+              <a:buFont typeface="Arial"/>
+              <a:buChar char="–"/>
+              <a:defRPr lang="fr-FR" sz="2800" kern="0" dirty="0" smtClean="0">
+                <a:solidFill>
+                  <a:srgbClr val="606060"/>
+                </a:solidFill>
+                <a:latin typeface="+mn-lt"/>
+                <a:ea typeface="ＭＳ Ｐゴシック" pitchFamily="23" charset="-128"/>
+                <a:cs typeface="+mn-cs"/>
+              </a:defRPr>
+            </a:lvl2pPr>
+            <a:lvl3pPr marL="1143000" indent="-228600" algn="l" defTabSz="457200" rtl="0" eaLnBrk="1" latinLnBrk="0" hangingPunct="1">
+              <a:spcBef>
+                <a:spcPct val="20000"/>
+              </a:spcBef>
+              <a:buFont typeface="Arial"/>
+              <a:buChar char="•"/>
+              <a:defRPr sz="2400" kern="1200">
+                <a:solidFill>
+                  <a:schemeClr val="tx1"/>
+                </a:solidFill>
+                <a:latin typeface="+mn-lt"/>
+                <a:ea typeface="+mn-ea"/>
+                <a:cs typeface="+mn-cs"/>
+              </a:defRPr>
+            </a:lvl3pPr>
+            <a:lvl4pPr marL="1600200" indent="-228600" algn="l" defTabSz="457200" rtl="0" eaLnBrk="1" latinLnBrk="0" hangingPunct="1">
+              <a:spcBef>
+                <a:spcPct val="20000"/>
+              </a:spcBef>
+              <a:buFont typeface="Arial"/>
+              <a:buChar char="–"/>
+              <a:defRPr sz="2000" kern="1200">
+                <a:solidFill>
+                  <a:schemeClr val="tx1"/>
+                </a:solidFill>
+                <a:latin typeface="+mn-lt"/>
+                <a:ea typeface="+mn-ea"/>
+                <a:cs typeface="+mn-cs"/>
+              </a:defRPr>
+            </a:lvl4pPr>
+            <a:lvl5pPr marL="446088" indent="-228600" algn="l" defTabSz="457200" rtl="0" eaLnBrk="1" latinLnBrk="0" hangingPunct="1">
+              <a:spcBef>
+                <a:spcPct val="20000"/>
+              </a:spcBef>
+              <a:buClr>
+                <a:srgbClr val="D3001C"/>
+              </a:buClr>
+              <a:buFont typeface="Arial"/>
+              <a:buChar char="»"/>
+              <a:tabLst/>
+              <a:defRPr lang="fr-FR" sz="1600" kern="0" baseline="0" dirty="0" smtClean="0">
+                <a:solidFill>
+                  <a:srgbClr val="606060"/>
+                </a:solidFill>
+                <a:latin typeface="Arial"/>
+                <a:ea typeface="ＭＳ Ｐゴシック" pitchFamily="23" charset="-128"/>
+                <a:cs typeface="Arial"/>
+              </a:defRPr>
+            </a:lvl5pPr>
+            <a:lvl6pPr marL="2514600" indent="-228600" algn="l" defTabSz="457200" rtl="0" eaLnBrk="1" latinLnBrk="0" hangingPunct="1">
+              <a:spcBef>
+                <a:spcPct val="20000"/>
+              </a:spcBef>
+              <a:buFont typeface="Arial"/>
+              <a:buChar char="•"/>
+              <a:defRPr sz="2000" kern="1200">
+                <a:solidFill>
+                  <a:schemeClr val="tx1"/>
+                </a:solidFill>
+                <a:latin typeface="+mn-lt"/>
+                <a:ea typeface="+mn-ea"/>
+                <a:cs typeface="+mn-cs"/>
+              </a:defRPr>
+            </a:lvl6pPr>
+            <a:lvl7pPr marL="2971800" indent="-228600" algn="l" defTabSz="457200" rtl="0" eaLnBrk="1" latinLnBrk="0" hangingPunct="1">
+              <a:spcBef>
+                <a:spcPct val="20000"/>
+              </a:spcBef>
+              <a:buFont typeface="Arial"/>
+              <a:buChar char="•"/>
+              <a:defRPr sz="2000" kern="1200">
+                <a:solidFill>
+                  <a:schemeClr val="tx1"/>
+                </a:solidFill>
+                <a:latin typeface="+mn-lt"/>
+                <a:ea typeface="+mn-ea"/>
+                <a:cs typeface="+mn-cs"/>
+              </a:defRPr>
+            </a:lvl7pPr>
+            <a:lvl8pPr marL="3429000" indent="-228600" algn="l" defTabSz="457200" rtl="0" eaLnBrk="1" latinLnBrk="0" hangingPunct="1">
+              <a:spcBef>
+                <a:spcPct val="20000"/>
+              </a:spcBef>
+              <a:buFont typeface="Arial"/>
+              <a:buChar char="•"/>
+              <a:defRPr sz="2000" kern="1200">
+                <a:solidFill>
+                  <a:schemeClr val="tx1"/>
+                </a:solidFill>
+                <a:latin typeface="+mn-lt"/>
+                <a:ea typeface="+mn-ea"/>
+                <a:cs typeface="+mn-cs"/>
+              </a:defRPr>
+            </a:lvl8pPr>
+            <a:lvl9pPr marL="3886200" indent="-228600" algn="l" defTabSz="457200" rtl="0" eaLnBrk="1" latinLnBrk="0" hangingPunct="1">
+              <a:spcBef>
+                <a:spcPct val="20000"/>
+              </a:spcBef>
+              <a:buFont typeface="Arial"/>
+              <a:buChar char="•"/>
+              <a:defRPr sz="2000" kern="1200">
+                <a:solidFill>
+                  <a:schemeClr val="tx1"/>
+                </a:solidFill>
+                <a:latin typeface="+mn-lt"/>
+                <a:ea typeface="+mn-ea"/>
+                <a:cs typeface="+mn-cs"/>
+              </a:defRPr>
+            </a:lvl9pPr>
+          </a:lstStyle>
+          <a:p>
+            <a:pPr marL="0" indent="0">
+              <a:buNone/>
+            </a:pPr>
+            <a:r>
+              <a:rPr lang="fr-FR" sz="2300" dirty="0" smtClean="0">
+                <a:solidFill>
+                  <a:schemeClr val="bg1"/>
+                </a:solidFill>
+              </a:rPr>
+              <a:t>   Arnaud Legout</a:t>
+            </a:r>
+            <a:endParaRPr lang="fr-FR" sz="2300" dirty="0">
+              <a:solidFill>
+                <a:schemeClr val="bg1"/>
+              </a:solidFill>
+            </a:endParaRPr>
+          </a:p>
+        </p:txBody>
+      </p:sp>
+      <p:pic>
+        <p:nvPicPr>
+          <p:cNvPr id="4" name="Image 3"/>
+          <p:cNvPicPr>
+            <a:picLocks noChangeAspect="1"/>
+          </p:cNvPicPr>
+          <p:nvPr/>
+        </p:nvPicPr>
+        <p:blipFill>
+          <a:blip r:embed="rId3">
+            <a:extLst>
+              <a:ext uri="{28A0092B-C50C-407E-A947-70E740481C1C}">
+                <a14:useLocalDpi xmlns:a14="http://schemas.microsoft.com/office/drawing/2010/main" val="0"/>
+              </a:ext>
+            </a:extLst>
+          </a:blip>
+          <a:stretch>
+            <a:fillRect/>
+          </a:stretch>
+        </p:blipFill>
+        <p:spPr>
+          <a:xfrm>
+            <a:off x="689442" y="6291135"/>
+            <a:ext cx="1190649" cy="515948"/>
+          </a:xfrm>
+          <a:prstGeom prst="rect">
+            <a:avLst/>
+          </a:prstGeom>
+        </p:spPr>
+      </p:pic>
+    </p:spTree>
+    <p:extLst>
+      <p:ext uri="{BB962C8B-B14F-4D97-AF65-F5344CB8AC3E}">
+        <p14:creationId xmlns:p14="http://schemas.microsoft.com/office/powerpoint/2010/main" val="3530156483"/>
+      </p:ext>
+    </p:extLst>
+  </p:cSld>
+  <p:clrMapOvr>
+    <a:masterClrMapping/>
+  </p:clrMapOvr>
+  <p:timing>
+    <p:tnLst>
+      <p:par>
+        <p:cTn id="1" dur="indefinite" restart="never" nodeType="tmRoot"/>
+      </p:par>
+    </p:tnLst>
+  </p:timing>
+</p:sld>
+</file>
+
+<file path=ppt/slides/slide9.xml><?xml version="1.0" encoding="utf-8"?>
+<p:sld xmlns:a="http://schemas.openxmlformats.org/drawingml/2006/main" xmlns:r="http://schemas.openxmlformats.org/officeDocument/2006/relationships" xmlns:p="http://schemas.openxmlformats.org/presentationml/2006/main">
+  <p:cSld>
+    <p:spTree>
+      <p:nvGrpSpPr>
+        <p:cNvPr id="1" name=""/>
+        <p:cNvGrpSpPr/>
+        <p:nvPr/>
+      </p:nvGrpSpPr>
+      <p:grpSpPr>
+        <a:xfrm>
+          <a:off x="0" y="0"/>
+          <a:ext cx="0" cy="0"/>
+          <a:chOff x="0" y="0"/>
+          <a:chExt cx="0" cy="0"/>
+        </a:xfrm>
+      </p:grpSpPr>
+      <p:sp>
+        <p:nvSpPr>
+          <p:cNvPr id="3" name="Titre 2"/>
+          <p:cNvSpPr>
+            <a:spLocks noGrp="1"/>
+          </p:cNvSpPr>
+          <p:nvPr>
+            <p:ph type="title"/>
+          </p:nvPr>
+        </p:nvSpPr>
+        <p:spPr/>
+        <p:txBody>
+          <a:bodyPr>
+            <a:noAutofit/>
+          </a:bodyPr>
+          <a:lstStyle/>
+          <a:p>
+            <a:r>
+              <a:rPr lang="fr-FR" dirty="0">
+                <a:latin typeface="Calibri" panose="020F0502020204030204" pitchFamily="34" charset="0"/>
+                <a:cs typeface="Calibri" panose="020F0502020204030204" pitchFamily="34" charset="0"/>
+              </a:rPr>
+              <a:t>Semaine 7. L'écosystème data science Python</a:t>
+            </a:r>
+            <a:br>
+              <a:rPr lang="fr-FR" dirty="0">
+                <a:latin typeface="Calibri" panose="020F0502020204030204" pitchFamily="34" charset="0"/>
+                <a:cs typeface="Calibri" panose="020F0502020204030204" pitchFamily="34" charset="0"/>
+              </a:rPr>
+            </a:br>
+            <a:endParaRPr lang="fr-FR" dirty="0">
+              <a:latin typeface="Calibri" panose="020F0502020204030204" pitchFamily="34" charset="0"/>
+              <a:cs typeface="Calibri" panose="020F0502020204030204" pitchFamily="34" charset="0"/>
+            </a:endParaRPr>
+          </a:p>
+        </p:txBody>
+      </p:sp>
+      <p:sp>
+        <p:nvSpPr>
+          <p:cNvPr id="8" name="Espace réservé du texte 7"/>
+          <p:cNvSpPr>
+            <a:spLocks noGrp="1"/>
+          </p:cNvSpPr>
+          <p:nvPr>
+            <p:ph type="body" sz="quarter" idx="12"/>
+          </p:nvPr>
+        </p:nvSpPr>
+        <p:spPr>
+          <a:xfrm>
+            <a:off x="1782709" y="6384935"/>
+            <a:ext cx="10040047" cy="690832"/>
+          </a:xfrm>
+        </p:spPr>
+        <p:txBody>
+          <a:bodyPr/>
+          <a:lstStyle/>
+          <a:p>
+            <a:r>
+              <a:rPr lang="fr-FR" dirty="0"/>
+              <a:t>Python 3 : des fondamentaux aux concepts avancés du langage</a:t>
+            </a:r>
+          </a:p>
+        </p:txBody>
+      </p:sp>
+      <p:sp>
+        <p:nvSpPr>
+          <p:cNvPr id="11" name="Espace réservé du texte 10"/>
+          <p:cNvSpPr>
+            <a:spLocks noGrp="1"/>
+          </p:cNvSpPr>
+          <p:nvPr>
+            <p:ph type="body" sz="quarter" idx="10"/>
+          </p:nvPr>
+        </p:nvSpPr>
+        <p:spPr>
+          <a:xfrm>
+            <a:off x="2928079" y="1047979"/>
+            <a:ext cx="9263921" cy="5318837"/>
+          </a:xfrm>
+        </p:spPr>
+        <p:txBody>
+          <a:bodyPr>
+            <a:normAutofit lnSpcReduction="10000"/>
+          </a:bodyPr>
+          <a:lstStyle/>
+          <a:p>
+            <a:pPr marL="609585" indent="-609585">
+              <a:buFont typeface="+mj-lt"/>
+              <a:buAutoNum type="arabicPeriod"/>
+            </a:pPr>
+            <a:r>
+              <a:rPr lang="fr-FR" dirty="0" smtClean="0">
+                <a:latin typeface="Calibri" panose="020F0502020204030204" pitchFamily="34" charset="0"/>
+                <a:cs typeface="Calibri" panose="020F0502020204030204" pitchFamily="34" charset="0"/>
+              </a:rPr>
+              <a:t>Pr</a:t>
+            </a:r>
+            <a:r>
+              <a:rPr lang="en-US" dirty="0" err="1" smtClean="0">
+                <a:latin typeface="Calibri" panose="020F0502020204030204" pitchFamily="34" charset="0"/>
+                <a:cs typeface="Calibri" panose="020F0502020204030204" pitchFamily="34" charset="0"/>
+              </a:rPr>
+              <a:t>ésentation</a:t>
+            </a:r>
+            <a:r>
+              <a:rPr lang="en-US" dirty="0" smtClean="0">
+                <a:latin typeface="Calibri" panose="020F0502020204030204" pitchFamily="34" charset="0"/>
+                <a:cs typeface="Calibri" panose="020F0502020204030204" pitchFamily="34" charset="0"/>
+              </a:rPr>
+              <a:t> </a:t>
+            </a:r>
+            <a:r>
+              <a:rPr lang="en-US" dirty="0" err="1" smtClean="0">
+                <a:latin typeface="Calibri" panose="020F0502020204030204" pitchFamily="34" charset="0"/>
+                <a:cs typeface="Calibri" panose="020F0502020204030204" pitchFamily="34" charset="0"/>
+              </a:rPr>
+              <a:t>générale</a:t>
+            </a:r>
+            <a:endParaRPr lang="fr-FR" dirty="0">
+              <a:latin typeface="Calibri" panose="020F0502020204030204" pitchFamily="34" charset="0"/>
+              <a:cs typeface="Calibri" panose="020F0502020204030204" pitchFamily="34" charset="0"/>
+            </a:endParaRPr>
+          </a:p>
+          <a:p>
+            <a:pPr marL="609585" indent="-609585">
+              <a:buFont typeface="+mj-lt"/>
+              <a:buAutoNum type="arabicPeriod"/>
+            </a:pPr>
+            <a:r>
+              <a:rPr lang="fr-FR" dirty="0" err="1" smtClean="0">
+                <a:latin typeface="Courier New" panose="02070309020205020404" pitchFamily="49" charset="0"/>
+                <a:cs typeface="Courier New" panose="02070309020205020404" pitchFamily="49" charset="0"/>
+              </a:rPr>
+              <a:t>numpy</a:t>
+            </a:r>
+            <a:r>
+              <a:rPr lang="fr-FR" dirty="0" smtClean="0">
+                <a:latin typeface="Calibri" panose="020F0502020204030204" pitchFamily="34" charset="0"/>
+                <a:cs typeface="Calibri" panose="020F0502020204030204" pitchFamily="34" charset="0"/>
+              </a:rPr>
+              <a:t>: le type </a:t>
+            </a:r>
+            <a:r>
+              <a:rPr lang="fr-FR" dirty="0" err="1" smtClean="0">
+                <a:latin typeface="Courier New" panose="02070309020205020404" pitchFamily="49" charset="0"/>
+                <a:ea typeface="Courier New" charset="0"/>
+                <a:cs typeface="Courier New" panose="02070309020205020404" pitchFamily="49" charset="0"/>
+              </a:rPr>
+              <a:t>ndarray</a:t>
+            </a:r>
+            <a:r>
+              <a:rPr lang="fr-FR" dirty="0" smtClean="0">
+                <a:latin typeface="Calibri" panose="020F0502020204030204" pitchFamily="34" charset="0"/>
+                <a:cs typeface="Calibri" panose="020F0502020204030204" pitchFamily="34" charset="0"/>
+              </a:rPr>
+              <a:t> </a:t>
+            </a:r>
+          </a:p>
+          <a:p>
+            <a:pPr marL="609585" indent="-609585">
+              <a:buFont typeface="+mj-lt"/>
+              <a:buAutoNum type="arabicPeriod"/>
+            </a:pPr>
+            <a:r>
+              <a:rPr lang="fr-FR" dirty="0" err="1">
+                <a:latin typeface="Courier New" panose="02070309020205020404" pitchFamily="49" charset="0"/>
+                <a:cs typeface="Courier New" panose="02070309020205020404" pitchFamily="49" charset="0"/>
+              </a:rPr>
+              <a:t>numpy</a:t>
+            </a:r>
+            <a:r>
+              <a:rPr lang="fr-FR" dirty="0">
+                <a:latin typeface="Calibri" panose="020F0502020204030204" pitchFamily="34" charset="0"/>
+                <a:cs typeface="Calibri" panose="020F0502020204030204" pitchFamily="34" charset="0"/>
+              </a:rPr>
+              <a:t>: </a:t>
+            </a:r>
+            <a:r>
+              <a:rPr lang="fr-FR" i="1" dirty="0" err="1" smtClean="0">
+                <a:latin typeface="Calibri" panose="020F0502020204030204" pitchFamily="34" charset="0"/>
+                <a:cs typeface="Calibri" panose="020F0502020204030204" pitchFamily="34" charset="0"/>
+              </a:rPr>
+              <a:t>slicing</a:t>
+            </a:r>
+            <a:r>
+              <a:rPr lang="fr-FR" dirty="0" smtClean="0">
+                <a:latin typeface="Calibri" panose="020F0502020204030204" pitchFamily="34" charset="0"/>
+                <a:cs typeface="Calibri" panose="020F0502020204030204" pitchFamily="34" charset="0"/>
+              </a:rPr>
+              <a:t>, </a:t>
+            </a:r>
+            <a:r>
+              <a:rPr lang="fr-FR" i="1" dirty="0" err="1" smtClean="0">
+                <a:latin typeface="Calibri" panose="020F0502020204030204" pitchFamily="34" charset="0"/>
+                <a:cs typeface="Calibri" panose="020F0502020204030204" pitchFamily="34" charset="0"/>
+              </a:rPr>
+              <a:t>reshaping</a:t>
+            </a:r>
+            <a:r>
+              <a:rPr lang="fr-FR" i="1" dirty="0" smtClean="0">
+                <a:latin typeface="Calibri" panose="020F0502020204030204" pitchFamily="34" charset="0"/>
+                <a:cs typeface="Calibri" panose="020F0502020204030204" pitchFamily="34" charset="0"/>
+              </a:rPr>
+              <a:t> </a:t>
+            </a:r>
+            <a:r>
+              <a:rPr lang="fr-FR" dirty="0" smtClean="0">
+                <a:latin typeface="Calibri" panose="020F0502020204030204" pitchFamily="34" charset="0"/>
+                <a:cs typeface="Calibri" panose="020F0502020204030204" pitchFamily="34" charset="0"/>
+              </a:rPr>
+              <a:t>et indexation </a:t>
+            </a:r>
+            <a:r>
+              <a:rPr lang="fr-FR" dirty="0" err="1" smtClean="0">
+                <a:latin typeface="Calibri" panose="020F0502020204030204" pitchFamily="34" charset="0"/>
+                <a:cs typeface="Calibri" panose="020F0502020204030204" pitchFamily="34" charset="0"/>
+              </a:rPr>
+              <a:t>avanc</a:t>
+            </a:r>
+            <a:r>
+              <a:rPr lang="en-US" dirty="0" err="1" smtClean="0">
+                <a:latin typeface="Calibri" panose="020F0502020204030204" pitchFamily="34" charset="0"/>
+                <a:cs typeface="Calibri" panose="020F0502020204030204" pitchFamily="34" charset="0"/>
+              </a:rPr>
+              <a:t>ée</a:t>
+            </a:r>
+            <a:endParaRPr lang="en-US" dirty="0" smtClean="0">
+              <a:latin typeface="Calibri" panose="020F0502020204030204" pitchFamily="34" charset="0"/>
+              <a:cs typeface="Calibri" panose="020F0502020204030204" pitchFamily="34" charset="0"/>
+            </a:endParaRPr>
+          </a:p>
+          <a:p>
+            <a:pPr marL="609585" indent="-609585">
+              <a:buFont typeface="+mj-lt"/>
+              <a:buAutoNum type="arabicPeriod"/>
+            </a:pPr>
+            <a:r>
+              <a:rPr lang="fr-FR" dirty="0" err="1">
+                <a:latin typeface="Courier New" panose="02070309020205020404" pitchFamily="49" charset="0"/>
+                <a:cs typeface="Courier New" panose="02070309020205020404" pitchFamily="49" charset="0"/>
+              </a:rPr>
+              <a:t>numpy</a:t>
+            </a:r>
+            <a:r>
+              <a:rPr lang="fr-FR" dirty="0">
+                <a:latin typeface="Calibri" panose="020F0502020204030204" pitchFamily="34" charset="0"/>
+                <a:cs typeface="Calibri" panose="020F0502020204030204" pitchFamily="34" charset="0"/>
+              </a:rPr>
+              <a:t>: </a:t>
+            </a:r>
+            <a:r>
+              <a:rPr lang="en-US" dirty="0" err="1" smtClean="0">
+                <a:latin typeface="Calibri" panose="020F0502020204030204" pitchFamily="34" charset="0"/>
+                <a:cs typeface="Calibri" panose="020F0502020204030204" pitchFamily="34" charset="0"/>
+              </a:rPr>
+              <a:t>vectorisation</a:t>
+            </a:r>
+            <a:endParaRPr lang="en-US" dirty="0" smtClean="0">
+              <a:latin typeface="Calibri" panose="020F0502020204030204" pitchFamily="34" charset="0"/>
+              <a:cs typeface="Calibri" panose="020F0502020204030204" pitchFamily="34" charset="0"/>
+            </a:endParaRPr>
+          </a:p>
+          <a:p>
+            <a:pPr marL="609585" indent="-609585">
+              <a:buFont typeface="+mj-lt"/>
+              <a:buAutoNum type="arabicPeriod"/>
+            </a:pPr>
+            <a:r>
+              <a:rPr lang="fr-FR" dirty="0" err="1">
+                <a:latin typeface="Courier New" panose="02070309020205020404" pitchFamily="49" charset="0"/>
+                <a:cs typeface="Courier New" panose="02070309020205020404" pitchFamily="49" charset="0"/>
+              </a:rPr>
+              <a:t>numpy</a:t>
+            </a:r>
+            <a:r>
+              <a:rPr lang="fr-FR" dirty="0">
+                <a:latin typeface="Calibri" panose="020F0502020204030204" pitchFamily="34" charset="0"/>
+                <a:cs typeface="Calibri" panose="020F0502020204030204" pitchFamily="34" charset="0"/>
+              </a:rPr>
+              <a:t>: </a:t>
+            </a:r>
+            <a:r>
+              <a:rPr lang="en-US" i="1" dirty="0" smtClean="0">
+                <a:latin typeface="Calibri" panose="020F0502020204030204" pitchFamily="34" charset="0"/>
+                <a:cs typeface="Calibri" panose="020F0502020204030204" pitchFamily="34" charset="0"/>
+              </a:rPr>
+              <a:t>broadcasting</a:t>
+            </a:r>
+          </a:p>
+          <a:p>
+            <a:pPr marL="609585" indent="-609585">
+              <a:buFont typeface="+mj-lt"/>
+              <a:buAutoNum type="arabicPeriod"/>
+            </a:pPr>
+            <a:r>
+              <a:rPr lang="en-US" dirty="0" smtClean="0">
+                <a:latin typeface="Courier New" panose="02070309020205020404" pitchFamily="49" charset="0"/>
+                <a:ea typeface="Courier New" charset="0"/>
+                <a:cs typeface="Courier New" panose="02070309020205020404" pitchFamily="49" charset="0"/>
+              </a:rPr>
+              <a:t>pandas</a:t>
+            </a:r>
+            <a:r>
+              <a:rPr lang="en-US" dirty="0" smtClean="0">
+                <a:latin typeface="Calibri" panose="020F0502020204030204" pitchFamily="34" charset="0"/>
+                <a:cs typeface="Calibri" panose="020F0502020204030204" pitchFamily="34" charset="0"/>
+              </a:rPr>
+              <a:t>: introduction aux </a:t>
+            </a:r>
+            <a:r>
+              <a:rPr lang="en-US" dirty="0" smtClean="0">
+                <a:latin typeface="Courier New" panose="02070309020205020404" pitchFamily="49" charset="0"/>
+                <a:ea typeface="Courier New" charset="0"/>
+                <a:cs typeface="Courier New" panose="02070309020205020404" pitchFamily="49" charset="0"/>
+              </a:rPr>
+              <a:t>Series</a:t>
+            </a:r>
+            <a:r>
+              <a:rPr lang="en-US" dirty="0" smtClean="0">
+                <a:latin typeface="Calibri" panose="020F0502020204030204" pitchFamily="34" charset="0"/>
+                <a:cs typeface="Calibri" panose="020F0502020204030204" pitchFamily="34" charset="0"/>
+              </a:rPr>
+              <a:t> et aux indexes</a:t>
+            </a:r>
+          </a:p>
+          <a:p>
+            <a:pPr marL="609585" indent="-609585">
+              <a:buFont typeface="+mj-lt"/>
+              <a:buAutoNum type="arabicPeriod"/>
+            </a:pPr>
+            <a:r>
+              <a:rPr lang="en-US" dirty="0">
+                <a:latin typeface="Courier New" panose="02070309020205020404" pitchFamily="49" charset="0"/>
+                <a:ea typeface="Courier New" charset="0"/>
+                <a:cs typeface="Courier New" panose="02070309020205020404" pitchFamily="49" charset="0"/>
+              </a:rPr>
+              <a:t>pandas</a:t>
+            </a:r>
+            <a:r>
+              <a:rPr lang="en-US" dirty="0">
+                <a:latin typeface="Calibri" panose="020F0502020204030204" pitchFamily="34" charset="0"/>
+                <a:cs typeface="Calibri" panose="020F0502020204030204" pitchFamily="34" charset="0"/>
+              </a:rPr>
+              <a:t>: le </a:t>
+            </a:r>
+            <a:r>
+              <a:rPr lang="en-US" dirty="0" smtClean="0">
+                <a:latin typeface="Calibri" panose="020F0502020204030204" pitchFamily="34" charset="0"/>
+                <a:cs typeface="Calibri" panose="020F0502020204030204" pitchFamily="34" charset="0"/>
+              </a:rPr>
+              <a:t>type </a:t>
+            </a:r>
+            <a:r>
+              <a:rPr lang="en-US" dirty="0" err="1" smtClean="0">
+                <a:latin typeface="Courier New" panose="02070309020205020404" pitchFamily="49" charset="0"/>
+                <a:ea typeface="Courier New" charset="0"/>
+                <a:cs typeface="Courier New" panose="02070309020205020404" pitchFamily="49" charset="0"/>
+              </a:rPr>
+              <a:t>DataFrame</a:t>
+            </a:r>
+            <a:endParaRPr lang="en-US" dirty="0" smtClean="0">
+              <a:latin typeface="Courier New" panose="02070309020205020404" pitchFamily="49" charset="0"/>
+              <a:ea typeface="Courier New" charset="0"/>
+              <a:cs typeface="Courier New" panose="02070309020205020404" pitchFamily="49" charset="0"/>
+            </a:endParaRPr>
+          </a:p>
+          <a:p>
+            <a:pPr marL="609585" indent="-609585">
+              <a:buFont typeface="+mj-lt"/>
+              <a:buAutoNum type="arabicPeriod"/>
+            </a:pPr>
+            <a:r>
+              <a:rPr lang="en-US" b="1" dirty="0">
+                <a:latin typeface="Courier New" panose="02070309020205020404" pitchFamily="49" charset="0"/>
+                <a:ea typeface="Courier New" charset="0"/>
+                <a:cs typeface="Courier New" panose="02070309020205020404" pitchFamily="49" charset="0"/>
+              </a:rPr>
+              <a:t>pandas</a:t>
+            </a:r>
+            <a:r>
+              <a:rPr lang="en-US" b="1" dirty="0">
+                <a:latin typeface="Calibri" panose="020F0502020204030204" pitchFamily="34" charset="0"/>
+                <a:cs typeface="Calibri" panose="020F0502020204030204" pitchFamily="34" charset="0"/>
+              </a:rPr>
+              <a:t>: </a:t>
+            </a:r>
+            <a:r>
+              <a:rPr lang="en-US" b="1" dirty="0" err="1" smtClean="0">
+                <a:latin typeface="Calibri" panose="020F0502020204030204" pitchFamily="34" charset="0"/>
+                <a:cs typeface="Calibri" panose="020F0502020204030204" pitchFamily="34" charset="0"/>
+              </a:rPr>
+              <a:t>opérations</a:t>
+            </a:r>
+            <a:r>
+              <a:rPr lang="en-US" b="1" dirty="0" smtClean="0">
+                <a:latin typeface="Calibri" panose="020F0502020204030204" pitchFamily="34" charset="0"/>
+                <a:cs typeface="Calibri" panose="020F0502020204030204" pitchFamily="34" charset="0"/>
+              </a:rPr>
+              <a:t> </a:t>
+            </a:r>
+            <a:r>
+              <a:rPr lang="en-US" b="1" dirty="0" err="1" smtClean="0">
+                <a:latin typeface="Calibri" panose="020F0502020204030204" pitchFamily="34" charset="0"/>
+                <a:cs typeface="Calibri" panose="020F0502020204030204" pitchFamily="34" charset="0"/>
+              </a:rPr>
+              <a:t>avancées</a:t>
+            </a:r>
+            <a:endParaRPr lang="en-US" b="1" dirty="0" smtClean="0">
+              <a:latin typeface="Calibri" panose="020F0502020204030204" pitchFamily="34" charset="0"/>
+              <a:cs typeface="Calibri" panose="020F0502020204030204" pitchFamily="34" charset="0"/>
+            </a:endParaRPr>
+          </a:p>
+          <a:p>
+            <a:pPr marL="609585" indent="-609585">
+              <a:buFont typeface="+mj-lt"/>
+              <a:buAutoNum type="arabicPeriod"/>
+            </a:pPr>
+            <a:r>
+              <a:rPr lang="en-US" dirty="0">
+                <a:latin typeface="Courier New" panose="02070309020205020404" pitchFamily="49" charset="0"/>
+                <a:ea typeface="Courier New" charset="0"/>
+                <a:cs typeface="Courier New" panose="02070309020205020404" pitchFamily="49" charset="0"/>
+              </a:rPr>
+              <a:t>pandas</a:t>
+            </a:r>
+            <a:r>
+              <a:rPr lang="en-US" dirty="0">
+                <a:latin typeface="Calibri" panose="020F0502020204030204" pitchFamily="34" charset="0"/>
+                <a:cs typeface="Calibri" panose="020F0502020204030204" pitchFamily="34" charset="0"/>
+              </a:rPr>
+              <a:t>: </a:t>
+            </a:r>
+            <a:r>
+              <a:rPr lang="en-US" dirty="0" err="1" smtClean="0">
+                <a:latin typeface="Calibri" panose="020F0502020204030204" pitchFamily="34" charset="0"/>
+                <a:cs typeface="Calibri" panose="020F0502020204030204" pitchFamily="34" charset="0"/>
+              </a:rPr>
+              <a:t>gestion</a:t>
+            </a:r>
+            <a:r>
+              <a:rPr lang="en-US" dirty="0" smtClean="0">
+                <a:latin typeface="Calibri" panose="020F0502020204030204" pitchFamily="34" charset="0"/>
+                <a:cs typeface="Calibri" panose="020F0502020204030204" pitchFamily="34" charset="0"/>
+              </a:rPr>
+              <a:t> des dates </a:t>
+            </a:r>
+            <a:r>
+              <a:rPr lang="en-US" dirty="0" smtClean="0">
+                <a:latin typeface="Calibri" panose="020F0502020204030204" pitchFamily="34" charset="0"/>
+                <a:cs typeface="Calibri" panose="020F0502020204030204" pitchFamily="34" charset="0"/>
+              </a:rPr>
+              <a:t>et des </a:t>
+            </a:r>
+            <a:r>
+              <a:rPr lang="en-US" dirty="0" err="1" smtClean="0">
+                <a:latin typeface="Calibri" panose="020F0502020204030204" pitchFamily="34" charset="0"/>
+                <a:cs typeface="Calibri" panose="020F0502020204030204" pitchFamily="34" charset="0"/>
+              </a:rPr>
+              <a:t>séries</a:t>
+            </a:r>
+            <a:r>
+              <a:rPr lang="en-US" dirty="0" smtClean="0">
+                <a:latin typeface="Calibri" panose="020F0502020204030204" pitchFamily="34" charset="0"/>
+                <a:cs typeface="Calibri" panose="020F0502020204030204" pitchFamily="34" charset="0"/>
+              </a:rPr>
+              <a:t> </a:t>
+            </a:r>
+            <a:r>
+              <a:rPr lang="en-US" dirty="0" err="1" smtClean="0">
+                <a:latin typeface="Calibri" panose="020F0502020204030204" pitchFamily="34" charset="0"/>
+                <a:cs typeface="Calibri" panose="020F0502020204030204" pitchFamily="34" charset="0"/>
+              </a:rPr>
+              <a:t>temporelles</a:t>
+            </a:r>
+            <a:endParaRPr lang="fr-FR" dirty="0">
+              <a:latin typeface="Calibri" panose="020F0502020204030204" pitchFamily="34" charset="0"/>
+              <a:cs typeface="Calibri" panose="020F0502020204030204" pitchFamily="34" charset="0"/>
+            </a:endParaRPr>
+          </a:p>
+        </p:txBody>
+      </p:sp>
+      <p:sp>
+        <p:nvSpPr>
+          <p:cNvPr id="12" name="Arrondir un rectangle avec un coin du même côté 8"/>
+          <p:cNvSpPr/>
+          <p:nvPr/>
+        </p:nvSpPr>
+        <p:spPr>
+          <a:xfrm>
+            <a:off x="33374" y="5822684"/>
+            <a:ext cx="2531337" cy="1009141"/>
+          </a:xfrm>
+          <a:prstGeom prst="round2SameRect">
+            <a:avLst/>
+          </a:prstGeom>
+          <a:solidFill>
+            <a:srgbClr val="E1001A"/>
+          </a:solidFill>
+          <a:ln>
+            <a:noFill/>
+          </a:ln>
+          <a:effectLst>
+            <a:outerShdw blurRad="50800" dist="38100" algn="l" rotWithShape="0">
+              <a:prstClr val="black">
+                <a:alpha val="40000"/>
+              </a:prstClr>
+            </a:outerShdw>
+          </a:effectLst>
+        </p:spPr>
+        <p:style>
+          <a:lnRef idx="1">
+            <a:schemeClr val="accent1"/>
+          </a:lnRef>
+          <a:fillRef idx="3">
+            <a:schemeClr val="accent1"/>
+          </a:fillRef>
+          <a:effectRef idx="2">
+            <a:schemeClr val="accent1"/>
+          </a:effectRef>
+          <a:fontRef idx="minor">
+            <a:schemeClr val="lt1"/>
+          </a:fontRef>
+        </p:style>
+        <p:txBody>
+          <a:bodyPr rtlCol="0" anchor="ctr"/>
+          <a:lstStyle/>
+          <a:p>
+            <a:pPr algn="ctr"/>
+            <a:endParaRPr lang="fr-FR" sz="2133" dirty="0">
+              <a:solidFill>
+                <a:srgbClr val="FFFFFF"/>
+              </a:solidFill>
+            </a:endParaRPr>
+          </a:p>
+        </p:txBody>
+      </p:sp>
+      <p:sp>
+        <p:nvSpPr>
+          <p:cNvPr id="13" name="Espace réservé du contenu 4"/>
+          <p:cNvSpPr txBox="1">
+            <a:spLocks/>
+          </p:cNvSpPr>
+          <p:nvPr/>
+        </p:nvSpPr>
+        <p:spPr>
+          <a:xfrm>
+            <a:off x="-16625" y="5881602"/>
+            <a:ext cx="3913481" cy="959656"/>
+          </a:xfrm>
+          <a:prstGeom prst="rect">
+            <a:avLst/>
+          </a:prstGeom>
+        </p:spPr>
+        <p:txBody>
+          <a:bodyPr/>
+          <a:lstStyle>
+            <a:lvl1pPr marL="180975" indent="-180975" algn="l" defTabSz="457200" rtl="0" eaLnBrk="1" latinLnBrk="0" hangingPunct="1">
+              <a:spcBef>
+                <a:spcPct val="20000"/>
+              </a:spcBef>
+              <a:buClr>
+                <a:srgbClr val="D3001C"/>
+              </a:buClr>
+              <a:buFont typeface="Arial"/>
+              <a:buChar char="•"/>
+              <a:defRPr lang="fr-FR" sz="1800" kern="0" dirty="0" smtClean="0">
+                <a:solidFill>
+                  <a:srgbClr val="606060"/>
+                </a:solidFill>
+                <a:latin typeface="Arial"/>
+                <a:ea typeface="ＭＳ Ｐゴシック" pitchFamily="23" charset="-128"/>
+                <a:cs typeface="Arial"/>
+              </a:defRPr>
+            </a:lvl1pPr>
+            <a:lvl2pPr marL="742950" indent="-285750" algn="l" defTabSz="457200" rtl="0" eaLnBrk="1" latinLnBrk="0" hangingPunct="1">
+              <a:spcBef>
+                <a:spcPct val="20000"/>
+              </a:spcBef>
+              <a:buFont typeface="Arial"/>
+              <a:buChar char="–"/>
+              <a:defRPr lang="fr-FR" sz="2800" kern="0" dirty="0" smtClean="0">
+                <a:solidFill>
+                  <a:srgbClr val="606060"/>
+                </a:solidFill>
+                <a:latin typeface="+mn-lt"/>
+                <a:ea typeface="ＭＳ Ｐゴシック" pitchFamily="23" charset="-128"/>
+                <a:cs typeface="+mn-cs"/>
+              </a:defRPr>
+            </a:lvl2pPr>
+            <a:lvl3pPr marL="1143000" indent="-228600" algn="l" defTabSz="457200" rtl="0" eaLnBrk="1" latinLnBrk="0" hangingPunct="1">
+              <a:spcBef>
+                <a:spcPct val="20000"/>
+              </a:spcBef>
+              <a:buFont typeface="Arial"/>
+              <a:buChar char="•"/>
+              <a:defRPr sz="2400" kern="1200">
+                <a:solidFill>
+                  <a:schemeClr val="tx1"/>
+                </a:solidFill>
+                <a:latin typeface="+mn-lt"/>
+                <a:ea typeface="+mn-ea"/>
+                <a:cs typeface="+mn-cs"/>
+              </a:defRPr>
+            </a:lvl3pPr>
+            <a:lvl4pPr marL="1600200" indent="-228600" algn="l" defTabSz="457200" rtl="0" eaLnBrk="1" latinLnBrk="0" hangingPunct="1">
+              <a:spcBef>
+                <a:spcPct val="20000"/>
+              </a:spcBef>
+              <a:buFont typeface="Arial"/>
+              <a:buChar char="–"/>
+              <a:defRPr sz="2000" kern="1200">
+                <a:solidFill>
+                  <a:schemeClr val="tx1"/>
+                </a:solidFill>
+                <a:latin typeface="+mn-lt"/>
+                <a:ea typeface="+mn-ea"/>
+                <a:cs typeface="+mn-cs"/>
+              </a:defRPr>
+            </a:lvl4pPr>
+            <a:lvl5pPr marL="446088" indent="-228600" algn="l" defTabSz="457200" rtl="0" eaLnBrk="1" latinLnBrk="0" hangingPunct="1">
+              <a:spcBef>
+                <a:spcPct val="20000"/>
+              </a:spcBef>
+              <a:buClr>
+                <a:srgbClr val="D3001C"/>
+              </a:buClr>
+              <a:buFont typeface="Arial"/>
+              <a:buChar char="»"/>
+              <a:tabLst/>
+              <a:defRPr lang="fr-FR" sz="1600" kern="0" baseline="0" dirty="0" smtClean="0">
+                <a:solidFill>
+                  <a:srgbClr val="606060"/>
+                </a:solidFill>
+                <a:latin typeface="Arial"/>
+                <a:ea typeface="ＭＳ Ｐゴシック" pitchFamily="23" charset="-128"/>
+                <a:cs typeface="Arial"/>
+              </a:defRPr>
+            </a:lvl5pPr>
+            <a:lvl6pPr marL="2514600" indent="-228600" algn="l" defTabSz="457200" rtl="0" eaLnBrk="1" latinLnBrk="0" hangingPunct="1">
+              <a:spcBef>
+                <a:spcPct val="20000"/>
+              </a:spcBef>
+              <a:buFont typeface="Arial"/>
+              <a:buChar char="•"/>
+              <a:defRPr sz="2000" kern="1200">
+                <a:solidFill>
+                  <a:schemeClr val="tx1"/>
+                </a:solidFill>
+                <a:latin typeface="+mn-lt"/>
+                <a:ea typeface="+mn-ea"/>
+                <a:cs typeface="+mn-cs"/>
+              </a:defRPr>
+            </a:lvl6pPr>
+            <a:lvl7pPr marL="2971800" indent="-228600" algn="l" defTabSz="457200" rtl="0" eaLnBrk="1" latinLnBrk="0" hangingPunct="1">
+              <a:spcBef>
+                <a:spcPct val="20000"/>
+              </a:spcBef>
+              <a:buFont typeface="Arial"/>
+              <a:buChar char="•"/>
+              <a:defRPr sz="2000" kern="1200">
+                <a:solidFill>
+                  <a:schemeClr val="tx1"/>
+                </a:solidFill>
+                <a:latin typeface="+mn-lt"/>
+                <a:ea typeface="+mn-ea"/>
+                <a:cs typeface="+mn-cs"/>
+              </a:defRPr>
+            </a:lvl7pPr>
+            <a:lvl8pPr marL="3429000" indent="-228600" algn="l" defTabSz="457200" rtl="0" eaLnBrk="1" latinLnBrk="0" hangingPunct="1">
+              <a:spcBef>
+                <a:spcPct val="20000"/>
+              </a:spcBef>
+              <a:buFont typeface="Arial"/>
+              <a:buChar char="•"/>
+              <a:defRPr sz="2000" kern="1200">
+                <a:solidFill>
+                  <a:schemeClr val="tx1"/>
+                </a:solidFill>
+                <a:latin typeface="+mn-lt"/>
+                <a:ea typeface="+mn-ea"/>
+                <a:cs typeface="+mn-cs"/>
+              </a:defRPr>
+            </a:lvl8pPr>
+            <a:lvl9pPr marL="3886200" indent="-228600" algn="l" defTabSz="457200" rtl="0" eaLnBrk="1" latinLnBrk="0" hangingPunct="1">
+              <a:spcBef>
+                <a:spcPct val="20000"/>
+              </a:spcBef>
+              <a:buFont typeface="Arial"/>
+              <a:buChar char="•"/>
+              <a:defRPr sz="2000" kern="1200">
+                <a:solidFill>
+                  <a:schemeClr val="tx1"/>
+                </a:solidFill>
+                <a:latin typeface="+mn-lt"/>
+                <a:ea typeface="+mn-ea"/>
+                <a:cs typeface="+mn-cs"/>
+              </a:defRPr>
+            </a:lvl9pPr>
+          </a:lstStyle>
+          <a:p>
+            <a:pPr marL="0" indent="0">
+              <a:buNone/>
+            </a:pPr>
+            <a:r>
+              <a:rPr lang="fr-FR" sz="2300" dirty="0" smtClean="0">
+                <a:solidFill>
+                  <a:schemeClr val="bg1"/>
+                </a:solidFill>
+              </a:rPr>
+              <a:t>   Arnaud Legout</a:t>
+            </a:r>
+            <a:endParaRPr lang="fr-FR" sz="2300" dirty="0">
+              <a:solidFill>
+                <a:schemeClr val="bg1"/>
+              </a:solidFill>
+            </a:endParaRPr>
+          </a:p>
+        </p:txBody>
+      </p:sp>
+      <p:pic>
+        <p:nvPicPr>
+          <p:cNvPr id="4" name="Image 3"/>
+          <p:cNvPicPr>
+            <a:picLocks noChangeAspect="1"/>
+          </p:cNvPicPr>
+          <p:nvPr/>
+        </p:nvPicPr>
+        <p:blipFill>
+          <a:blip r:embed="rId3">
+            <a:extLst>
+              <a:ext uri="{28A0092B-C50C-407E-A947-70E740481C1C}">
+                <a14:useLocalDpi xmlns:a14="http://schemas.microsoft.com/office/drawing/2010/main" val="0"/>
+              </a:ext>
+            </a:extLst>
+          </a:blip>
+          <a:stretch>
+            <a:fillRect/>
+          </a:stretch>
+        </p:blipFill>
+        <p:spPr>
+          <a:xfrm>
+            <a:off x="689442" y="6291135"/>
+            <a:ext cx="1190649" cy="515948"/>
+          </a:xfrm>
+          <a:prstGeom prst="rect">
+            <a:avLst/>
+          </a:prstGeom>
+        </p:spPr>
+      </p:pic>
+    </p:spTree>
+    <p:extLst>
+      <p:ext uri="{BB962C8B-B14F-4D97-AF65-F5344CB8AC3E}">
+        <p14:creationId xmlns:p14="http://schemas.microsoft.com/office/powerpoint/2010/main" val="3029201810"/>
+      </p:ext>
+    </p:extLst>
+  </p:cSld>
+  <p:clrMapOvr>
+    <a:masterClrMapping/>
+  </p:clrMapOvr>
+  <p:timing>
+    <p:tnLst>
+      <p:par>
+        <p:cTn id="1" dur="indefinite" restart="never" nodeType="tmRoot"/>
+      </p:par>
+    </p:tnLst>
+  </p:timing>
 </p:sld>
 </file>
 
